--- a/DataFlow1.pptx
+++ b/DataFlow1.pptx
@@ -5,45 +5,46 @@
     <p:sldMasterId id="2147483648" r:id="rId1"/>
   </p:sldMasterIdLst>
   <p:notesMasterIdLst>
-    <p:notesMasterId r:id="rId38"/>
+    <p:notesMasterId r:id="rId39"/>
   </p:notesMasterIdLst>
   <p:sldIdLst>
     <p:sldId id="256" r:id="rId2"/>
     <p:sldId id="265" r:id="rId3"/>
     <p:sldId id="259" r:id="rId4"/>
-    <p:sldId id="260" r:id="rId5"/>
-    <p:sldId id="285" r:id="rId6"/>
-    <p:sldId id="287" r:id="rId7"/>
-    <p:sldId id="288" r:id="rId8"/>
-    <p:sldId id="286" r:id="rId9"/>
-    <p:sldId id="283" r:id="rId10"/>
-    <p:sldId id="308" r:id="rId11"/>
-    <p:sldId id="282" r:id="rId12"/>
-    <p:sldId id="291" r:id="rId13"/>
-    <p:sldId id="289" r:id="rId14"/>
-    <p:sldId id="290" r:id="rId15"/>
-    <p:sldId id="263" r:id="rId16"/>
-    <p:sldId id="276" r:id="rId17"/>
-    <p:sldId id="293" r:id="rId18"/>
-    <p:sldId id="295" r:id="rId19"/>
-    <p:sldId id="296" r:id="rId20"/>
-    <p:sldId id="294" r:id="rId21"/>
-    <p:sldId id="278" r:id="rId22"/>
-    <p:sldId id="302" r:id="rId23"/>
-    <p:sldId id="303" r:id="rId24"/>
-    <p:sldId id="279" r:id="rId25"/>
-    <p:sldId id="267" r:id="rId26"/>
-    <p:sldId id="275" r:id="rId27"/>
-    <p:sldId id="297" r:id="rId28"/>
-    <p:sldId id="299" r:id="rId29"/>
-    <p:sldId id="301" r:id="rId30"/>
-    <p:sldId id="298" r:id="rId31"/>
-    <p:sldId id="306" r:id="rId32"/>
-    <p:sldId id="281" r:id="rId33"/>
-    <p:sldId id="307" r:id="rId34"/>
-    <p:sldId id="305" r:id="rId35"/>
-    <p:sldId id="272" r:id="rId36"/>
-    <p:sldId id="280" r:id="rId37"/>
+    <p:sldId id="309" r:id="rId5"/>
+    <p:sldId id="260" r:id="rId6"/>
+    <p:sldId id="285" r:id="rId7"/>
+    <p:sldId id="287" r:id="rId8"/>
+    <p:sldId id="288" r:id="rId9"/>
+    <p:sldId id="286" r:id="rId10"/>
+    <p:sldId id="283" r:id="rId11"/>
+    <p:sldId id="308" r:id="rId12"/>
+    <p:sldId id="282" r:id="rId13"/>
+    <p:sldId id="291" r:id="rId14"/>
+    <p:sldId id="289" r:id="rId15"/>
+    <p:sldId id="290" r:id="rId16"/>
+    <p:sldId id="263" r:id="rId17"/>
+    <p:sldId id="276" r:id="rId18"/>
+    <p:sldId id="293" r:id="rId19"/>
+    <p:sldId id="295" r:id="rId20"/>
+    <p:sldId id="296" r:id="rId21"/>
+    <p:sldId id="294" r:id="rId22"/>
+    <p:sldId id="278" r:id="rId23"/>
+    <p:sldId id="302" r:id="rId24"/>
+    <p:sldId id="303" r:id="rId25"/>
+    <p:sldId id="279" r:id="rId26"/>
+    <p:sldId id="267" r:id="rId27"/>
+    <p:sldId id="275" r:id="rId28"/>
+    <p:sldId id="297" r:id="rId29"/>
+    <p:sldId id="299" r:id="rId30"/>
+    <p:sldId id="301" r:id="rId31"/>
+    <p:sldId id="298" r:id="rId32"/>
+    <p:sldId id="306" r:id="rId33"/>
+    <p:sldId id="281" r:id="rId34"/>
+    <p:sldId id="307" r:id="rId35"/>
+    <p:sldId id="305" r:id="rId36"/>
+    <p:sldId id="272" r:id="rId37"/>
+    <p:sldId id="280" r:id="rId38"/>
   </p:sldIdLst>
   <p:sldSz cx="9144000" cy="6858000" type="screen4x3"/>
   <p:notesSz cx="6858000" cy="9144000"/>
@@ -227,7 +228,7 @@
           <a:p>
             <a:fld id="{5B9CBD88-31B2-0A43-94D7-6B434EF42995}" type="datetimeFigureOut">
               <a:rPr lang="en-US" smtClean="0"/>
-              <a:t>7/18/16</a:t>
+              <a:t>1/22/17</a:t>
             </a:fld>
             <a:endParaRPr lang="en-US"/>
           </a:p>
@@ -847,11 +848,11 @@
 </file>
 
 <file path=ppt/notesSlides/notesSlide3.xml><?xml version="1.0" encoding="utf-8"?>
-<p:notes xmlns:a="http://schemas.openxmlformats.org/drawingml/2006/main" xmlns:r="http://schemas.openxmlformats.org/officeDocument/2006/relationships" xmlns:p="http://schemas.openxmlformats.org/presentationml/2006/main">
+<p:notes xmlns:a="http://schemas.openxmlformats.org/drawingml/2006/main" xmlns:r="http://schemas.openxmlformats.org/officeDocument/2006/relationships" xmlns:p="http://schemas.openxmlformats.org/presentationml/2006/main" showMasterSp="0" showMasterPhAnim="0">
   <p:cSld>
     <p:spTree>
       <p:nvGrpSpPr>
-        <p:cNvPr id="1" name=""/>
+        <p:cNvPr id="1" name="Shape 195"/>
         <p:cNvGrpSpPr/>
         <p:nvPr/>
       </p:nvGrpSpPr>
@@ -865,69 +866,159 @@
       </p:grpSpPr>
       <p:sp>
         <p:nvSpPr>
-          <p:cNvPr id="2" name="Slide Image Placeholder 1"/>
+          <p:cNvPr id="196" name="Shape 196"/>
           <p:cNvSpPr>
             <a:spLocks noGrp="1" noRot="1" noChangeAspect="1"/>
           </p:cNvSpPr>
           <p:nvPr>
-            <p:ph type="sldImg"/>
+            <p:ph type="sldImg" idx="2"/>
           </p:nvPr>
         </p:nvSpPr>
         <p:spPr>
           <a:xfrm>
-            <a:off x="1143000" y="685800"/>
-            <a:ext cx="4572000" cy="3429000"/>
-          </a:xfrm>
-        </p:spPr>
-      </p:sp>
-      <p:sp>
-        <p:nvSpPr>
-          <p:cNvPr id="3" name="Notes Placeholder 2"/>
-          <p:cNvSpPr>
+            <a:off x="381300" y="685800"/>
+            <a:ext cx="6096000" cy="3429000"/>
+          </a:xfrm>
+          <a:custGeom>
+            <a:avLst/>
+            <a:gdLst/>
+            <a:ahLst/>
+            <a:cxnLst/>
+            <a:rect l="0" t="0" r="0" b="0"/>
+            <a:pathLst>
+              <a:path w="120000" h="120000" extrusionOk="0">
+                <a:moveTo>
+                  <a:pt x="0" y="0"/>
+                </a:moveTo>
+                <a:lnTo>
+                  <a:pt x="120000" y="0"/>
+                </a:lnTo>
+                <a:lnTo>
+                  <a:pt x="120000" y="120000"/>
+                </a:lnTo>
+                <a:lnTo>
+                  <a:pt x="0" y="120000"/>
+                </a:lnTo>
+                <a:close/>
+              </a:path>
+            </a:pathLst>
+          </a:custGeom>
+        </p:spPr>
+      </p:sp>
+      <p:sp>
+        <p:nvSpPr>
+          <p:cNvPr id="197" name="Shape 197"/>
+          <p:cNvSpPr txBox="1">
             <a:spLocks noGrp="1"/>
           </p:cNvSpPr>
           <p:nvPr>
             <p:ph type="body" idx="1"/>
           </p:nvPr>
         </p:nvSpPr>
-        <p:spPr/>
-        <p:txBody>
-          <a:bodyPr/>
+        <p:spPr>
+          <a:xfrm>
+            <a:off x="685800" y="4343400"/>
+            <a:ext cx="5486400" cy="4114800"/>
+          </a:xfrm>
+          <a:prstGeom prst="rect">
+            <a:avLst/>
+          </a:prstGeom>
+        </p:spPr>
+        <p:txBody>
+          <a:bodyPr lIns="91425" tIns="91425" rIns="91425" bIns="91425" anchor="t" anchorCtr="0">
+            <a:noAutofit/>
+          </a:bodyPr>
           <a:lstStyle/>
           <a:p>
-            <a:endParaRPr lang="en-US" dirty="0"/>
-          </a:p>
-        </p:txBody>
-      </p:sp>
-      <p:sp>
-        <p:nvSpPr>
-          <p:cNvPr id="4" name="Slide Number Placeholder 3"/>
-          <p:cNvSpPr>
-            <a:spLocks noGrp="1"/>
-          </p:cNvSpPr>
-          <p:nvPr>
-            <p:ph type="sldNum" sz="quarter" idx="10"/>
-          </p:nvPr>
-        </p:nvSpPr>
-        <p:spPr/>
-        <p:txBody>
-          <a:bodyPr/>
-          <a:lstStyle/>
-          <a:p>
-            <a:fld id="{B630D0AF-70C0-4B47-B121-68C95D148F32}" type="slidenum">
-              <a:rPr lang="en-US" smtClean="0"/>
-              <a:t>4</a:t>
-            </a:fld>
-            <a:endParaRPr lang="en-US"/>
+            <a:pPr lvl="0">
+              <a:spcBef>
+                <a:spcPts val="0"/>
+              </a:spcBef>
+              <a:buNone/>
+            </a:pPr>
+            <a:r>
+              <a:rPr lang="en"/>
+              <a:t>Spring - 2002</a:t>
+            </a:r>
+          </a:p>
+          <a:p>
+            <a:pPr lvl="0">
+              <a:spcBef>
+                <a:spcPts val="0"/>
+              </a:spcBef>
+              <a:buClr>
+                <a:schemeClr val="dk1"/>
+              </a:buClr>
+              <a:buSzPct val="100000"/>
+              <a:buFont typeface="Arial"/>
+              <a:buNone/>
+            </a:pPr>
+            <a:r>
+              <a:rPr lang="en">
+                <a:solidFill>
+                  <a:schemeClr val="dk1"/>
+                </a:solidFill>
+              </a:rPr>
+              <a:t>Batch - 2007</a:t>
+            </a:r>
+          </a:p>
+          <a:p>
+            <a:pPr lvl="0">
+              <a:spcBef>
+                <a:spcPts val="0"/>
+              </a:spcBef>
+              <a:buNone/>
+            </a:pPr>
+            <a:r>
+              <a:rPr lang="en"/>
+              <a:t>Integration - 2008</a:t>
+            </a:r>
+          </a:p>
+          <a:p>
+            <a:pPr lvl="0">
+              <a:spcBef>
+                <a:spcPts val="0"/>
+              </a:spcBef>
+              <a:buNone/>
+            </a:pPr>
+            <a:r>
+              <a:rPr lang="en"/>
+              <a:t>Boot - 2013</a:t>
+            </a:r>
+          </a:p>
+          <a:p>
+            <a:pPr lvl="0">
+              <a:spcBef>
+                <a:spcPts val="0"/>
+              </a:spcBef>
+              <a:buNone/>
+            </a:pPr>
+            <a:r>
+              <a:rPr lang="en"/>
+              <a:t>Streams  - </a:t>
+            </a:r>
+          </a:p>
+          <a:p>
+            <a:pPr lvl="0">
+              <a:spcBef>
+                <a:spcPts val="0"/>
+              </a:spcBef>
+              <a:buNone/>
+            </a:pPr>
+            <a:endParaRPr/>
+          </a:p>
+          <a:p>
+            <a:pPr lvl="0" rtl="0">
+              <a:spcBef>
+                <a:spcPts val="0"/>
+              </a:spcBef>
+              <a:buNone/>
+            </a:pPr>
+            <a:endParaRPr/>
           </a:p>
         </p:txBody>
       </p:sp>
     </p:spTree>
-    <p:extLst>
-      <p:ext uri="{BB962C8B-B14F-4D97-AF65-F5344CB8AC3E}">
-        <p14:creationId xmlns:p14="http://schemas.microsoft.com/office/powerpoint/2010/main" val="1110460036"/>
-      </p:ext>
-    </p:extLst>
   </p:cSld>
   <p:clrMapOvr>
     <a:masterClrMapping/>
@@ -1014,7 +1105,7 @@
     </p:spTree>
     <p:extLst>
       <p:ext uri="{BB962C8B-B14F-4D97-AF65-F5344CB8AC3E}">
-        <p14:creationId xmlns:p14="http://schemas.microsoft.com/office/powerpoint/2010/main" val="2793315777"/>
+        <p14:creationId xmlns:p14="http://schemas.microsoft.com/office/powerpoint/2010/main" val="1110460036"/>
       </p:ext>
     </p:extLst>
   </p:cSld>
@@ -1051,7 +1142,12 @@
             <p:ph type="sldImg"/>
           </p:nvPr>
         </p:nvSpPr>
-        <p:spPr/>
+        <p:spPr>
+          <a:xfrm>
+            <a:off x="1143000" y="685800"/>
+            <a:ext cx="4572000" cy="3429000"/>
+          </a:xfrm>
+        </p:spPr>
       </p:sp>
       <p:sp>
         <p:nvSpPr>
@@ -1068,10 +1164,6 @@
           <a:bodyPr/>
           <a:lstStyle/>
           <a:p>
-            <a:r>
-              <a:rPr lang="en-US" dirty="0" smtClean="0"/>
-              <a:t>actuator</a:t>
-            </a:r>
             <a:endParaRPr lang="en-US" dirty="0"/>
           </a:p>
         </p:txBody>
@@ -1093,7 +1185,95 @@
           <a:p>
             <a:fld id="{B630D0AF-70C0-4B47-B121-68C95D148F32}" type="slidenum">
               <a:rPr lang="en-US" smtClean="0"/>
-              <a:t>7</a:t>
+              <a:t>6</a:t>
+            </a:fld>
+            <a:endParaRPr lang="en-US"/>
+          </a:p>
+        </p:txBody>
+      </p:sp>
+    </p:spTree>
+    <p:extLst>
+      <p:ext uri="{BB962C8B-B14F-4D97-AF65-F5344CB8AC3E}">
+        <p14:creationId xmlns:p14="http://schemas.microsoft.com/office/powerpoint/2010/main" val="2793315777"/>
+      </p:ext>
+    </p:extLst>
+  </p:cSld>
+  <p:clrMapOvr>
+    <a:masterClrMapping/>
+  </p:clrMapOvr>
+</p:notes>
+</file>
+
+<file path=ppt/notesSlides/notesSlide6.xml><?xml version="1.0" encoding="utf-8"?>
+<p:notes xmlns:a="http://schemas.openxmlformats.org/drawingml/2006/main" xmlns:r="http://schemas.openxmlformats.org/officeDocument/2006/relationships" xmlns:p="http://schemas.openxmlformats.org/presentationml/2006/main">
+  <p:cSld>
+    <p:spTree>
+      <p:nvGrpSpPr>
+        <p:cNvPr id="1" name=""/>
+        <p:cNvGrpSpPr/>
+        <p:nvPr/>
+      </p:nvGrpSpPr>
+      <p:grpSpPr>
+        <a:xfrm>
+          <a:off x="0" y="0"/>
+          <a:ext cx="0" cy="0"/>
+          <a:chOff x="0" y="0"/>
+          <a:chExt cx="0" cy="0"/>
+        </a:xfrm>
+      </p:grpSpPr>
+      <p:sp>
+        <p:nvSpPr>
+          <p:cNvPr id="2" name="Slide Image Placeholder 1"/>
+          <p:cNvSpPr>
+            <a:spLocks noGrp="1" noRot="1" noChangeAspect="1"/>
+          </p:cNvSpPr>
+          <p:nvPr>
+            <p:ph type="sldImg"/>
+          </p:nvPr>
+        </p:nvSpPr>
+        <p:spPr/>
+      </p:sp>
+      <p:sp>
+        <p:nvSpPr>
+          <p:cNvPr id="3" name="Notes Placeholder 2"/>
+          <p:cNvSpPr>
+            <a:spLocks noGrp="1"/>
+          </p:cNvSpPr>
+          <p:nvPr>
+            <p:ph type="body" idx="1"/>
+          </p:nvPr>
+        </p:nvSpPr>
+        <p:spPr/>
+        <p:txBody>
+          <a:bodyPr/>
+          <a:lstStyle/>
+          <a:p>
+            <a:r>
+              <a:rPr lang="en-US" dirty="0" smtClean="0"/>
+              <a:t>actuator</a:t>
+            </a:r>
+            <a:endParaRPr lang="en-US" dirty="0"/>
+          </a:p>
+        </p:txBody>
+      </p:sp>
+      <p:sp>
+        <p:nvSpPr>
+          <p:cNvPr id="4" name="Slide Number Placeholder 3"/>
+          <p:cNvSpPr>
+            <a:spLocks noGrp="1"/>
+          </p:cNvSpPr>
+          <p:nvPr>
+            <p:ph type="sldNum" sz="quarter" idx="10"/>
+          </p:nvPr>
+        </p:nvSpPr>
+        <p:spPr/>
+        <p:txBody>
+          <a:bodyPr/>
+          <a:lstStyle/>
+          <a:p>
+            <a:fld id="{B630D0AF-70C0-4B47-B121-68C95D148F32}" type="slidenum">
+              <a:rPr lang="en-US" smtClean="0"/>
+              <a:t>8</a:t>
             </a:fld>
             <a:endParaRPr lang="en-US"/>
           </a:p>
@@ -1293,7 +1473,7 @@
           <a:p>
             <a:fld id="{6242303E-D771-7147-B0E0-2D46590E3D3A}" type="datetimeFigureOut">
               <a:rPr lang="en-US" smtClean="0"/>
-              <a:t>7/18/16</a:t>
+              <a:t>1/22/17</a:t>
             </a:fld>
             <a:endParaRPr lang="en-US"/>
           </a:p>
@@ -1471,7 +1651,7 @@
           <a:p>
             <a:fld id="{6242303E-D771-7147-B0E0-2D46590E3D3A}" type="datetimeFigureOut">
               <a:rPr lang="en-US" smtClean="0"/>
-              <a:t>7/18/16</a:t>
+              <a:t>1/22/17</a:t>
             </a:fld>
             <a:endParaRPr lang="en-US"/>
           </a:p>
@@ -1659,7 +1839,7 @@
           <a:p>
             <a:fld id="{6242303E-D771-7147-B0E0-2D46590E3D3A}" type="datetimeFigureOut">
               <a:rPr lang="en-US" smtClean="0"/>
-              <a:t>7/18/16</a:t>
+              <a:t>1/22/17</a:t>
             </a:fld>
             <a:endParaRPr lang="en-US"/>
           </a:p>
@@ -1728,6 +1908,118 @@
 </p:sldLayout>
 </file>
 
+<file path=ppt/slideLayouts/slideLayout12.xml><?xml version="1.0" encoding="utf-8"?>
+<p:sldLayout xmlns:a="http://schemas.openxmlformats.org/drawingml/2006/main" xmlns:r="http://schemas.openxmlformats.org/officeDocument/2006/relationships" xmlns:p="http://schemas.openxmlformats.org/presentationml/2006/main">
+  <p:cSld name=" Blank logo">
+    <p:spTree>
+      <p:nvGrpSpPr>
+        <p:cNvPr id="1" name="Shape 134"/>
+        <p:cNvGrpSpPr/>
+        <p:nvPr/>
+      </p:nvGrpSpPr>
+      <p:grpSpPr>
+        <a:xfrm>
+          <a:off x="0" y="0"/>
+          <a:ext cx="0" cy="0"/>
+          <a:chOff x="0" y="0"/>
+          <a:chExt cx="0" cy="0"/>
+        </a:xfrm>
+      </p:grpSpPr>
+      <p:sp>
+        <p:nvSpPr>
+          <p:cNvPr id="135" name="Shape 135"/>
+          <p:cNvSpPr/>
+          <p:nvPr/>
+        </p:nvSpPr>
+        <p:spPr>
+          <a:xfrm>
+            <a:off x="0" y="0"/>
+            <a:ext cx="9144000" cy="72000"/>
+          </a:xfrm>
+          <a:prstGeom prst="rect">
+            <a:avLst/>
+          </a:prstGeom>
+          <a:solidFill>
+            <a:srgbClr val="008774"/>
+          </a:solidFill>
+          <a:ln>
+            <a:noFill/>
+          </a:ln>
+        </p:spPr>
+        <p:txBody>
+          <a:bodyPr lIns="91425" tIns="45700" rIns="91425" bIns="45700" anchor="ctr" anchorCtr="0">
+            <a:noAutofit/>
+          </a:bodyPr>
+          <a:lstStyle/>
+          <a:p>
+            <a:pPr marL="0" marR="0" lvl="0" indent="0" algn="ctr" rtl="0">
+              <a:lnSpc>
+                <a:spcPct val="100000"/>
+              </a:lnSpc>
+              <a:spcBef>
+                <a:spcPts val="0"/>
+              </a:spcBef>
+              <a:spcAft>
+                <a:spcPts val="0"/>
+              </a:spcAft>
+              <a:buClr>
+                <a:srgbClr val="000000"/>
+              </a:buClr>
+              <a:buFont typeface="Arial"/>
+              <a:buNone/>
+            </a:pPr>
+            <a:endParaRPr sz="1800" b="0" i="0" u="none" strike="noStrike" cap="none">
+              <a:solidFill>
+                <a:schemeClr val="lt1"/>
+              </a:solidFill>
+              <a:latin typeface="Arial"/>
+              <a:ea typeface="Arial"/>
+              <a:cs typeface="Arial"/>
+              <a:sym typeface="Arial"/>
+            </a:endParaRPr>
+          </a:p>
+        </p:txBody>
+      </p:sp>
+      <p:pic>
+        <p:nvPicPr>
+          <p:cNvPr id="136" name="Shape 136"/>
+          <p:cNvPicPr preferRelativeResize="0"/>
+          <p:nvPr/>
+        </p:nvPicPr>
+        <p:blipFill rotWithShape="1">
+          <a:blip r:embed="rId2">
+            <a:alphaModFix/>
+          </a:blip>
+          <a:srcRect/>
+          <a:stretch/>
+        </p:blipFill>
+        <p:spPr>
+          <a:xfrm>
+            <a:off x="8272778" y="6473435"/>
+            <a:ext cx="731400" cy="228400"/>
+          </a:xfrm>
+          <a:prstGeom prst="rect">
+            <a:avLst/>
+          </a:prstGeom>
+          <a:noFill/>
+          <a:ln>
+            <a:noFill/>
+          </a:ln>
+        </p:spPr>
+      </p:pic>
+    </p:spTree>
+    <p:extLst>
+      <p:ext uri="{BB962C8B-B14F-4D97-AF65-F5344CB8AC3E}">
+        <p14:creationId xmlns:p14="http://schemas.microsoft.com/office/powerpoint/2010/main" val="1298384775"/>
+      </p:ext>
+    </p:extLst>
+  </p:cSld>
+  <p:clrMapOvr>
+    <a:masterClrMapping/>
+  </p:clrMapOvr>
+</p:sldLayout>
+</file>
+
 <file path=ppt/slideLayouts/slideLayout2.xml><?xml version="1.0" encoding="utf-8"?>
 <p:sldLayout xmlns:a="http://schemas.openxmlformats.org/drawingml/2006/main" xmlns:r="http://schemas.openxmlformats.org/officeDocument/2006/relationships" xmlns:p="http://schemas.openxmlformats.org/presentationml/2006/main" type="obj" preserve="1">
   <p:cSld name="Title and Content">
@@ -1837,7 +2129,7 @@
           <a:p>
             <a:fld id="{6242303E-D771-7147-B0E0-2D46590E3D3A}" type="datetimeFigureOut">
               <a:rPr lang="en-US" smtClean="0"/>
-              <a:t>7/18/16</a:t>
+              <a:t>1/22/17</a:t>
             </a:fld>
             <a:endParaRPr lang="en-US"/>
           </a:p>
@@ -2091,7 +2383,7 @@
           <a:p>
             <a:fld id="{6242303E-D771-7147-B0E0-2D46590E3D3A}" type="datetimeFigureOut">
               <a:rPr lang="en-US" smtClean="0"/>
-              <a:t>7/18/16</a:t>
+              <a:t>1/22/17</a:t>
             </a:fld>
             <a:endParaRPr lang="en-US"/>
           </a:p>
@@ -2387,7 +2679,7 @@
           <a:p>
             <a:fld id="{6242303E-D771-7147-B0E0-2D46590E3D3A}" type="datetimeFigureOut">
               <a:rPr lang="en-US" smtClean="0"/>
-              <a:t>7/18/16</a:t>
+              <a:t>1/22/17</a:t>
             </a:fld>
             <a:endParaRPr lang="en-US"/>
           </a:p>
@@ -2817,7 +3109,7 @@
           <a:p>
             <a:fld id="{6242303E-D771-7147-B0E0-2D46590E3D3A}" type="datetimeFigureOut">
               <a:rPr lang="en-US" smtClean="0"/>
-              <a:t>7/18/16</a:t>
+              <a:t>1/22/17</a:t>
             </a:fld>
             <a:endParaRPr lang="en-US"/>
           </a:p>
@@ -2943,7 +3235,7 @@
           <a:p>
             <a:fld id="{6242303E-D771-7147-B0E0-2D46590E3D3A}" type="datetimeFigureOut">
               <a:rPr lang="en-US" smtClean="0"/>
-              <a:t>7/18/16</a:t>
+              <a:t>1/22/17</a:t>
             </a:fld>
             <a:endParaRPr lang="en-US"/>
           </a:p>
@@ -3046,7 +3338,7 @@
           <a:p>
             <a:fld id="{6242303E-D771-7147-B0E0-2D46590E3D3A}" type="datetimeFigureOut">
               <a:rPr lang="en-US" smtClean="0"/>
-              <a:t>7/18/16</a:t>
+              <a:t>1/22/17</a:t>
             </a:fld>
             <a:endParaRPr lang="en-US"/>
           </a:p>
@@ -3331,7 +3623,7 @@
           <a:p>
             <a:fld id="{6242303E-D771-7147-B0E0-2D46590E3D3A}" type="datetimeFigureOut">
               <a:rPr lang="en-US" smtClean="0"/>
-              <a:t>7/18/16</a:t>
+              <a:t>1/22/17</a:t>
             </a:fld>
             <a:endParaRPr lang="en-US"/>
           </a:p>
@@ -3592,7 +3884,7 @@
           <a:p>
             <a:fld id="{6242303E-D771-7147-B0E0-2D46590E3D3A}" type="datetimeFigureOut">
               <a:rPr lang="en-US" smtClean="0"/>
-              <a:t>7/18/16</a:t>
+              <a:t>1/22/17</a:t>
             </a:fld>
             <a:endParaRPr lang="en-US"/>
           </a:p>
@@ -3829,7 +4121,7 @@
           <a:p>
             <a:fld id="{6242303E-D771-7147-B0E0-2D46590E3D3A}" type="datetimeFigureOut">
               <a:rPr lang="en-US" smtClean="0"/>
-              <a:t>7/18/16</a:t>
+              <a:t>1/22/17</a:t>
             </a:fld>
             <a:endParaRPr lang="en-US"/>
           </a:p>
@@ -3933,6 +4225,7 @@
     <p:sldLayoutId id="2147483657" r:id="rId9"/>
     <p:sldLayoutId id="2147483658" r:id="rId10"/>
     <p:sldLayoutId id="2147483659" r:id="rId11"/>
+    <p:sldLayoutId id="2147483660" r:id="rId12"/>
   </p:sldLayoutIdLst>
   <mc:AlternateContent xmlns:mc="http://schemas.openxmlformats.org/markup-compatibility/2006" xmlns:p14="http://schemas.microsoft.com/office/powerpoint/2010/main">
     <mc:Choice Requires="p14">
@@ -4428,100 +4721,58 @@
           <a:lstStyle/>
           <a:p>
             <a:r>
-              <a:rPr lang="en-US" dirty="0"/>
-              <a:t>Spring Cloud Data Flow uses the Spring Cloud </a:t>
-            </a:r>
-            <a:r>
               <a:rPr lang="en-US" dirty="0" smtClean="0"/>
-              <a:t>Task project </a:t>
-            </a:r>
-            <a:r>
-              <a:rPr lang="en-US" dirty="0"/>
-              <a:t>to construct its </a:t>
+              <a:t>Tasks is a short lived </a:t>
+            </a:r>
+            <a:r>
+              <a:rPr lang="en-US" dirty="0" err="1" smtClean="0"/>
+              <a:t>microservice</a:t>
             </a:r>
             <a:r>
               <a:rPr lang="en-US" dirty="0" smtClean="0"/>
-              <a:t>tasks.</a:t>
-            </a:r>
-            <a:endParaRPr lang="en-US" dirty="0"/>
+              <a:t> that perform a function or functions and then terminates</a:t>
+            </a:r>
           </a:p>
           <a:p>
             <a:pPr lvl="1"/>
             <a:r>
-              <a:rPr lang="en-US" dirty="0">
-                <a:hlinkClick r:id="rId2"/>
-              </a:rPr>
-              <a:t>http://cloud.spring.io/spring-cloud</a:t>
-            </a:r>
-            <a:r>
-              <a:rPr lang="en-US" dirty="0" smtClean="0">
-                <a:hlinkClick r:id="rId2"/>
-              </a:rPr>
-              <a:t>-task/</a:t>
-            </a:r>
-            <a:endParaRPr lang="en-US" dirty="0" smtClean="0"/>
+              <a:rPr lang="en-US" dirty="0" smtClean="0"/>
+              <a:t>Records its state upon completion</a:t>
+            </a:r>
           </a:p>
           <a:p>
             <a:pPr lvl="1"/>
             <a:r>
-              <a:rPr lang="en-US" dirty="0"/>
-              <a:t>Spring Cloud </a:t>
-            </a:r>
-            <a:r>
               <a:rPr lang="en-US" dirty="0" smtClean="0"/>
-              <a:t>Task is </a:t>
-            </a:r>
-            <a:r>
-              <a:rPr lang="en-US" dirty="0"/>
-              <a:t>a framework for building </a:t>
-            </a:r>
+              <a:t>Notifies other apps of its status</a:t>
+            </a:r>
+          </a:p>
+          <a:p>
+            <a:pPr lvl="1"/>
             <a:r>
               <a:rPr lang="en-US" dirty="0" smtClean="0"/>
-              <a:t>short lived </a:t>
-            </a:r>
-            <a:r>
-              <a:rPr lang="en-US" dirty="0" err="1" smtClean="0"/>
-              <a:t>microservices</a:t>
-            </a:r>
+              <a:t>Remote Partitioning</a:t>
+            </a:r>
+          </a:p>
+          <a:p>
+            <a:pPr lvl="1"/>
             <a:r>
               <a:rPr lang="en-US" dirty="0" smtClean="0"/>
-              <a:t>.</a:t>
-            </a:r>
-          </a:p>
-          <a:p>
-            <a:pPr lvl="1"/>
-            <a:r>
-              <a:rPr lang="en-US" dirty="0" smtClean="0"/>
-              <a:t>Tasks are a boot application</a:t>
-            </a:r>
-          </a:p>
-          <a:p>
-            <a:pPr lvl="2"/>
-            <a:r>
-              <a:rPr lang="en-US" dirty="0" smtClean="0"/>
-              <a:t>Which can be a Spring Batch Job</a:t>
-            </a:r>
-            <a:endParaRPr lang="en-US" dirty="0"/>
-          </a:p>
-          <a:p>
-            <a:pPr lvl="1"/>
-            <a:endParaRPr lang="en-US" dirty="0"/>
-          </a:p>
-          <a:p>
-            <a:endParaRPr lang="en-US" dirty="0"/>
+              <a:t>Before /after processing</a:t>
+            </a:r>
           </a:p>
         </p:txBody>
       </p:sp>
       <p:pic>
         <p:nvPicPr>
-          <p:cNvPr id="4" name="Picture 3" descr="Gear-001-300px.png"/>
+          <p:cNvPr id="5" name="Picture 4" descr="Gear-001-300px.png"/>
           <p:cNvPicPr>
             <a:picLocks noChangeAspect="1"/>
           </p:cNvPicPr>
           <p:nvPr/>
         </p:nvPicPr>
         <p:blipFill>
-          <a:blip r:embed="rId3">
+          <a:blip r:embed="rId2">
             <a:extLst>
               <a:ext uri="{28A0092B-C50C-407E-A947-70E740481C1C}">
                 <a14:useLocalDpi xmlns:a14="http://schemas.microsoft.com/office/drawing/2010/main" val="0"/>
@@ -4542,10 +4793,173 @@
           </a:prstGeom>
         </p:spPr>
       </p:pic>
+      <p:sp>
+        <p:nvSpPr>
+          <p:cNvPr id="6" name="Shape 105"/>
+          <p:cNvSpPr/>
+          <p:nvPr/>
+        </p:nvSpPr>
+        <p:spPr>
+          <a:xfrm>
+            <a:off x="6044499" y="3760875"/>
+            <a:ext cx="2642305" cy="2011544"/>
+          </a:xfrm>
+          <a:prstGeom prst="rect">
+            <a:avLst/>
+          </a:prstGeom>
+          <a:ln/>
+          <a:extLst>
+            <a:ext uri="{C572A759-6A51-4108-AA02-DFA0A04FC94B}">
+              <ma14:wrappingTextBoxFlag xmlns:ma14="http://schemas.microsoft.com/office/mac/drawingml/2011/main" val="1"/>
+            </a:ext>
+          </a:extLst>
+        </p:spPr>
+        <p:style>
+          <a:lnRef idx="1">
+            <a:schemeClr val="dk1"/>
+          </a:lnRef>
+          <a:fillRef idx="3">
+            <a:schemeClr val="dk1"/>
+          </a:fillRef>
+          <a:effectRef idx="2">
+            <a:schemeClr val="dk1"/>
+          </a:effectRef>
+          <a:fontRef idx="minor">
+            <a:schemeClr val="lt1"/>
+          </a:fontRef>
+        </p:style>
+        <p:txBody>
+          <a:bodyPr lIns="45719" rIns="45719"/>
+          <a:lstStyle/>
+          <a:p>
+            <a:pPr algn="ctr">
+              <a:defRPr>
+                <a:solidFill>
+                  <a:srgbClr val="FFFFFF"/>
+                </a:solidFill>
+              </a:defRPr>
+            </a:pPr>
+            <a:r>
+              <a:rPr lang="en-US" dirty="0" smtClean="0">
+                <a:solidFill>
+                  <a:srgbClr val="000000"/>
+                </a:solidFill>
+              </a:rPr>
+              <a:t>Billing Task</a:t>
+            </a:r>
+            <a:endParaRPr dirty="0">
+              <a:solidFill>
+                <a:srgbClr val="000000"/>
+              </a:solidFill>
+            </a:endParaRPr>
+          </a:p>
+        </p:txBody>
+      </p:sp>
+      <p:pic>
+        <p:nvPicPr>
+          <p:cNvPr id="7" name="Picture 6"/>
+          <p:cNvPicPr>
+            <a:picLocks noChangeAspect="1"/>
+          </p:cNvPicPr>
+          <p:nvPr/>
+        </p:nvPicPr>
+        <p:blipFill>
+          <a:blip r:embed="rId3"/>
+          <a:stretch>
+            <a:fillRect/>
+          </a:stretch>
+        </p:blipFill>
+        <p:spPr>
+          <a:xfrm>
+            <a:off x="6756414" y="4253245"/>
+            <a:ext cx="1206772" cy="1171279"/>
+          </a:xfrm>
+          <a:prstGeom prst="rect">
+            <a:avLst/>
+          </a:prstGeom>
+        </p:spPr>
+      </p:pic>
+      <p:sp>
+        <p:nvSpPr>
+          <p:cNvPr id="8" name="Magnetic Disk 7"/>
+          <p:cNvSpPr/>
+          <p:nvPr/>
+        </p:nvSpPr>
+        <p:spPr>
+          <a:xfrm>
+            <a:off x="6756414" y="6066087"/>
+            <a:ext cx="1165300" cy="679045"/>
+          </a:xfrm>
+          <a:prstGeom prst="flowChartMagneticDisk">
+            <a:avLst/>
+          </a:prstGeom>
+        </p:spPr>
+        <p:style>
+          <a:lnRef idx="1">
+            <a:schemeClr val="dk1"/>
+          </a:lnRef>
+          <a:fillRef idx="3">
+            <a:schemeClr val="dk1"/>
+          </a:fillRef>
+          <a:effectRef idx="2">
+            <a:schemeClr val="dk1"/>
+          </a:effectRef>
+          <a:fontRef idx="minor">
+            <a:schemeClr val="lt1"/>
+          </a:fontRef>
+        </p:style>
+        <p:txBody>
+          <a:bodyPr rtlCol="0" anchor="ctr"/>
+          <a:lstStyle/>
+          <a:p>
+            <a:pPr algn="ctr"/>
+            <a:r>
+              <a:rPr lang="en-US" dirty="0" smtClean="0"/>
+              <a:t>database</a:t>
+            </a:r>
+            <a:endParaRPr lang="en-US" dirty="0"/>
+          </a:p>
+        </p:txBody>
+      </p:sp>
+      <p:cxnSp>
+        <p:nvCxnSpPr>
+          <p:cNvPr id="9" name="Straight Arrow Connector 8"/>
+          <p:cNvCxnSpPr>
+            <a:endCxn id="8" idx="1"/>
+          </p:cNvCxnSpPr>
+          <p:nvPr/>
+        </p:nvCxnSpPr>
+        <p:spPr>
+          <a:xfrm>
+            <a:off x="7339064" y="5804204"/>
+            <a:ext cx="0" cy="261880"/>
+          </a:xfrm>
+          <a:prstGeom prst="straightConnector1">
+            <a:avLst/>
+          </a:prstGeom>
+          <a:ln>
+            <a:tailEnd type="arrow"/>
+          </a:ln>
+        </p:spPr>
+        <p:style>
+          <a:lnRef idx="2">
+            <a:schemeClr val="accent1"/>
+          </a:lnRef>
+          <a:fillRef idx="0">
+            <a:schemeClr val="accent1"/>
+          </a:fillRef>
+          <a:effectRef idx="1">
+            <a:schemeClr val="accent1"/>
+          </a:effectRef>
+          <a:fontRef idx="minor">
+            <a:schemeClr val="tx1"/>
+          </a:fontRef>
+        </p:style>
+      </p:cxnSp>
     </p:spTree>
     <p:extLst>
       <p:ext uri="{BB962C8B-B14F-4D97-AF65-F5344CB8AC3E}">
-        <p14:creationId xmlns:p14="http://schemas.microsoft.com/office/powerpoint/2010/main" val="3542897750"/>
+        <p14:creationId xmlns:p14="http://schemas.microsoft.com/office/powerpoint/2010/main" val="3726152533"/>
       </p:ext>
     </p:extLst>
   </p:cSld>
@@ -4604,7 +5018,7 @@
           <a:p>
             <a:r>
               <a:rPr lang="en-US" dirty="0" smtClean="0"/>
-              <a:t>Tasks Available</a:t>
+              <a:t>Tasks</a:t>
             </a:r>
             <a:endParaRPr lang="en-US" dirty="0"/>
           </a:p>
@@ -4622,117 +5036,104 @@
         </p:nvSpPr>
         <p:spPr/>
         <p:txBody>
-          <a:bodyPr>
-            <a:normAutofit lnSpcReduction="10000"/>
-          </a:bodyPr>
+          <a:bodyPr/>
           <a:lstStyle/>
           <a:p>
             <a:r>
+              <a:rPr lang="en-US" dirty="0"/>
+              <a:t>Spring Cloud Data Flow uses the Spring Cloud </a:t>
+            </a:r>
+            <a:r>
               <a:rPr lang="en-US" dirty="0" smtClean="0"/>
-              <a:t>Spark-client</a:t>
-            </a:r>
-          </a:p>
-          <a:p>
+              <a:t>Task project </a:t>
+            </a:r>
+            <a:r>
+              <a:rPr lang="en-US" dirty="0"/>
+              <a:t>to construct its </a:t>
+            </a:r>
             <a:r>
               <a:rPr lang="en-US" dirty="0" smtClean="0"/>
-              <a:t>Spark-cluster</a:t>
-            </a:r>
-          </a:p>
-          <a:p>
+              <a:t>tasks.</a:t>
+            </a:r>
+            <a:endParaRPr lang="en-US" dirty="0"/>
+          </a:p>
+          <a:p>
+            <a:pPr lvl="1"/>
+            <a:r>
+              <a:rPr lang="en-US" dirty="0">
+                <a:hlinkClick r:id="rId2"/>
+              </a:rPr>
+              <a:t>http://cloud.spring.io/spring-cloud</a:t>
+            </a:r>
+            <a:r>
+              <a:rPr lang="en-US" dirty="0" smtClean="0">
+                <a:hlinkClick r:id="rId2"/>
+              </a:rPr>
+              <a:t>-task/</a:t>
+            </a:r>
+            <a:endParaRPr lang="en-US" dirty="0" smtClean="0"/>
+          </a:p>
+          <a:p>
+            <a:pPr lvl="1"/>
+            <a:r>
+              <a:rPr lang="en-US" dirty="0"/>
+              <a:t>Spring Cloud </a:t>
+            </a:r>
             <a:r>
               <a:rPr lang="en-US" dirty="0" smtClean="0"/>
-              <a:t>Spark-Yarn</a:t>
-            </a:r>
-          </a:p>
-          <a:p>
+              <a:t>Task is </a:t>
+            </a:r>
+            <a:r>
+              <a:rPr lang="en-US" dirty="0"/>
+              <a:t>a framework for building </a:t>
+            </a:r>
+            <a:r>
+              <a:rPr lang="en-US" dirty="0" smtClean="0"/>
+              <a:t>short lived </a:t>
+            </a:r>
             <a:r>
               <a:rPr lang="en-US" dirty="0" err="1" smtClean="0"/>
-              <a:t>Sqoop</a:t>
+              <a:t>microservices</a:t>
             </a:r>
             <a:r>
               <a:rPr lang="en-US" dirty="0" smtClean="0"/>
-              <a:t>-Tool</a:t>
-            </a:r>
-          </a:p>
-          <a:p>
-            <a:r>
-              <a:rPr lang="en-US" dirty="0" err="1" smtClean="0"/>
-              <a:t>Sqoop</a:t>
-            </a:r>
+              <a:t>.</a:t>
+            </a:r>
+          </a:p>
+          <a:p>
+            <a:pPr lvl="1"/>
             <a:r>
               <a:rPr lang="en-US" dirty="0" smtClean="0"/>
-              <a:t>-Job</a:t>
-            </a:r>
-          </a:p>
-          <a:p>
-            <a:r>
-              <a:rPr lang="en-US" dirty="0" err="1" smtClean="0"/>
-              <a:t>Jdbc-hdfs</a:t>
-            </a:r>
+              <a:t>Tasks are a boot application</a:t>
+            </a:r>
+          </a:p>
+          <a:p>
+            <a:pPr lvl="2"/>
             <a:r>
               <a:rPr lang="en-US" dirty="0" smtClean="0"/>
-              <a:t>*</a:t>
-            </a:r>
-          </a:p>
-          <a:p>
-            <a:r>
-              <a:rPr lang="en-US" dirty="0" err="1" smtClean="0"/>
-              <a:t>Hdfs-jdbc</a:t>
-            </a:r>
-            <a:r>
-              <a:rPr lang="en-US" dirty="0" smtClean="0"/>
-              <a:t>*</a:t>
-            </a:r>
-          </a:p>
-          <a:p>
-            <a:r>
-              <a:rPr lang="en-US" dirty="0" smtClean="0"/>
-              <a:t>Among others *</a:t>
+              <a:t>Which can be a Spring Batch Job</a:t>
             </a:r>
             <a:endParaRPr lang="en-US" dirty="0"/>
           </a:p>
-        </p:txBody>
-      </p:sp>
-      <p:sp>
-        <p:nvSpPr>
-          <p:cNvPr id="4" name="TextBox 3"/>
-          <p:cNvSpPr txBox="1"/>
-          <p:nvPr/>
-        </p:nvSpPr>
-        <p:spPr>
-          <a:xfrm>
-            <a:off x="226157" y="6373269"/>
-            <a:ext cx="1586905" cy="369332"/>
-          </a:xfrm>
-          <a:prstGeom prst="rect">
-            <a:avLst/>
-          </a:prstGeom>
-          <a:noFill/>
-        </p:spPr>
-        <p:txBody>
-          <a:bodyPr wrap="none" rtlCol="0">
-            <a:spAutoFit/>
-          </a:bodyPr>
-          <a:lstStyle/>
-          <a:p>
-            <a:r>
-              <a:rPr lang="en-US" dirty="0" smtClean="0"/>
-              <a:t>* Coming Soon</a:t>
-            </a:r>
+          <a:p>
+            <a:pPr lvl="1"/>
+            <a:endParaRPr lang="en-US" dirty="0"/>
+          </a:p>
+          <a:p>
             <a:endParaRPr lang="en-US" dirty="0"/>
           </a:p>
         </p:txBody>
       </p:sp>
       <p:pic>
         <p:nvPicPr>
-          <p:cNvPr id="6" name="Picture 5" descr="Gear-001-300px.png"/>
+          <p:cNvPr id="4" name="Picture 3" descr="Gear-001-300px.png"/>
           <p:cNvPicPr>
             <a:picLocks noChangeAspect="1"/>
           </p:cNvPicPr>
           <p:nvPr/>
         </p:nvPicPr>
         <p:blipFill>
-          <a:blip r:embed="rId2">
+          <a:blip r:embed="rId3">
             <a:extLst>
               <a:ext uri="{28A0092B-C50C-407E-A947-70E740481C1C}">
                 <a14:useLocalDpi xmlns:a14="http://schemas.microsoft.com/office/drawing/2010/main" val="0"/>
@@ -4756,7 +5157,7 @@
     </p:spTree>
     <p:extLst>
       <p:ext uri="{BB962C8B-B14F-4D97-AF65-F5344CB8AC3E}">
-        <p14:creationId xmlns:p14="http://schemas.microsoft.com/office/powerpoint/2010/main" val="2255138701"/>
+        <p14:creationId xmlns:p14="http://schemas.microsoft.com/office/powerpoint/2010/main" val="3542897750"/>
       </p:ext>
     </p:extLst>
   </p:cSld>
@@ -4808,6 +5209,217 @@
             <p:ph type="title"/>
           </p:nvPr>
         </p:nvSpPr>
+        <p:spPr/>
+        <p:txBody>
+          <a:bodyPr/>
+          <a:lstStyle/>
+          <a:p>
+            <a:r>
+              <a:rPr lang="en-US" dirty="0" smtClean="0"/>
+              <a:t>Tasks Available</a:t>
+            </a:r>
+            <a:endParaRPr lang="en-US" dirty="0"/>
+          </a:p>
+        </p:txBody>
+      </p:sp>
+      <p:sp>
+        <p:nvSpPr>
+          <p:cNvPr id="3" name="Content Placeholder 2"/>
+          <p:cNvSpPr>
+            <a:spLocks noGrp="1"/>
+          </p:cNvSpPr>
+          <p:nvPr>
+            <p:ph idx="1"/>
+          </p:nvPr>
+        </p:nvSpPr>
+        <p:spPr/>
+        <p:txBody>
+          <a:bodyPr>
+            <a:normAutofit lnSpcReduction="10000"/>
+          </a:bodyPr>
+          <a:lstStyle/>
+          <a:p>
+            <a:r>
+              <a:rPr lang="en-US" dirty="0" smtClean="0"/>
+              <a:t>Spark-client</a:t>
+            </a:r>
+          </a:p>
+          <a:p>
+            <a:r>
+              <a:rPr lang="en-US" dirty="0" smtClean="0"/>
+              <a:t>Spark-cluster</a:t>
+            </a:r>
+          </a:p>
+          <a:p>
+            <a:r>
+              <a:rPr lang="en-US" dirty="0" smtClean="0"/>
+              <a:t>Spark-Yarn</a:t>
+            </a:r>
+          </a:p>
+          <a:p>
+            <a:r>
+              <a:rPr lang="en-US" dirty="0" err="1" smtClean="0"/>
+              <a:t>Sqoop</a:t>
+            </a:r>
+            <a:r>
+              <a:rPr lang="en-US" dirty="0" smtClean="0"/>
+              <a:t>-Tool</a:t>
+            </a:r>
+          </a:p>
+          <a:p>
+            <a:r>
+              <a:rPr lang="en-US" dirty="0" err="1" smtClean="0"/>
+              <a:t>Sqoop</a:t>
+            </a:r>
+            <a:r>
+              <a:rPr lang="en-US" dirty="0" smtClean="0"/>
+              <a:t>-Job</a:t>
+            </a:r>
+          </a:p>
+          <a:p>
+            <a:r>
+              <a:rPr lang="en-US" dirty="0" err="1" smtClean="0"/>
+              <a:t>Jdbc-hdfs</a:t>
+            </a:r>
+            <a:r>
+              <a:rPr lang="en-US" dirty="0" smtClean="0"/>
+              <a:t>*</a:t>
+            </a:r>
+          </a:p>
+          <a:p>
+            <a:r>
+              <a:rPr lang="en-US" dirty="0" err="1" smtClean="0"/>
+              <a:t>Hdfs-jdbc</a:t>
+            </a:r>
+            <a:r>
+              <a:rPr lang="en-US" dirty="0" smtClean="0"/>
+              <a:t>*</a:t>
+            </a:r>
+          </a:p>
+          <a:p>
+            <a:r>
+              <a:rPr lang="en-US" dirty="0" smtClean="0"/>
+              <a:t>Among others *</a:t>
+            </a:r>
+            <a:endParaRPr lang="en-US" dirty="0"/>
+          </a:p>
+        </p:txBody>
+      </p:sp>
+      <p:sp>
+        <p:nvSpPr>
+          <p:cNvPr id="4" name="TextBox 3"/>
+          <p:cNvSpPr txBox="1"/>
+          <p:nvPr/>
+        </p:nvSpPr>
+        <p:spPr>
+          <a:xfrm>
+            <a:off x="226157" y="6373269"/>
+            <a:ext cx="1586905" cy="369332"/>
+          </a:xfrm>
+          <a:prstGeom prst="rect">
+            <a:avLst/>
+          </a:prstGeom>
+          <a:noFill/>
+        </p:spPr>
+        <p:txBody>
+          <a:bodyPr wrap="none" rtlCol="0">
+            <a:spAutoFit/>
+          </a:bodyPr>
+          <a:lstStyle/>
+          <a:p>
+            <a:r>
+              <a:rPr lang="en-US" dirty="0" smtClean="0"/>
+              <a:t>* Coming Soon</a:t>
+            </a:r>
+            <a:endParaRPr lang="en-US" dirty="0"/>
+          </a:p>
+        </p:txBody>
+      </p:sp>
+      <p:pic>
+        <p:nvPicPr>
+          <p:cNvPr id="6" name="Picture 5" descr="Gear-001-300px.png"/>
+          <p:cNvPicPr>
+            <a:picLocks noChangeAspect="1"/>
+          </p:cNvPicPr>
+          <p:nvPr/>
+        </p:nvPicPr>
+        <p:blipFill>
+          <a:blip r:embed="rId2">
+            <a:extLst>
+              <a:ext uri="{28A0092B-C50C-407E-A947-70E740481C1C}">
+                <a14:useLocalDpi xmlns:a14="http://schemas.microsoft.com/office/drawing/2010/main" val="0"/>
+              </a:ext>
+            </a:extLst>
+          </a:blip>
+          <a:stretch>
+            <a:fillRect/>
+          </a:stretch>
+        </p:blipFill>
+        <p:spPr>
+          <a:xfrm>
+            <a:off x="8305880" y="6053945"/>
+            <a:ext cx="804057" cy="804057"/>
+          </a:xfrm>
+          <a:prstGeom prst="rect">
+            <a:avLst/>
+          </a:prstGeom>
+        </p:spPr>
+      </p:pic>
+    </p:spTree>
+    <p:extLst>
+      <p:ext uri="{BB962C8B-B14F-4D97-AF65-F5344CB8AC3E}">
+        <p14:creationId xmlns:p14="http://schemas.microsoft.com/office/powerpoint/2010/main" val="2255138701"/>
+      </p:ext>
+    </p:extLst>
+  </p:cSld>
+  <p:clrMapOvr>
+    <a:masterClrMapping/>
+  </p:clrMapOvr>
+  <mc:AlternateContent xmlns:mc="http://schemas.openxmlformats.org/markup-compatibility/2006" xmlns:p14="http://schemas.microsoft.com/office/powerpoint/2010/main">
+    <mc:Choice Requires="p14">
+      <p:transition spd="slow" p14:dur="2000"/>
+    </mc:Choice>
+    <mc:Fallback xmlns="">
+      <p:transition xmlns:p14="http://schemas.microsoft.com/office/powerpoint/2010/main" spd="slow"/>
+    </mc:Fallback>
+  </mc:AlternateContent>
+  <p:timing>
+    <p:tnLst>
+      <p:par>
+        <p:cTn xmlns:p14="http://schemas.microsoft.com/office/powerpoint/2010/main" id="1" dur="indefinite" restart="never" nodeType="tmRoot"/>
+      </p:par>
+    </p:tnLst>
+  </p:timing>
+</p:sld>
+</file>
+
+<file path=ppt/slides/slide13.xml><?xml version="1.0" encoding="utf-8"?>
+<p:sld xmlns:a="http://schemas.openxmlformats.org/drawingml/2006/main" xmlns:r="http://schemas.openxmlformats.org/officeDocument/2006/relationships" xmlns:p="http://schemas.openxmlformats.org/presentationml/2006/main">
+  <p:cSld>
+    <p:spTree>
+      <p:nvGrpSpPr>
+        <p:cNvPr id="1" name=""/>
+        <p:cNvGrpSpPr/>
+        <p:nvPr/>
+      </p:nvGrpSpPr>
+      <p:grpSpPr>
+        <a:xfrm>
+          <a:off x="0" y="0"/>
+          <a:ext cx="0" cy="0"/>
+          <a:chOff x="0" y="0"/>
+          <a:chExt cx="0" cy="0"/>
+        </a:xfrm>
+      </p:grpSpPr>
+      <p:sp>
+        <p:nvSpPr>
+          <p:cNvPr id="2" name="Title 1"/>
+          <p:cNvSpPr>
+            <a:spLocks noGrp="1"/>
+          </p:cNvSpPr>
+          <p:nvPr>
+            <p:ph type="title"/>
+          </p:nvPr>
+        </p:nvSpPr>
         <p:spPr>
           <a:xfrm>
             <a:off x="457200" y="2831711"/>
@@ -4886,7 +5498,7 @@
 </p:sld>
 </file>
 
-<file path=ppt/slides/slide13.xml><?xml version="1.0" encoding="utf-8"?>
+<file path=ppt/slides/slide14.xml><?xml version="1.0" encoding="utf-8"?>
 <p:sld xmlns:a="http://schemas.openxmlformats.org/drawingml/2006/main" xmlns:r="http://schemas.openxmlformats.org/officeDocument/2006/relationships" xmlns:p="http://schemas.openxmlformats.org/presentationml/2006/main">
   <p:cSld>
     <p:spTree>
@@ -5759,7 +6371,7 @@
 </p:sld>
 </file>
 
-<file path=ppt/slides/slide14.xml><?xml version="1.0" encoding="utf-8"?>
+<file path=ppt/slides/slide15.xml><?xml version="1.0" encoding="utf-8"?>
 <p:sld xmlns:a="http://schemas.openxmlformats.org/drawingml/2006/main" xmlns:r="http://schemas.openxmlformats.org/officeDocument/2006/relationships" xmlns:p="http://schemas.openxmlformats.org/presentationml/2006/main">
   <p:cSld>
     <p:spTree>
@@ -6606,7 +7218,7 @@
 </p:sld>
 </file>
 
-<file path=ppt/slides/slide15.xml><?xml version="1.0" encoding="utf-8"?>
+<file path=ppt/slides/slide16.xml><?xml version="1.0" encoding="utf-8"?>
 <p:sld xmlns:a="http://schemas.openxmlformats.org/drawingml/2006/main" xmlns:r="http://schemas.openxmlformats.org/officeDocument/2006/relationships" xmlns:p="http://schemas.openxmlformats.org/presentationml/2006/main">
   <p:cSld>
     <p:spTree>
@@ -6725,811 +7337,6 @@
     <p:extLst>
       <p:ext uri="{BB962C8B-B14F-4D97-AF65-F5344CB8AC3E}">
         <p14:creationId xmlns:p14="http://schemas.microsoft.com/office/powerpoint/2010/main" val="4059066506"/>
-      </p:ext>
-    </p:extLst>
-  </p:cSld>
-  <p:clrMapOvr>
-    <a:masterClrMapping/>
-  </p:clrMapOvr>
-  <mc:AlternateContent xmlns:mc="http://schemas.openxmlformats.org/markup-compatibility/2006" xmlns:p14="http://schemas.microsoft.com/office/powerpoint/2010/main">
-    <mc:Choice Requires="p14">
-      <p:transition spd="slow" p14:dur="2000"/>
-    </mc:Choice>
-    <mc:Fallback xmlns="">
-      <p:transition xmlns:p14="http://schemas.microsoft.com/office/powerpoint/2010/main" spd="slow"/>
-    </mc:Fallback>
-  </mc:AlternateContent>
-  <p:timing>
-    <p:tnLst>
-      <p:par>
-        <p:cTn xmlns:p14="http://schemas.microsoft.com/office/powerpoint/2010/main" id="1" dur="indefinite" restart="never" nodeType="tmRoot"/>
-      </p:par>
-    </p:tnLst>
-  </p:timing>
-</p:sld>
-</file>
-
-<file path=ppt/slides/slide16.xml><?xml version="1.0" encoding="utf-8"?>
-<p:sld xmlns:a="http://schemas.openxmlformats.org/drawingml/2006/main" xmlns:r="http://schemas.openxmlformats.org/officeDocument/2006/relationships" xmlns:p="http://schemas.openxmlformats.org/presentationml/2006/main">
-  <p:cSld>
-    <p:spTree>
-      <p:nvGrpSpPr>
-        <p:cNvPr id="1" name=""/>
-        <p:cNvGrpSpPr/>
-        <p:nvPr/>
-      </p:nvGrpSpPr>
-      <p:grpSpPr>
-        <a:xfrm>
-          <a:off x="0" y="0"/>
-          <a:ext cx="0" cy="0"/>
-          <a:chOff x="0" y="0"/>
-          <a:chExt cx="0" cy="0"/>
-        </a:xfrm>
-      </p:grpSpPr>
-      <p:sp>
-        <p:nvSpPr>
-          <p:cNvPr id="2" name="Title 1"/>
-          <p:cNvSpPr>
-            <a:spLocks noGrp="1"/>
-          </p:cNvSpPr>
-          <p:nvPr>
-            <p:ph type="title"/>
-          </p:nvPr>
-        </p:nvSpPr>
-        <p:spPr/>
-        <p:txBody>
-          <a:bodyPr>
-            <a:normAutofit fontScale="90000"/>
-          </a:bodyPr>
-          <a:lstStyle/>
-          <a:p>
-            <a:r>
-              <a:rPr lang="en-US" dirty="0" smtClean="0"/>
-              <a:t>So how are the stream </a:t>
-            </a:r>
-            <a:r>
-              <a:rPr lang="en-US" dirty="0" err="1" smtClean="0"/>
-              <a:t>microservices</a:t>
-            </a:r>
-            <a:r>
-              <a:rPr lang="en-US" dirty="0" smtClean="0"/>
-              <a:t> created</a:t>
-            </a:r>
-            <a:endParaRPr lang="en-US" dirty="0"/>
-          </a:p>
-        </p:txBody>
-      </p:sp>
-      <p:sp>
-        <p:nvSpPr>
-          <p:cNvPr id="7" name="Rounded Rectangle 6"/>
-          <p:cNvSpPr/>
-          <p:nvPr/>
-        </p:nvSpPr>
-        <p:spPr>
-          <a:xfrm>
-            <a:off x="300636" y="2906666"/>
-            <a:ext cx="1699958" cy="914400"/>
-          </a:xfrm>
-          <a:prstGeom prst="roundRect">
-            <a:avLst/>
-          </a:prstGeom>
-        </p:spPr>
-        <p:style>
-          <a:lnRef idx="1">
-            <a:schemeClr val="accent1"/>
-          </a:lnRef>
-          <a:fillRef idx="3">
-            <a:schemeClr val="accent1"/>
-          </a:fillRef>
-          <a:effectRef idx="2">
-            <a:schemeClr val="accent1"/>
-          </a:effectRef>
-          <a:fontRef idx="minor">
-            <a:schemeClr val="lt1"/>
-          </a:fontRef>
-        </p:style>
-        <p:txBody>
-          <a:bodyPr rtlCol="0" anchor="ctr"/>
-          <a:lstStyle/>
-          <a:p>
-            <a:pPr algn="ctr"/>
-            <a:r>
-              <a:rPr lang="en-US" dirty="0" smtClean="0"/>
-              <a:t>SCDF Shell</a:t>
-            </a:r>
-            <a:endParaRPr lang="en-US" dirty="0"/>
-          </a:p>
-        </p:txBody>
-      </p:sp>
-      <p:sp>
-        <p:nvSpPr>
-          <p:cNvPr id="9" name="Rounded Rectangle 8"/>
-          <p:cNvSpPr/>
-          <p:nvPr/>
-        </p:nvSpPr>
-        <p:spPr>
-          <a:xfrm>
-            <a:off x="3810544" y="2170225"/>
-            <a:ext cx="1699958" cy="2387277"/>
-          </a:xfrm>
-          <a:prstGeom prst="roundRect">
-            <a:avLst/>
-          </a:prstGeom>
-        </p:spPr>
-        <p:style>
-          <a:lnRef idx="1">
-            <a:schemeClr val="accent1"/>
-          </a:lnRef>
-          <a:fillRef idx="3">
-            <a:schemeClr val="accent1"/>
-          </a:fillRef>
-          <a:effectRef idx="2">
-            <a:schemeClr val="accent1"/>
-          </a:effectRef>
-          <a:fontRef idx="minor">
-            <a:schemeClr val="lt1"/>
-          </a:fontRef>
-        </p:style>
-        <p:txBody>
-          <a:bodyPr rtlCol="0" anchor="ctr"/>
-          <a:lstStyle/>
-          <a:p>
-            <a:pPr algn="ctr"/>
-            <a:r>
-              <a:rPr lang="en-US" dirty="0" smtClean="0"/>
-              <a:t>SCDF Server</a:t>
-            </a:r>
-            <a:endParaRPr lang="en-US" dirty="0"/>
-          </a:p>
-        </p:txBody>
-      </p:sp>
-      <p:cxnSp>
-        <p:nvCxnSpPr>
-          <p:cNvPr id="16" name="Straight Arrow Connector 15"/>
-          <p:cNvCxnSpPr>
-            <a:stCxn id="7" idx="3"/>
-            <a:endCxn id="9" idx="1"/>
-          </p:cNvCxnSpPr>
-          <p:nvPr/>
-        </p:nvCxnSpPr>
-        <p:spPr>
-          <a:xfrm>
-            <a:off x="2000594" y="3363864"/>
-            <a:ext cx="1809950" cy="0"/>
-          </a:xfrm>
-          <a:prstGeom prst="straightConnector1">
-            <a:avLst/>
-          </a:prstGeom>
-          <a:ln>
-            <a:tailEnd type="arrow"/>
-          </a:ln>
-        </p:spPr>
-        <p:style>
-          <a:lnRef idx="2">
-            <a:schemeClr val="accent1"/>
-          </a:lnRef>
-          <a:fillRef idx="0">
-            <a:schemeClr val="accent1"/>
-          </a:fillRef>
-          <a:effectRef idx="1">
-            <a:schemeClr val="accent1"/>
-          </a:effectRef>
-          <a:fontRef idx="minor">
-            <a:schemeClr val="tx1"/>
-          </a:fontRef>
-        </p:style>
-      </p:cxnSp>
-      <p:sp>
-        <p:nvSpPr>
-          <p:cNvPr id="20" name="Rounded Rectangle 19"/>
-          <p:cNvSpPr/>
-          <p:nvPr/>
-        </p:nvSpPr>
-        <p:spPr>
-          <a:xfrm>
-            <a:off x="7299966" y="1952785"/>
-            <a:ext cx="1699958" cy="2822157"/>
-          </a:xfrm>
-          <a:prstGeom prst="roundRect">
-            <a:avLst/>
-          </a:prstGeom>
-        </p:spPr>
-        <p:style>
-          <a:lnRef idx="1">
-            <a:schemeClr val="accent1"/>
-          </a:lnRef>
-          <a:fillRef idx="3">
-            <a:schemeClr val="accent1"/>
-          </a:fillRef>
-          <a:effectRef idx="2">
-            <a:schemeClr val="accent1"/>
-          </a:effectRef>
-          <a:fontRef idx="minor">
-            <a:schemeClr val="lt1"/>
-          </a:fontRef>
-        </p:style>
-        <p:txBody>
-          <a:bodyPr rtlCol="0" anchor="ctr"/>
-          <a:lstStyle/>
-          <a:p>
-            <a:pPr algn="ctr"/>
-            <a:r>
-              <a:rPr lang="en-US" dirty="0" smtClean="0"/>
-              <a:t>Cloud Foundry</a:t>
-            </a:r>
-          </a:p>
-          <a:p>
-            <a:pPr algn="ctr"/>
-            <a:r>
-              <a:rPr lang="en-US" dirty="0" smtClean="0"/>
-              <a:t>Yarn</a:t>
-            </a:r>
-          </a:p>
-          <a:p>
-            <a:pPr algn="ctr"/>
-            <a:r>
-              <a:rPr lang="en-US" dirty="0" err="1" smtClean="0"/>
-              <a:t>Mesos</a:t>
-            </a:r>
-            <a:endParaRPr lang="en-US" dirty="0" smtClean="0"/>
-          </a:p>
-          <a:p>
-            <a:pPr algn="ctr"/>
-            <a:r>
-              <a:rPr lang="en-US" dirty="0" err="1" smtClean="0"/>
-              <a:t>Kubernetes</a:t>
-            </a:r>
-            <a:endParaRPr lang="en-US" dirty="0" smtClean="0"/>
-          </a:p>
-          <a:p>
-            <a:pPr algn="ctr"/>
-            <a:r>
-              <a:rPr lang="en-US" dirty="0" smtClean="0"/>
-              <a:t>local</a:t>
-            </a:r>
-          </a:p>
-        </p:txBody>
-      </p:sp>
-      <p:cxnSp>
-        <p:nvCxnSpPr>
-          <p:cNvPr id="22" name="Straight Arrow Connector 21"/>
-          <p:cNvCxnSpPr>
-            <a:stCxn id="9" idx="3"/>
-            <a:endCxn id="20" idx="1"/>
-          </p:cNvCxnSpPr>
-          <p:nvPr/>
-        </p:nvCxnSpPr>
-        <p:spPr>
-          <a:xfrm>
-            <a:off x="5510502" y="3363864"/>
-            <a:ext cx="1789464" cy="0"/>
-          </a:xfrm>
-          <a:prstGeom prst="straightConnector1">
-            <a:avLst/>
-          </a:prstGeom>
-          <a:ln>
-            <a:tailEnd type="arrow"/>
-          </a:ln>
-        </p:spPr>
-        <p:style>
-          <a:lnRef idx="2">
-            <a:schemeClr val="accent1"/>
-          </a:lnRef>
-          <a:fillRef idx="0">
-            <a:schemeClr val="accent1"/>
-          </a:fillRef>
-          <a:effectRef idx="1">
-            <a:schemeClr val="accent1"/>
-          </a:effectRef>
-          <a:fontRef idx="minor">
-            <a:schemeClr val="tx1"/>
-          </a:fontRef>
-        </p:style>
-      </p:cxnSp>
-      <p:sp>
-        <p:nvSpPr>
-          <p:cNvPr id="23" name="TextBox 22"/>
-          <p:cNvSpPr txBox="1"/>
-          <p:nvPr/>
-        </p:nvSpPr>
-        <p:spPr>
-          <a:xfrm>
-            <a:off x="2075457" y="2715322"/>
-            <a:ext cx="1741658" cy="646331"/>
-          </a:xfrm>
-          <a:prstGeom prst="rect">
-            <a:avLst/>
-          </a:prstGeom>
-          <a:noFill/>
-        </p:spPr>
-        <p:txBody>
-          <a:bodyPr wrap="none" rtlCol="0">
-            <a:spAutoFit/>
-          </a:bodyPr>
-          <a:lstStyle/>
-          <a:p>
-            <a:r>
-              <a:rPr lang="en-US" dirty="0" smtClean="0"/>
-              <a:t>Restful Request</a:t>
-            </a:r>
-          </a:p>
-          <a:p>
-            <a:r>
-              <a:rPr lang="en-US" dirty="0" smtClean="0"/>
-              <a:t>to create stream</a:t>
-            </a:r>
-            <a:endParaRPr lang="en-US" dirty="0"/>
-          </a:p>
-        </p:txBody>
-      </p:sp>
-      <p:sp>
-        <p:nvSpPr>
-          <p:cNvPr id="24" name="Rectangle 23"/>
-          <p:cNvSpPr/>
-          <p:nvPr/>
-        </p:nvSpPr>
-        <p:spPr>
-          <a:xfrm>
-            <a:off x="5523935" y="3482017"/>
-            <a:ext cx="1776035" cy="923330"/>
-          </a:xfrm>
-          <a:prstGeom prst="rect">
-            <a:avLst/>
-          </a:prstGeom>
-        </p:spPr>
-        <p:txBody>
-          <a:bodyPr wrap="none">
-            <a:spAutoFit/>
-          </a:bodyPr>
-          <a:lstStyle/>
-          <a:p>
-            <a:r>
-              <a:rPr lang="en-US" dirty="0" smtClean="0"/>
-              <a:t>SCDF </a:t>
-            </a:r>
-            <a:r>
-              <a:rPr lang="en-US" dirty="0" err="1" smtClean="0"/>
-              <a:t>Deployer</a:t>
-            </a:r>
-            <a:endParaRPr lang="en-US" dirty="0" smtClean="0"/>
-          </a:p>
-          <a:p>
-            <a:r>
-              <a:rPr lang="en-US" dirty="0" smtClean="0"/>
-              <a:t>Creates and links </a:t>
-            </a:r>
-          </a:p>
-          <a:p>
-            <a:r>
-              <a:rPr lang="en-US" dirty="0" smtClean="0"/>
-              <a:t>Apps together</a:t>
-            </a:r>
-            <a:endParaRPr lang="en-US" dirty="0"/>
-          </a:p>
-        </p:txBody>
-      </p:sp>
-      <p:sp>
-        <p:nvSpPr>
-          <p:cNvPr id="25" name="Rounded Rectangle 24"/>
-          <p:cNvSpPr/>
-          <p:nvPr/>
-        </p:nvSpPr>
-        <p:spPr>
-          <a:xfrm>
-            <a:off x="7299966" y="4170514"/>
-            <a:ext cx="477838" cy="469666"/>
-          </a:xfrm>
-          <a:prstGeom prst="roundRect">
-            <a:avLst/>
-          </a:prstGeom>
-          <a:solidFill>
-            <a:schemeClr val="accent5">
-              <a:lumMod val="60000"/>
-              <a:lumOff val="40000"/>
-            </a:schemeClr>
-          </a:solidFill>
-        </p:spPr>
-        <p:style>
-          <a:lnRef idx="1">
-            <a:schemeClr val="accent1"/>
-          </a:lnRef>
-          <a:fillRef idx="3">
-            <a:schemeClr val="accent1"/>
-          </a:fillRef>
-          <a:effectRef idx="2">
-            <a:schemeClr val="accent1"/>
-          </a:effectRef>
-          <a:fontRef idx="minor">
-            <a:schemeClr val="lt1"/>
-          </a:fontRef>
-        </p:style>
-        <p:txBody>
-          <a:bodyPr rtlCol="0" anchor="ctr"/>
-          <a:lstStyle/>
-          <a:p>
-            <a:pPr algn="ctr"/>
-            <a:endParaRPr lang="en-US"/>
-          </a:p>
-        </p:txBody>
-      </p:sp>
-      <p:sp>
-        <p:nvSpPr>
-          <p:cNvPr id="26" name="Rounded Rectangle 25"/>
-          <p:cNvSpPr/>
-          <p:nvPr/>
-        </p:nvSpPr>
-        <p:spPr>
-          <a:xfrm>
-            <a:off x="7878016" y="4170514"/>
-            <a:ext cx="477838" cy="469666"/>
-          </a:xfrm>
-          <a:prstGeom prst="roundRect">
-            <a:avLst/>
-          </a:prstGeom>
-          <a:solidFill>
-            <a:schemeClr val="accent5">
-              <a:lumMod val="60000"/>
-              <a:lumOff val="40000"/>
-            </a:schemeClr>
-          </a:solidFill>
-        </p:spPr>
-        <p:style>
-          <a:lnRef idx="1">
-            <a:schemeClr val="accent1"/>
-          </a:lnRef>
-          <a:fillRef idx="3">
-            <a:schemeClr val="accent1"/>
-          </a:fillRef>
-          <a:effectRef idx="2">
-            <a:schemeClr val="accent1"/>
-          </a:effectRef>
-          <a:fontRef idx="minor">
-            <a:schemeClr val="lt1"/>
-          </a:fontRef>
-        </p:style>
-        <p:txBody>
-          <a:bodyPr rtlCol="0" anchor="ctr"/>
-          <a:lstStyle/>
-          <a:p>
-            <a:pPr algn="ctr"/>
-            <a:endParaRPr lang="en-US"/>
-          </a:p>
-        </p:txBody>
-      </p:sp>
-      <p:sp>
-        <p:nvSpPr>
-          <p:cNvPr id="27" name="Rounded Rectangle 26"/>
-          <p:cNvSpPr/>
-          <p:nvPr/>
-        </p:nvSpPr>
-        <p:spPr>
-          <a:xfrm>
-            <a:off x="8447881" y="4170514"/>
-            <a:ext cx="477838" cy="469666"/>
-          </a:xfrm>
-          <a:prstGeom prst="roundRect">
-            <a:avLst/>
-          </a:prstGeom>
-          <a:solidFill>
-            <a:schemeClr val="accent5">
-              <a:lumMod val="60000"/>
-              <a:lumOff val="40000"/>
-            </a:schemeClr>
-          </a:solidFill>
-        </p:spPr>
-        <p:style>
-          <a:lnRef idx="1">
-            <a:schemeClr val="accent1"/>
-          </a:lnRef>
-          <a:fillRef idx="3">
-            <a:schemeClr val="accent1"/>
-          </a:fillRef>
-          <a:effectRef idx="2">
-            <a:schemeClr val="accent1"/>
-          </a:effectRef>
-          <a:fontRef idx="minor">
-            <a:schemeClr val="lt1"/>
-          </a:fontRef>
-        </p:style>
-        <p:txBody>
-          <a:bodyPr rtlCol="0" anchor="ctr"/>
-          <a:lstStyle/>
-          <a:p>
-            <a:pPr algn="ctr"/>
-            <a:endParaRPr lang="en-US"/>
-          </a:p>
-        </p:txBody>
-      </p:sp>
-      <p:cxnSp>
-        <p:nvCxnSpPr>
-          <p:cNvPr id="28" name="Straight Arrow Connector 27"/>
-          <p:cNvCxnSpPr>
-            <a:stCxn id="25" idx="3"/>
-            <a:endCxn id="26" idx="1"/>
-          </p:cNvCxnSpPr>
-          <p:nvPr/>
-        </p:nvCxnSpPr>
-        <p:spPr>
-          <a:xfrm>
-            <a:off x="7777804" y="4405347"/>
-            <a:ext cx="100212" cy="0"/>
-          </a:xfrm>
-          <a:prstGeom prst="straightConnector1">
-            <a:avLst/>
-          </a:prstGeom>
-          <a:ln>
-            <a:tailEnd type="arrow"/>
-          </a:ln>
-        </p:spPr>
-        <p:style>
-          <a:lnRef idx="2">
-            <a:schemeClr val="accent1"/>
-          </a:lnRef>
-          <a:fillRef idx="0">
-            <a:schemeClr val="accent1"/>
-          </a:fillRef>
-          <a:effectRef idx="1">
-            <a:schemeClr val="accent1"/>
-          </a:effectRef>
-          <a:fontRef idx="minor">
-            <a:schemeClr val="tx1"/>
-          </a:fontRef>
-        </p:style>
-      </p:cxnSp>
-      <p:cxnSp>
-        <p:nvCxnSpPr>
-          <p:cNvPr id="31" name="Straight Arrow Connector 30"/>
-          <p:cNvCxnSpPr>
-            <a:stCxn id="26" idx="3"/>
-            <a:endCxn id="27" idx="1"/>
-          </p:cNvCxnSpPr>
-          <p:nvPr/>
-        </p:nvCxnSpPr>
-        <p:spPr>
-          <a:xfrm>
-            <a:off x="8355858" y="4405347"/>
-            <a:ext cx="92027" cy="0"/>
-          </a:xfrm>
-          <a:prstGeom prst="straightConnector1">
-            <a:avLst/>
-          </a:prstGeom>
-          <a:ln>
-            <a:tailEnd type="arrow"/>
-          </a:ln>
-        </p:spPr>
-        <p:style>
-          <a:lnRef idx="2">
-            <a:schemeClr val="accent1"/>
-          </a:lnRef>
-          <a:fillRef idx="0">
-            <a:schemeClr val="accent1"/>
-          </a:fillRef>
-          <a:effectRef idx="1">
-            <a:schemeClr val="accent1"/>
-          </a:effectRef>
-          <a:fontRef idx="minor">
-            <a:schemeClr val="tx1"/>
-          </a:fontRef>
-        </p:style>
-      </p:cxnSp>
-      <p:sp>
-        <p:nvSpPr>
-          <p:cNvPr id="36" name="Rounded Rectangle 35"/>
-          <p:cNvSpPr/>
-          <p:nvPr/>
-        </p:nvSpPr>
-        <p:spPr>
-          <a:xfrm>
-            <a:off x="300636" y="1800921"/>
-            <a:ext cx="1699958" cy="914400"/>
-          </a:xfrm>
-          <a:prstGeom prst="roundRect">
-            <a:avLst/>
-          </a:prstGeom>
-        </p:spPr>
-        <p:style>
-          <a:lnRef idx="1">
-            <a:schemeClr val="accent1"/>
-          </a:lnRef>
-          <a:fillRef idx="3">
-            <a:schemeClr val="accent1"/>
-          </a:fillRef>
-          <a:effectRef idx="2">
-            <a:schemeClr val="accent1"/>
-          </a:effectRef>
-          <a:fontRef idx="minor">
-            <a:schemeClr val="lt1"/>
-          </a:fontRef>
-        </p:style>
-        <p:txBody>
-          <a:bodyPr rtlCol="0" anchor="ctr"/>
-          <a:lstStyle/>
-          <a:p>
-            <a:pPr algn="ctr"/>
-            <a:r>
-              <a:rPr lang="en-US" dirty="0" smtClean="0"/>
-              <a:t>curl</a:t>
-            </a:r>
-            <a:endParaRPr lang="en-US" dirty="0"/>
-          </a:p>
-        </p:txBody>
-      </p:sp>
-      <p:sp>
-        <p:nvSpPr>
-          <p:cNvPr id="37" name="Rounded Rectangle 36"/>
-          <p:cNvSpPr/>
-          <p:nvPr/>
-        </p:nvSpPr>
-        <p:spPr>
-          <a:xfrm>
-            <a:off x="340707" y="4100302"/>
-            <a:ext cx="1699958" cy="914400"/>
-          </a:xfrm>
-          <a:prstGeom prst="roundRect">
-            <a:avLst/>
-          </a:prstGeom>
-        </p:spPr>
-        <p:style>
-          <a:lnRef idx="1">
-            <a:schemeClr val="accent1"/>
-          </a:lnRef>
-          <a:fillRef idx="3">
-            <a:schemeClr val="accent1"/>
-          </a:fillRef>
-          <a:effectRef idx="2">
-            <a:schemeClr val="accent1"/>
-          </a:effectRef>
-          <a:fontRef idx="minor">
-            <a:schemeClr val="lt1"/>
-          </a:fontRef>
-        </p:style>
-        <p:txBody>
-          <a:bodyPr rtlCol="0" anchor="ctr"/>
-          <a:lstStyle/>
-          <a:p>
-            <a:pPr algn="ctr"/>
-            <a:r>
-              <a:rPr lang="en-US" dirty="0" smtClean="0"/>
-              <a:t>Flo</a:t>
-            </a:r>
-            <a:endParaRPr lang="en-US" dirty="0"/>
-          </a:p>
-        </p:txBody>
-      </p:sp>
-      <p:cxnSp>
-        <p:nvCxnSpPr>
-          <p:cNvPr id="38" name="Straight Arrow Connector 37"/>
-          <p:cNvCxnSpPr>
-            <a:stCxn id="36" idx="3"/>
-          </p:cNvCxnSpPr>
-          <p:nvPr/>
-        </p:nvCxnSpPr>
-        <p:spPr>
-          <a:xfrm>
-            <a:off x="2000594" y="2258118"/>
-            <a:ext cx="1809950" cy="457201"/>
-          </a:xfrm>
-          <a:prstGeom prst="straightConnector1">
-            <a:avLst/>
-          </a:prstGeom>
-          <a:ln>
-            <a:tailEnd type="arrow"/>
-          </a:ln>
-        </p:spPr>
-        <p:style>
-          <a:lnRef idx="2">
-            <a:schemeClr val="accent1"/>
-          </a:lnRef>
-          <a:fillRef idx="0">
-            <a:schemeClr val="accent1"/>
-          </a:fillRef>
-          <a:effectRef idx="1">
-            <a:schemeClr val="accent1"/>
-          </a:effectRef>
-          <a:fontRef idx="minor">
-            <a:schemeClr val="tx1"/>
-          </a:fontRef>
-        </p:style>
-      </p:cxnSp>
-      <p:cxnSp>
-        <p:nvCxnSpPr>
-          <p:cNvPr id="41" name="Straight Arrow Connector 40"/>
-          <p:cNvCxnSpPr>
-            <a:stCxn id="37" idx="3"/>
-          </p:cNvCxnSpPr>
-          <p:nvPr/>
-        </p:nvCxnSpPr>
-        <p:spPr>
-          <a:xfrm flipV="1">
-            <a:off x="2040665" y="3821064"/>
-            <a:ext cx="1769879" cy="736438"/>
-          </a:xfrm>
-          <a:prstGeom prst="straightConnector1">
-            <a:avLst/>
-          </a:prstGeom>
-          <a:ln>
-            <a:tailEnd type="arrow"/>
-          </a:ln>
-        </p:spPr>
-        <p:style>
-          <a:lnRef idx="2">
-            <a:schemeClr val="accent1"/>
-          </a:lnRef>
-          <a:fillRef idx="0">
-            <a:schemeClr val="accent1"/>
-          </a:fillRef>
-          <a:effectRef idx="1">
-            <a:schemeClr val="accent1"/>
-          </a:effectRef>
-          <a:fontRef idx="minor">
-            <a:schemeClr val="tx1"/>
-          </a:fontRef>
-        </p:style>
-      </p:cxnSp>
-      <p:pic>
-        <p:nvPicPr>
-          <p:cNvPr id="21" name="Picture 20" descr="icon-spring-cloud-data-flow-right-green.svg.png"/>
-          <p:cNvPicPr>
-            <a:picLocks noChangeAspect="1"/>
-          </p:cNvPicPr>
-          <p:nvPr/>
-        </p:nvPicPr>
-        <p:blipFill>
-          <a:blip r:embed="rId2">
-            <a:extLst>
-              <a:ext uri="{28A0092B-C50C-407E-A947-70E740481C1C}">
-                <a14:useLocalDpi xmlns:a14="http://schemas.microsoft.com/office/drawing/2010/main" val="0"/>
-              </a:ext>
-            </a:extLst>
-          </a:blip>
-          <a:stretch>
-            <a:fillRect/>
-          </a:stretch>
-        </p:blipFill>
-        <p:spPr>
-          <a:xfrm>
-            <a:off x="8148600" y="6053942"/>
-            <a:ext cx="995403" cy="995404"/>
-          </a:xfrm>
-          <a:prstGeom prst="rect">
-            <a:avLst/>
-          </a:prstGeom>
-        </p:spPr>
-      </p:pic>
-      <p:pic>
-        <p:nvPicPr>
-          <p:cNvPr id="29" name="Picture 28" descr="Binary-Data-Stream-2-300px.png"/>
-          <p:cNvPicPr>
-            <a:picLocks noChangeAspect="1"/>
-          </p:cNvPicPr>
-          <p:nvPr/>
-        </p:nvPicPr>
-        <p:blipFill>
-          <a:blip r:embed="rId3">
-            <a:extLst>
-              <a:ext uri="{28A0092B-C50C-407E-A947-70E740481C1C}">
-                <a14:useLocalDpi xmlns:a14="http://schemas.microsoft.com/office/drawing/2010/main" val="0"/>
-              </a:ext>
-            </a:extLst>
-          </a:blip>
-          <a:stretch>
-            <a:fillRect/>
-          </a:stretch>
-        </p:blipFill>
-        <p:spPr>
-          <a:xfrm>
-            <a:off x="7211769" y="6053944"/>
-            <a:ext cx="900545" cy="838849"/>
-          </a:xfrm>
-          <a:prstGeom prst="rect">
-            <a:avLst/>
-          </a:prstGeom>
-        </p:spPr>
-      </p:pic>
-    </p:spTree>
-    <p:extLst>
-      <p:ext uri="{BB962C8B-B14F-4D97-AF65-F5344CB8AC3E}">
-        <p14:creationId xmlns:p14="http://schemas.microsoft.com/office/powerpoint/2010/main" val="1559306283"/>
       </p:ext>
     </p:extLst>
   </p:cSld>
@@ -7590,14 +7397,57 @@
           <a:p>
             <a:r>
               <a:rPr lang="en-US" dirty="0" smtClean="0"/>
-              <a:t>Creating a Stream </a:t>
-            </a:r>
-            <a:br>
+              <a:t>So how are the stream </a:t>
+            </a:r>
+            <a:r>
+              <a:rPr lang="en-US" dirty="0" err="1" smtClean="0"/>
+              <a:t>microservices</a:t>
+            </a:r>
+            <a:r>
               <a:rPr lang="en-US" dirty="0" smtClean="0"/>
-            </a:br>
+              <a:t> created</a:t>
+            </a:r>
+            <a:endParaRPr lang="en-US" dirty="0"/>
+          </a:p>
+        </p:txBody>
+      </p:sp>
+      <p:sp>
+        <p:nvSpPr>
+          <p:cNvPr id="7" name="Rounded Rectangle 6"/>
+          <p:cNvSpPr/>
+          <p:nvPr/>
+        </p:nvSpPr>
+        <p:spPr>
+          <a:xfrm>
+            <a:off x="300636" y="2906666"/>
+            <a:ext cx="1699958" cy="914400"/>
+          </a:xfrm>
+          <a:prstGeom prst="roundRect">
+            <a:avLst/>
+          </a:prstGeom>
+        </p:spPr>
+        <p:style>
+          <a:lnRef idx="1">
+            <a:schemeClr val="accent1"/>
+          </a:lnRef>
+          <a:fillRef idx="3">
+            <a:schemeClr val="accent1"/>
+          </a:fillRef>
+          <a:effectRef idx="2">
+            <a:schemeClr val="accent1"/>
+          </a:effectRef>
+          <a:fontRef idx="minor">
+            <a:schemeClr val="lt1"/>
+          </a:fontRef>
+        </p:style>
+        <p:txBody>
+          <a:bodyPr rtlCol="0" anchor="ctr"/>
+          <a:lstStyle/>
+          <a:p>
+            <a:pPr algn="ctr"/>
             <a:r>
               <a:rPr lang="en-US" dirty="0" smtClean="0"/>
-              <a:t>via REST</a:t>
+              <a:t>SCDF Shell</a:t>
             </a:r>
             <a:endParaRPr lang="en-US" dirty="0"/>
           </a:p>
@@ -7605,171 +7455,632 @@
       </p:sp>
       <p:sp>
         <p:nvSpPr>
-          <p:cNvPr id="3" name="Content Placeholder 2"/>
-          <p:cNvSpPr>
-            <a:spLocks noGrp="1"/>
-          </p:cNvSpPr>
-          <p:nvPr>
-            <p:ph idx="1"/>
-          </p:nvPr>
-        </p:nvSpPr>
-        <p:spPr>
-          <a:xfrm>
-            <a:off x="27863" y="1504612"/>
-            <a:ext cx="9144000" cy="4264574"/>
-          </a:xfrm>
-          <a:solidFill>
+          <p:cNvPr id="9" name="Rounded Rectangle 8"/>
+          <p:cNvSpPr/>
+          <p:nvPr/>
+        </p:nvSpPr>
+        <p:spPr>
+          <a:xfrm>
+            <a:off x="3810544" y="2170225"/>
+            <a:ext cx="1699958" cy="2387277"/>
+          </a:xfrm>
+          <a:prstGeom prst="roundRect">
+            <a:avLst/>
+          </a:prstGeom>
+        </p:spPr>
+        <p:style>
+          <a:lnRef idx="1">
+            <a:schemeClr val="accent1"/>
+          </a:lnRef>
+          <a:fillRef idx="3">
+            <a:schemeClr val="accent1"/>
+          </a:fillRef>
+          <a:effectRef idx="2">
+            <a:schemeClr val="accent1"/>
+          </a:effectRef>
+          <a:fontRef idx="minor">
+            <a:schemeClr val="lt1"/>
+          </a:fontRef>
+        </p:style>
+        <p:txBody>
+          <a:bodyPr rtlCol="0" anchor="ctr"/>
+          <a:lstStyle/>
+          <a:p>
+            <a:pPr algn="ctr"/>
+            <a:r>
+              <a:rPr lang="en-US" dirty="0" smtClean="0"/>
+              <a:t>SCDF Server</a:t>
+            </a:r>
+            <a:endParaRPr lang="en-US" dirty="0"/>
+          </a:p>
+        </p:txBody>
+      </p:sp>
+      <p:cxnSp>
+        <p:nvCxnSpPr>
+          <p:cNvPr id="16" name="Straight Arrow Connector 15"/>
+          <p:cNvCxnSpPr>
+            <a:stCxn id="7" idx="3"/>
+            <a:endCxn id="9" idx="1"/>
+          </p:cNvCxnSpPr>
+          <p:nvPr/>
+        </p:nvCxnSpPr>
+        <p:spPr>
+          <a:xfrm>
+            <a:off x="2000594" y="3363864"/>
+            <a:ext cx="1809950" cy="0"/>
+          </a:xfrm>
+          <a:prstGeom prst="straightConnector1">
+            <a:avLst/>
+          </a:prstGeom>
+          <a:ln>
+            <a:tailEnd type="arrow"/>
+          </a:ln>
+        </p:spPr>
+        <p:style>
+          <a:lnRef idx="2">
+            <a:schemeClr val="accent1"/>
+          </a:lnRef>
+          <a:fillRef idx="0">
+            <a:schemeClr val="accent1"/>
+          </a:fillRef>
+          <a:effectRef idx="1">
+            <a:schemeClr val="accent1"/>
+          </a:effectRef>
+          <a:fontRef idx="minor">
             <a:schemeClr val="tx1"/>
-          </a:solidFill>
-        </p:spPr>
-        <p:txBody>
-          <a:bodyPr>
-            <a:noAutofit/>
+          </a:fontRef>
+        </p:style>
+      </p:cxnSp>
+      <p:sp>
+        <p:nvSpPr>
+          <p:cNvPr id="20" name="Rounded Rectangle 19"/>
+          <p:cNvSpPr/>
+          <p:nvPr/>
+        </p:nvSpPr>
+        <p:spPr>
+          <a:xfrm>
+            <a:off x="7299966" y="1952785"/>
+            <a:ext cx="1699958" cy="2822157"/>
+          </a:xfrm>
+          <a:prstGeom prst="roundRect">
+            <a:avLst/>
+          </a:prstGeom>
+        </p:spPr>
+        <p:style>
+          <a:lnRef idx="1">
+            <a:schemeClr val="accent1"/>
+          </a:lnRef>
+          <a:fillRef idx="3">
+            <a:schemeClr val="accent1"/>
+          </a:fillRef>
+          <a:effectRef idx="2">
+            <a:schemeClr val="accent1"/>
+          </a:effectRef>
+          <a:fontRef idx="minor">
+            <a:schemeClr val="lt1"/>
+          </a:fontRef>
+        </p:style>
+        <p:txBody>
+          <a:bodyPr rtlCol="0" anchor="ctr"/>
+          <a:lstStyle/>
+          <a:p>
+            <a:pPr algn="ctr"/>
+            <a:r>
+              <a:rPr lang="en-US" dirty="0" smtClean="0"/>
+              <a:t>Cloud Foundry</a:t>
+            </a:r>
+          </a:p>
+          <a:p>
+            <a:pPr algn="ctr"/>
+            <a:r>
+              <a:rPr lang="en-US" dirty="0" smtClean="0"/>
+              <a:t>Yarn</a:t>
+            </a:r>
+          </a:p>
+          <a:p>
+            <a:pPr algn="ctr"/>
+            <a:r>
+              <a:rPr lang="en-US" dirty="0" err="1" smtClean="0"/>
+              <a:t>Mesos</a:t>
+            </a:r>
+            <a:endParaRPr lang="en-US" dirty="0" smtClean="0"/>
+          </a:p>
+          <a:p>
+            <a:pPr algn="ctr"/>
+            <a:r>
+              <a:rPr lang="en-US" dirty="0" err="1" smtClean="0"/>
+              <a:t>Kubernetes</a:t>
+            </a:r>
+            <a:endParaRPr lang="en-US" dirty="0" smtClean="0"/>
+          </a:p>
+          <a:p>
+            <a:pPr algn="ctr"/>
+            <a:r>
+              <a:rPr lang="en-US" dirty="0" smtClean="0"/>
+              <a:t>local</a:t>
+            </a:r>
+          </a:p>
+        </p:txBody>
+      </p:sp>
+      <p:cxnSp>
+        <p:nvCxnSpPr>
+          <p:cNvPr id="22" name="Straight Arrow Connector 21"/>
+          <p:cNvCxnSpPr>
+            <a:stCxn id="9" idx="3"/>
+            <a:endCxn id="20" idx="1"/>
+          </p:cNvCxnSpPr>
+          <p:nvPr/>
+        </p:nvCxnSpPr>
+        <p:spPr>
+          <a:xfrm>
+            <a:off x="5510502" y="3363864"/>
+            <a:ext cx="1789464" cy="0"/>
+          </a:xfrm>
+          <a:prstGeom prst="straightConnector1">
+            <a:avLst/>
+          </a:prstGeom>
+          <a:ln>
+            <a:tailEnd type="arrow"/>
+          </a:ln>
+        </p:spPr>
+        <p:style>
+          <a:lnRef idx="2">
+            <a:schemeClr val="accent1"/>
+          </a:lnRef>
+          <a:fillRef idx="0">
+            <a:schemeClr val="accent1"/>
+          </a:fillRef>
+          <a:effectRef idx="1">
+            <a:schemeClr val="accent1"/>
+          </a:effectRef>
+          <a:fontRef idx="minor">
+            <a:schemeClr val="tx1"/>
+          </a:fontRef>
+        </p:style>
+      </p:cxnSp>
+      <p:sp>
+        <p:nvSpPr>
+          <p:cNvPr id="23" name="TextBox 22"/>
+          <p:cNvSpPr txBox="1"/>
+          <p:nvPr/>
+        </p:nvSpPr>
+        <p:spPr>
+          <a:xfrm>
+            <a:off x="2075457" y="2715322"/>
+            <a:ext cx="1741658" cy="646331"/>
+          </a:xfrm>
+          <a:prstGeom prst="rect">
+            <a:avLst/>
+          </a:prstGeom>
+          <a:noFill/>
+        </p:spPr>
+        <p:txBody>
+          <a:bodyPr wrap="none" rtlCol="0">
+            <a:spAutoFit/>
           </a:bodyPr>
           <a:lstStyle/>
           <a:p>
-            <a:pPr marL="0" indent="0">
-              <a:buNone/>
-            </a:pPr>
-            <a:r>
-              <a:rPr lang="en-US" sz="3600" dirty="0" smtClean="0">
-                <a:solidFill>
-                  <a:srgbClr val="FAC090"/>
-                </a:solidFill>
-                <a:latin typeface="Courier New"/>
-                <a:cs typeface="Courier New"/>
-              </a:rPr>
-              <a:t>curl -X POST -d </a:t>
-            </a:r>
-          </a:p>
-          <a:p>
-            <a:pPr marL="0" indent="0">
-              <a:buNone/>
-            </a:pPr>
-            <a:r>
-              <a:rPr lang="en-US" sz="3600" dirty="0" smtClean="0">
-                <a:solidFill>
-                  <a:schemeClr val="bg1">
-                    <a:lumMod val="65000"/>
-                  </a:schemeClr>
-                </a:solidFill>
-                <a:latin typeface="Courier New"/>
-                <a:cs typeface="Courier New"/>
-              </a:rPr>
-              <a:t>"name=</a:t>
-            </a:r>
-            <a:r>
-              <a:rPr lang="en-US" sz="3600" dirty="0" err="1" smtClean="0">
-                <a:solidFill>
-                  <a:schemeClr val="bg1">
-                    <a:lumMod val="65000"/>
-                  </a:schemeClr>
-                </a:solidFill>
-                <a:latin typeface="Courier New"/>
-                <a:cs typeface="Courier New"/>
-              </a:rPr>
-              <a:t>mystream</a:t>
-            </a:r>
-            <a:r>
-              <a:rPr lang="en-US" sz="3600" dirty="0" smtClean="0">
-                <a:solidFill>
-                  <a:schemeClr val="bg1">
-                    <a:lumMod val="65000"/>
-                  </a:schemeClr>
-                </a:solidFill>
-                <a:latin typeface="Courier New"/>
-                <a:cs typeface="Courier New"/>
-              </a:rPr>
-              <a:t>&amp;</a:t>
-            </a:r>
-          </a:p>
-          <a:p>
-            <a:pPr marL="0" indent="0">
-              <a:buNone/>
-            </a:pPr>
-            <a:r>
-              <a:rPr lang="en-US" sz="3600" dirty="0" smtClean="0">
-                <a:solidFill>
-                  <a:schemeClr val="bg1">
-                    <a:lumMod val="65000"/>
-                  </a:schemeClr>
-                </a:solidFill>
-                <a:latin typeface="Courier New"/>
-                <a:cs typeface="Courier New"/>
-              </a:rPr>
-              <a:t>definition=time | filter expression=</a:t>
-            </a:r>
-            <a:r>
-              <a:rPr lang="en-US" sz="3600" dirty="0" err="1" smtClean="0">
-                <a:solidFill>
-                  <a:schemeClr val="bg1">
-                    <a:lumMod val="65000"/>
-                  </a:schemeClr>
-                </a:solidFill>
-                <a:latin typeface="Courier New"/>
-                <a:cs typeface="Courier New"/>
-              </a:rPr>
-              <a:t>payload.contains</a:t>
-            </a:r>
-            <a:r>
-              <a:rPr lang="en-US" sz="3600" dirty="0" smtClean="0">
-                <a:solidFill>
-                  <a:schemeClr val="bg1">
-                    <a:lumMod val="65000"/>
-                  </a:schemeClr>
-                </a:solidFill>
-                <a:latin typeface="Courier New"/>
-                <a:cs typeface="Courier New"/>
-              </a:rPr>
-              <a:t>('2')  | log" </a:t>
-            </a:r>
-          </a:p>
-          <a:p>
-            <a:pPr marL="0" indent="0">
-              <a:buNone/>
-            </a:pPr>
-            <a:r>
-              <a:rPr lang="en-US" sz="3600" dirty="0" smtClean="0">
-                <a:solidFill>
-                  <a:schemeClr val="bg1">
-                    <a:lumMod val="65000"/>
-                  </a:schemeClr>
-                </a:solidFill>
-                <a:latin typeface="Courier New"/>
-                <a:cs typeface="Courier New"/>
-              </a:rPr>
-              <a:t>http://localhost:9393/streams/</a:t>
-            </a:r>
-            <a:r>
-              <a:rPr lang="en-US" sz="3600" dirty="0" err="1" smtClean="0">
-                <a:solidFill>
-                  <a:schemeClr val="bg1">
-                    <a:lumMod val="65000"/>
-                  </a:schemeClr>
-                </a:solidFill>
-                <a:latin typeface="Courier New"/>
-                <a:cs typeface="Courier New"/>
-              </a:rPr>
-              <a:t>definitions?deploy</a:t>
-            </a:r>
-            <a:r>
-              <a:rPr lang="en-US" sz="3600" dirty="0" smtClean="0">
-                <a:solidFill>
-                  <a:schemeClr val="bg1">
-                    <a:lumMod val="65000"/>
-                  </a:schemeClr>
-                </a:solidFill>
-                <a:latin typeface="Courier New"/>
-                <a:cs typeface="Courier New"/>
-              </a:rPr>
-              <a:t>=true</a:t>
-            </a:r>
-          </a:p>
-        </p:txBody>
-      </p:sp>
+            <a:r>
+              <a:rPr lang="en-US" dirty="0" smtClean="0"/>
+              <a:t>Restful Request</a:t>
+            </a:r>
+          </a:p>
+          <a:p>
+            <a:r>
+              <a:rPr lang="en-US" dirty="0" smtClean="0"/>
+              <a:t>to create stream</a:t>
+            </a:r>
+            <a:endParaRPr lang="en-US" dirty="0"/>
+          </a:p>
+        </p:txBody>
+      </p:sp>
+      <p:sp>
+        <p:nvSpPr>
+          <p:cNvPr id="24" name="Rectangle 23"/>
+          <p:cNvSpPr/>
+          <p:nvPr/>
+        </p:nvSpPr>
+        <p:spPr>
+          <a:xfrm>
+            <a:off x="5523935" y="3482017"/>
+            <a:ext cx="1776035" cy="923330"/>
+          </a:xfrm>
+          <a:prstGeom prst="rect">
+            <a:avLst/>
+          </a:prstGeom>
+        </p:spPr>
+        <p:txBody>
+          <a:bodyPr wrap="none">
+            <a:spAutoFit/>
+          </a:bodyPr>
+          <a:lstStyle/>
+          <a:p>
+            <a:r>
+              <a:rPr lang="en-US" dirty="0" smtClean="0"/>
+              <a:t>SCDF </a:t>
+            </a:r>
+            <a:r>
+              <a:rPr lang="en-US" dirty="0" err="1" smtClean="0"/>
+              <a:t>Deployer</a:t>
+            </a:r>
+            <a:endParaRPr lang="en-US" dirty="0" smtClean="0"/>
+          </a:p>
+          <a:p>
+            <a:r>
+              <a:rPr lang="en-US" dirty="0" smtClean="0"/>
+              <a:t>Creates and links </a:t>
+            </a:r>
+          </a:p>
+          <a:p>
+            <a:r>
+              <a:rPr lang="en-US" dirty="0" smtClean="0"/>
+              <a:t>Apps together</a:t>
+            </a:r>
+            <a:endParaRPr lang="en-US" dirty="0"/>
+          </a:p>
+        </p:txBody>
+      </p:sp>
+      <p:sp>
+        <p:nvSpPr>
+          <p:cNvPr id="25" name="Rounded Rectangle 24"/>
+          <p:cNvSpPr/>
+          <p:nvPr/>
+        </p:nvSpPr>
+        <p:spPr>
+          <a:xfrm>
+            <a:off x="7299966" y="4170514"/>
+            <a:ext cx="477838" cy="469666"/>
+          </a:xfrm>
+          <a:prstGeom prst="roundRect">
+            <a:avLst/>
+          </a:prstGeom>
+          <a:solidFill>
+            <a:schemeClr val="accent5">
+              <a:lumMod val="60000"/>
+              <a:lumOff val="40000"/>
+            </a:schemeClr>
+          </a:solidFill>
+        </p:spPr>
+        <p:style>
+          <a:lnRef idx="1">
+            <a:schemeClr val="accent1"/>
+          </a:lnRef>
+          <a:fillRef idx="3">
+            <a:schemeClr val="accent1"/>
+          </a:fillRef>
+          <a:effectRef idx="2">
+            <a:schemeClr val="accent1"/>
+          </a:effectRef>
+          <a:fontRef idx="minor">
+            <a:schemeClr val="lt1"/>
+          </a:fontRef>
+        </p:style>
+        <p:txBody>
+          <a:bodyPr rtlCol="0" anchor="ctr"/>
+          <a:lstStyle/>
+          <a:p>
+            <a:pPr algn="ctr"/>
+            <a:endParaRPr lang="en-US"/>
+          </a:p>
+        </p:txBody>
+      </p:sp>
+      <p:sp>
+        <p:nvSpPr>
+          <p:cNvPr id="26" name="Rounded Rectangle 25"/>
+          <p:cNvSpPr/>
+          <p:nvPr/>
+        </p:nvSpPr>
+        <p:spPr>
+          <a:xfrm>
+            <a:off x="7878016" y="4170514"/>
+            <a:ext cx="477838" cy="469666"/>
+          </a:xfrm>
+          <a:prstGeom prst="roundRect">
+            <a:avLst/>
+          </a:prstGeom>
+          <a:solidFill>
+            <a:schemeClr val="accent5">
+              <a:lumMod val="60000"/>
+              <a:lumOff val="40000"/>
+            </a:schemeClr>
+          </a:solidFill>
+        </p:spPr>
+        <p:style>
+          <a:lnRef idx="1">
+            <a:schemeClr val="accent1"/>
+          </a:lnRef>
+          <a:fillRef idx="3">
+            <a:schemeClr val="accent1"/>
+          </a:fillRef>
+          <a:effectRef idx="2">
+            <a:schemeClr val="accent1"/>
+          </a:effectRef>
+          <a:fontRef idx="minor">
+            <a:schemeClr val="lt1"/>
+          </a:fontRef>
+        </p:style>
+        <p:txBody>
+          <a:bodyPr rtlCol="0" anchor="ctr"/>
+          <a:lstStyle/>
+          <a:p>
+            <a:pPr algn="ctr"/>
+            <a:endParaRPr lang="en-US"/>
+          </a:p>
+        </p:txBody>
+      </p:sp>
+      <p:sp>
+        <p:nvSpPr>
+          <p:cNvPr id="27" name="Rounded Rectangle 26"/>
+          <p:cNvSpPr/>
+          <p:nvPr/>
+        </p:nvSpPr>
+        <p:spPr>
+          <a:xfrm>
+            <a:off x="8447881" y="4170514"/>
+            <a:ext cx="477838" cy="469666"/>
+          </a:xfrm>
+          <a:prstGeom prst="roundRect">
+            <a:avLst/>
+          </a:prstGeom>
+          <a:solidFill>
+            <a:schemeClr val="accent5">
+              <a:lumMod val="60000"/>
+              <a:lumOff val="40000"/>
+            </a:schemeClr>
+          </a:solidFill>
+        </p:spPr>
+        <p:style>
+          <a:lnRef idx="1">
+            <a:schemeClr val="accent1"/>
+          </a:lnRef>
+          <a:fillRef idx="3">
+            <a:schemeClr val="accent1"/>
+          </a:fillRef>
+          <a:effectRef idx="2">
+            <a:schemeClr val="accent1"/>
+          </a:effectRef>
+          <a:fontRef idx="minor">
+            <a:schemeClr val="lt1"/>
+          </a:fontRef>
+        </p:style>
+        <p:txBody>
+          <a:bodyPr rtlCol="0" anchor="ctr"/>
+          <a:lstStyle/>
+          <a:p>
+            <a:pPr algn="ctr"/>
+            <a:endParaRPr lang="en-US"/>
+          </a:p>
+        </p:txBody>
+      </p:sp>
+      <p:cxnSp>
+        <p:nvCxnSpPr>
+          <p:cNvPr id="28" name="Straight Arrow Connector 27"/>
+          <p:cNvCxnSpPr>
+            <a:stCxn id="25" idx="3"/>
+            <a:endCxn id="26" idx="1"/>
+          </p:cNvCxnSpPr>
+          <p:nvPr/>
+        </p:nvCxnSpPr>
+        <p:spPr>
+          <a:xfrm>
+            <a:off x="7777804" y="4405347"/>
+            <a:ext cx="100212" cy="0"/>
+          </a:xfrm>
+          <a:prstGeom prst="straightConnector1">
+            <a:avLst/>
+          </a:prstGeom>
+          <a:ln>
+            <a:tailEnd type="arrow"/>
+          </a:ln>
+        </p:spPr>
+        <p:style>
+          <a:lnRef idx="2">
+            <a:schemeClr val="accent1"/>
+          </a:lnRef>
+          <a:fillRef idx="0">
+            <a:schemeClr val="accent1"/>
+          </a:fillRef>
+          <a:effectRef idx="1">
+            <a:schemeClr val="accent1"/>
+          </a:effectRef>
+          <a:fontRef idx="minor">
+            <a:schemeClr val="tx1"/>
+          </a:fontRef>
+        </p:style>
+      </p:cxnSp>
+      <p:cxnSp>
+        <p:nvCxnSpPr>
+          <p:cNvPr id="31" name="Straight Arrow Connector 30"/>
+          <p:cNvCxnSpPr>
+            <a:stCxn id="26" idx="3"/>
+            <a:endCxn id="27" idx="1"/>
+          </p:cNvCxnSpPr>
+          <p:nvPr/>
+        </p:nvCxnSpPr>
+        <p:spPr>
+          <a:xfrm>
+            <a:off x="8355858" y="4405347"/>
+            <a:ext cx="92027" cy="0"/>
+          </a:xfrm>
+          <a:prstGeom prst="straightConnector1">
+            <a:avLst/>
+          </a:prstGeom>
+          <a:ln>
+            <a:tailEnd type="arrow"/>
+          </a:ln>
+        </p:spPr>
+        <p:style>
+          <a:lnRef idx="2">
+            <a:schemeClr val="accent1"/>
+          </a:lnRef>
+          <a:fillRef idx="0">
+            <a:schemeClr val="accent1"/>
+          </a:fillRef>
+          <a:effectRef idx="1">
+            <a:schemeClr val="accent1"/>
+          </a:effectRef>
+          <a:fontRef idx="minor">
+            <a:schemeClr val="tx1"/>
+          </a:fontRef>
+        </p:style>
+      </p:cxnSp>
+      <p:sp>
+        <p:nvSpPr>
+          <p:cNvPr id="36" name="Rounded Rectangle 35"/>
+          <p:cNvSpPr/>
+          <p:nvPr/>
+        </p:nvSpPr>
+        <p:spPr>
+          <a:xfrm>
+            <a:off x="300636" y="1800921"/>
+            <a:ext cx="1699958" cy="914400"/>
+          </a:xfrm>
+          <a:prstGeom prst="roundRect">
+            <a:avLst/>
+          </a:prstGeom>
+        </p:spPr>
+        <p:style>
+          <a:lnRef idx="1">
+            <a:schemeClr val="accent1"/>
+          </a:lnRef>
+          <a:fillRef idx="3">
+            <a:schemeClr val="accent1"/>
+          </a:fillRef>
+          <a:effectRef idx="2">
+            <a:schemeClr val="accent1"/>
+          </a:effectRef>
+          <a:fontRef idx="minor">
+            <a:schemeClr val="lt1"/>
+          </a:fontRef>
+        </p:style>
+        <p:txBody>
+          <a:bodyPr rtlCol="0" anchor="ctr"/>
+          <a:lstStyle/>
+          <a:p>
+            <a:pPr algn="ctr"/>
+            <a:r>
+              <a:rPr lang="en-US" dirty="0" smtClean="0"/>
+              <a:t>curl</a:t>
+            </a:r>
+            <a:endParaRPr lang="en-US" dirty="0"/>
+          </a:p>
+        </p:txBody>
+      </p:sp>
+      <p:sp>
+        <p:nvSpPr>
+          <p:cNvPr id="37" name="Rounded Rectangle 36"/>
+          <p:cNvSpPr/>
+          <p:nvPr/>
+        </p:nvSpPr>
+        <p:spPr>
+          <a:xfrm>
+            <a:off x="340707" y="4100302"/>
+            <a:ext cx="1699958" cy="914400"/>
+          </a:xfrm>
+          <a:prstGeom prst="roundRect">
+            <a:avLst/>
+          </a:prstGeom>
+        </p:spPr>
+        <p:style>
+          <a:lnRef idx="1">
+            <a:schemeClr val="accent1"/>
+          </a:lnRef>
+          <a:fillRef idx="3">
+            <a:schemeClr val="accent1"/>
+          </a:fillRef>
+          <a:effectRef idx="2">
+            <a:schemeClr val="accent1"/>
+          </a:effectRef>
+          <a:fontRef idx="minor">
+            <a:schemeClr val="lt1"/>
+          </a:fontRef>
+        </p:style>
+        <p:txBody>
+          <a:bodyPr rtlCol="0" anchor="ctr"/>
+          <a:lstStyle/>
+          <a:p>
+            <a:pPr algn="ctr"/>
+            <a:r>
+              <a:rPr lang="en-US" dirty="0" smtClean="0"/>
+              <a:t>Flo</a:t>
+            </a:r>
+            <a:endParaRPr lang="en-US" dirty="0"/>
+          </a:p>
+        </p:txBody>
+      </p:sp>
+      <p:cxnSp>
+        <p:nvCxnSpPr>
+          <p:cNvPr id="38" name="Straight Arrow Connector 37"/>
+          <p:cNvCxnSpPr>
+            <a:stCxn id="36" idx="3"/>
+          </p:cNvCxnSpPr>
+          <p:nvPr/>
+        </p:nvCxnSpPr>
+        <p:spPr>
+          <a:xfrm>
+            <a:off x="2000594" y="2258118"/>
+            <a:ext cx="1809950" cy="457201"/>
+          </a:xfrm>
+          <a:prstGeom prst="straightConnector1">
+            <a:avLst/>
+          </a:prstGeom>
+          <a:ln>
+            <a:tailEnd type="arrow"/>
+          </a:ln>
+        </p:spPr>
+        <p:style>
+          <a:lnRef idx="2">
+            <a:schemeClr val="accent1"/>
+          </a:lnRef>
+          <a:fillRef idx="0">
+            <a:schemeClr val="accent1"/>
+          </a:fillRef>
+          <a:effectRef idx="1">
+            <a:schemeClr val="accent1"/>
+          </a:effectRef>
+          <a:fontRef idx="minor">
+            <a:schemeClr val="tx1"/>
+          </a:fontRef>
+        </p:style>
+      </p:cxnSp>
+      <p:cxnSp>
+        <p:nvCxnSpPr>
+          <p:cNvPr id="41" name="Straight Arrow Connector 40"/>
+          <p:cNvCxnSpPr>
+            <a:stCxn id="37" idx="3"/>
+          </p:cNvCxnSpPr>
+          <p:nvPr/>
+        </p:nvCxnSpPr>
+        <p:spPr>
+          <a:xfrm flipV="1">
+            <a:off x="2040665" y="3821064"/>
+            <a:ext cx="1769879" cy="736438"/>
+          </a:xfrm>
+          <a:prstGeom prst="straightConnector1">
+            <a:avLst/>
+          </a:prstGeom>
+          <a:ln>
+            <a:tailEnd type="arrow"/>
+          </a:ln>
+        </p:spPr>
+        <p:style>
+          <a:lnRef idx="2">
+            <a:schemeClr val="accent1"/>
+          </a:lnRef>
+          <a:fillRef idx="0">
+            <a:schemeClr val="accent1"/>
+          </a:fillRef>
+          <a:effectRef idx="1">
+            <a:schemeClr val="accent1"/>
+          </a:effectRef>
+          <a:fontRef idx="minor">
+            <a:schemeClr val="tx1"/>
+          </a:fontRef>
+        </p:style>
+      </p:cxnSp>
       <p:pic>
         <p:nvPicPr>
-          <p:cNvPr id="6" name="Picture 5" descr="icon-spring-cloud-data-flow-right-green.svg.png"/>
+          <p:cNvPr id="21" name="Picture 20" descr="icon-spring-cloud-data-flow-right-green.svg.png"/>
           <p:cNvPicPr>
             <a:picLocks noChangeAspect="1"/>
           </p:cNvPicPr>
@@ -7799,7 +8110,7 @@
       </p:pic>
       <p:pic>
         <p:nvPicPr>
-          <p:cNvPr id="7" name="Picture 6" descr="Binary-Data-Stream-2-300px.png"/>
+          <p:cNvPr id="29" name="Picture 28" descr="Binary-Data-Stream-2-300px.png"/>
           <p:cNvPicPr>
             <a:picLocks noChangeAspect="1"/>
           </p:cNvPicPr>
@@ -7830,7 +8141,7 @@
     </p:spTree>
     <p:extLst>
       <p:ext uri="{BB962C8B-B14F-4D97-AF65-F5344CB8AC3E}">
-        <p14:creationId xmlns:p14="http://schemas.microsoft.com/office/powerpoint/2010/main" val="2958736341"/>
+        <p14:creationId xmlns:p14="http://schemas.microsoft.com/office/powerpoint/2010/main" val="1559306283"/>
       </p:ext>
     </p:extLst>
   </p:cSld>
@@ -7935,6 +8246,21 @@
             <a:r>
               <a:rPr lang="en-US" sz="3600" dirty="0" smtClean="0">
                 <a:solidFill>
+                  <a:srgbClr val="FAC090"/>
+                </a:solidFill>
+                <a:latin typeface="Courier New"/>
+                <a:cs typeface="Courier New"/>
+              </a:rPr>
+              <a:t>curl -X POST -d </a:t>
+            </a:r>
+          </a:p>
+          <a:p>
+            <a:pPr marL="0" indent="0">
+              <a:buNone/>
+            </a:pPr>
+            <a:r>
+              <a:rPr lang="en-US" sz="3600" dirty="0" smtClean="0">
+                <a:solidFill>
                   <a:schemeClr val="bg1">
                     <a:lumMod val="65000"/>
                   </a:schemeClr>
@@ -7942,7 +8268,31 @@
                 <a:latin typeface="Courier New"/>
                 <a:cs typeface="Courier New"/>
               </a:rPr>
-              <a:t>curl -X POST -d </a:t>
+              <a:t>"name=</a:t>
+            </a:r>
+            <a:r>
+              <a:rPr lang="en-US" sz="3600" dirty="0" err="1" smtClean="0">
+                <a:solidFill>
+                  <a:schemeClr val="bg1">
+                    <a:lumMod val="65000"/>
+                  </a:schemeClr>
+                </a:solidFill>
+                <a:latin typeface="Courier New"/>
+                <a:cs typeface="Courier New"/>
+              </a:rPr>
+              <a:t>mystream</a:t>
+            </a:r>
+            <a:r>
+              <a:rPr lang="en-US" sz="3600" dirty="0" smtClean="0">
+                <a:solidFill>
+                  <a:schemeClr val="bg1">
+                    <a:lumMod val="65000"/>
+                  </a:schemeClr>
+                </a:solidFill>
+                <a:latin typeface="Courier New"/>
+                <a:cs typeface="Courier New"/>
+              </a:rPr>
+              <a:t>&amp;</a:t>
             </a:r>
           </a:p>
           <a:p>
@@ -7952,51 +8302,38 @@
             <a:r>
               <a:rPr lang="en-US" sz="3600" dirty="0" smtClean="0">
                 <a:solidFill>
-                  <a:schemeClr val="bg1"/>
-                </a:solidFill>
-                <a:latin typeface="Courier New"/>
-                <a:cs typeface="Courier New"/>
-              </a:rPr>
-              <a:t>"</a:t>
+                  <a:schemeClr val="bg1">
+                    <a:lumMod val="65000"/>
+                  </a:schemeClr>
+                </a:solidFill>
+                <a:latin typeface="Courier New"/>
+                <a:cs typeface="Courier New"/>
+              </a:rPr>
+              <a:t>definition=time | filter expression=</a:t>
+            </a:r>
+            <a:r>
+              <a:rPr lang="en-US" sz="3600" dirty="0" err="1" smtClean="0">
+                <a:solidFill>
+                  <a:schemeClr val="bg1">
+                    <a:lumMod val="65000"/>
+                  </a:schemeClr>
+                </a:solidFill>
+                <a:latin typeface="Courier New"/>
+                <a:cs typeface="Courier New"/>
+              </a:rPr>
+              <a:t>payload.contains</a:t>
             </a:r>
             <a:r>
               <a:rPr lang="en-US" sz="3600" dirty="0" smtClean="0">
                 <a:solidFill>
-                  <a:schemeClr val="accent6">
-                    <a:lumMod val="60000"/>
-                    <a:lumOff val="40000"/>
+                  <a:schemeClr val="bg1">
+                    <a:lumMod val="65000"/>
                   </a:schemeClr>
                 </a:solidFill>
                 <a:latin typeface="Courier New"/>
                 <a:cs typeface="Courier New"/>
               </a:rPr>
-              <a:t>name=</a:t>
-            </a:r>
-            <a:r>
-              <a:rPr lang="en-US" sz="3600" dirty="0" err="1" smtClean="0">
-                <a:solidFill>
-                  <a:schemeClr val="accent6">
-                    <a:lumMod val="60000"/>
-                    <a:lumOff val="40000"/>
-                  </a:schemeClr>
-                </a:solidFill>
-                <a:latin typeface="Courier New"/>
-                <a:cs typeface="Courier New"/>
-              </a:rPr>
-              <a:t>mystream</a:t>
-            </a:r>
-            <a:r>
-              <a:rPr lang="en-US" sz="3600" dirty="0" smtClean="0">
-                <a:solidFill>
-                  <a:schemeClr val="accent6">
-                    <a:lumMod val="60000"/>
-                    <a:lumOff val="40000"/>
-                  </a:schemeClr>
-                </a:solidFill>
-                <a:latin typeface="Courier New"/>
-                <a:cs typeface="Courier New"/>
-              </a:rPr>
-              <a:t>&amp;</a:t>
+              <a:t>('2')  | log" </a:t>
             </a:r>
           </a:p>
           <a:p>
@@ -8006,41 +8343,6 @@
             <a:r>
               <a:rPr lang="en-US" sz="3600" dirty="0" smtClean="0">
                 <a:solidFill>
-                  <a:srgbClr val="FAC090"/>
-                </a:solidFill>
-                <a:latin typeface="Courier New"/>
-                <a:cs typeface="Courier New"/>
-              </a:rPr>
-              <a:t>definition=time | filter expression=</a:t>
-            </a:r>
-            <a:r>
-              <a:rPr lang="en-US" sz="3600" dirty="0" err="1" smtClean="0">
-                <a:solidFill>
-                  <a:srgbClr val="FAC090"/>
-                </a:solidFill>
-                <a:latin typeface="Courier New"/>
-                <a:cs typeface="Courier New"/>
-              </a:rPr>
-              <a:t>payload.contains</a:t>
-            </a:r>
-            <a:r>
-              <a:rPr lang="en-US" sz="3600" dirty="0" smtClean="0">
-                <a:solidFill>
-                  <a:srgbClr val="FAC090"/>
-                </a:solidFill>
-                <a:latin typeface="Courier New"/>
-                <a:cs typeface="Courier New"/>
-              </a:rPr>
-              <a:t>('2')  | log" </a:t>
-            </a:r>
-          </a:p>
-          <a:p>
-            <a:pPr marL="0" indent="0">
-              <a:buNone/>
-            </a:pPr>
-            <a:r>
-              <a:rPr lang="en-US" sz="3600" dirty="0" smtClean="0">
-                <a:solidFill>
                   <a:schemeClr val="bg1">
                     <a:lumMod val="65000"/>
                   </a:schemeClr>
@@ -8048,58 +8350,38 @@
                 <a:latin typeface="Courier New"/>
                 <a:cs typeface="Courier New"/>
               </a:rPr>
-              <a:t>http://localhost:9393/streams/definitions?deploy=false</a:t>
-            </a:r>
-          </a:p>
-        </p:txBody>
-      </p:sp>
-      <p:sp>
-        <p:nvSpPr>
-          <p:cNvPr id="6" name="Rectangle 5"/>
-          <p:cNvSpPr/>
-          <p:nvPr/>
-        </p:nvSpPr>
-        <p:spPr>
-          <a:xfrm>
-            <a:off x="313136" y="2296149"/>
-            <a:ext cx="3931594" cy="504457"/>
-          </a:xfrm>
-          <a:prstGeom prst="rect">
-            <a:avLst/>
-          </a:prstGeom>
-          <a:noFill/>
-          <a:ln w="76200" cmpd="sng">
-            <a:solidFill>
-              <a:srgbClr val="3366FF"/>
-            </a:solidFill>
-          </a:ln>
-        </p:spPr>
-        <p:style>
-          <a:lnRef idx="1">
-            <a:schemeClr val="accent1"/>
-          </a:lnRef>
-          <a:fillRef idx="3">
-            <a:schemeClr val="accent1"/>
-          </a:fillRef>
-          <a:effectRef idx="2">
-            <a:schemeClr val="accent1"/>
-          </a:effectRef>
-          <a:fontRef idx="minor">
-            <a:schemeClr val="lt1"/>
-          </a:fontRef>
-        </p:style>
-        <p:txBody>
-          <a:bodyPr rtlCol="0" anchor="ctr"/>
-          <a:lstStyle/>
-          <a:p>
-            <a:pPr algn="ctr"/>
-            <a:endParaRPr lang="en-US"/>
+              <a:t>http://localhost:9393/streams/</a:t>
+            </a:r>
+            <a:r>
+              <a:rPr lang="en-US" sz="3600" dirty="0" err="1" smtClean="0">
+                <a:solidFill>
+                  <a:schemeClr val="bg1">
+                    <a:lumMod val="65000"/>
+                  </a:schemeClr>
+                </a:solidFill>
+                <a:latin typeface="Courier New"/>
+                <a:cs typeface="Courier New"/>
+              </a:rPr>
+              <a:t>definitions?deploy</a:t>
+            </a:r>
+            <a:r>
+              <a:rPr lang="en-US" sz="3600" dirty="0" smtClean="0">
+                <a:solidFill>
+                  <a:schemeClr val="bg1">
+                    <a:lumMod val="65000"/>
+                  </a:schemeClr>
+                </a:solidFill>
+                <a:latin typeface="Courier New"/>
+                <a:cs typeface="Courier New"/>
+              </a:rPr>
+              <a:t>=true</a:t>
+            </a:r>
           </a:p>
         </p:txBody>
       </p:sp>
       <p:pic>
         <p:nvPicPr>
-          <p:cNvPr id="16" name="Picture 15" descr="icon-spring-cloud-data-flow-right-green.svg.png"/>
+          <p:cNvPr id="6" name="Picture 5" descr="icon-spring-cloud-data-flow-right-green.svg.png"/>
           <p:cNvPicPr>
             <a:picLocks noChangeAspect="1"/>
           </p:cNvPicPr>
@@ -8129,7 +8411,7 @@
       </p:pic>
       <p:pic>
         <p:nvPicPr>
-          <p:cNvPr id="17" name="Picture 16" descr="Binary-Data-Stream-2-300px.png"/>
+          <p:cNvPr id="7" name="Picture 6" descr="Binary-Data-Stream-2-300px.png"/>
           <p:cNvPicPr>
             <a:picLocks noChangeAspect="1"/>
           </p:cNvPicPr>
@@ -8160,7 +8442,7 @@
     </p:spTree>
     <p:extLst>
       <p:ext uri="{BB962C8B-B14F-4D97-AF65-F5344CB8AC3E}">
-        <p14:creationId xmlns:p14="http://schemas.microsoft.com/office/powerpoint/2010/main" val="2474789068"/>
+        <p14:creationId xmlns:p14="http://schemas.microsoft.com/office/powerpoint/2010/main" val="2958736341"/>
       </p:ext>
     </p:extLst>
   </p:cSld>
@@ -8282,17 +8564,33 @@
             <a:r>
               <a:rPr lang="en-US" sz="3600" dirty="0" smtClean="0">
                 <a:solidFill>
-                  <a:srgbClr val="FAC090"/>
-                </a:solidFill>
-                <a:latin typeface="Courier New"/>
-                <a:cs typeface="Courier New"/>
-              </a:rPr>
-              <a:t>"name=</a:t>
+                  <a:schemeClr val="bg1"/>
+                </a:solidFill>
+                <a:latin typeface="Courier New"/>
+                <a:cs typeface="Courier New"/>
+              </a:rPr>
+              <a:t>"</a:t>
+            </a:r>
+            <a:r>
+              <a:rPr lang="en-US" sz="3600" dirty="0" smtClean="0">
+                <a:solidFill>
+                  <a:schemeClr val="accent6">
+                    <a:lumMod val="60000"/>
+                    <a:lumOff val="40000"/>
+                  </a:schemeClr>
+                </a:solidFill>
+                <a:latin typeface="Courier New"/>
+                <a:cs typeface="Courier New"/>
+              </a:rPr>
+              <a:t>name=</a:t>
             </a:r>
             <a:r>
               <a:rPr lang="en-US" sz="3600" dirty="0" err="1" smtClean="0">
                 <a:solidFill>
-                  <a:srgbClr val="FAC090"/>
+                  <a:schemeClr val="accent6">
+                    <a:lumMod val="60000"/>
+                    <a:lumOff val="40000"/>
+                  </a:schemeClr>
                 </a:solidFill>
                 <a:latin typeface="Courier New"/>
                 <a:cs typeface="Courier New"/>
@@ -8302,7 +8600,10 @@
             <a:r>
               <a:rPr lang="en-US" sz="3600" dirty="0" smtClean="0">
                 <a:solidFill>
-                  <a:srgbClr val="FAC090"/>
+                  <a:schemeClr val="accent6">
+                    <a:lumMod val="60000"/>
+                    <a:lumOff val="40000"/>
+                  </a:schemeClr>
                 </a:solidFill>
                 <a:latin typeface="Courier New"/>
                 <a:cs typeface="Courier New"/>
@@ -8366,14 +8667,14 @@
       </p:sp>
       <p:sp>
         <p:nvSpPr>
-          <p:cNvPr id="8" name="Rectangle 7"/>
+          <p:cNvPr id="6" name="Rectangle 5"/>
           <p:cNvSpPr/>
           <p:nvPr/>
         </p:nvSpPr>
         <p:spPr>
           <a:xfrm>
-            <a:off x="27866" y="2922369"/>
-            <a:ext cx="9116137" cy="1687320"/>
+            <a:off x="313136" y="2296149"/>
+            <a:ext cx="3931594" cy="504457"/>
           </a:xfrm>
           <a:prstGeom prst="rect">
             <a:avLst/>
@@ -8410,7 +8711,7 @@
       </p:sp>
       <p:pic>
         <p:nvPicPr>
-          <p:cNvPr id="10" name="Picture 9" descr="icon-spring-cloud-data-flow-right-green.svg.png"/>
+          <p:cNvPr id="16" name="Picture 15" descr="icon-spring-cloud-data-flow-right-green.svg.png"/>
           <p:cNvPicPr>
             <a:picLocks noChangeAspect="1"/>
           </p:cNvPicPr>
@@ -8440,7 +8741,7 @@
       </p:pic>
       <p:pic>
         <p:nvPicPr>
-          <p:cNvPr id="11" name="Picture 10" descr="Binary-Data-Stream-2-300px.png"/>
+          <p:cNvPr id="17" name="Picture 16" descr="Binary-Data-Stream-2-300px.png"/>
           <p:cNvPicPr>
             <a:picLocks noChangeAspect="1"/>
           </p:cNvPicPr>
@@ -8471,7 +8772,7 @@
     </p:spTree>
     <p:extLst>
       <p:ext uri="{BB962C8B-B14F-4D97-AF65-F5344CB8AC3E}">
-        <p14:creationId xmlns:p14="http://schemas.microsoft.com/office/powerpoint/2010/main" val="986397024"/>
+        <p14:creationId xmlns:p14="http://schemas.microsoft.com/office/powerpoint/2010/main" val="2474789068"/>
       </p:ext>
     </p:extLst>
   </p:cSld>
@@ -8872,7 +9173,9 @@
             <a:r>
               <a:rPr lang="en-US" sz="3600" dirty="0" smtClean="0">
                 <a:solidFill>
-                  <a:srgbClr val="A6A6A6"/>
+                  <a:schemeClr val="bg1">
+                    <a:lumMod val="65000"/>
+                  </a:schemeClr>
                 </a:solidFill>
                 <a:latin typeface="Courier New"/>
                 <a:cs typeface="Courier New"/>
@@ -8887,7 +9190,7 @@
             <a:r>
               <a:rPr lang="en-US" sz="3600" dirty="0" smtClean="0">
                 <a:solidFill>
-                  <a:srgbClr val="A6A6A6"/>
+                  <a:srgbClr val="FAC090"/>
                 </a:solidFill>
                 <a:latin typeface="Courier New"/>
                 <a:cs typeface="Courier New"/>
@@ -8897,42 +9200,22 @@
             <a:r>
               <a:rPr lang="en-US" sz="3600" dirty="0" err="1" smtClean="0">
                 <a:solidFill>
-                  <a:srgbClr val="A6A6A6"/>
-                </a:solidFill>
-                <a:latin typeface="Courier New"/>
-                <a:cs typeface="Courier New"/>
-              </a:rPr>
-              <a:t>mystream&amp;definition</a:t>
+                  <a:srgbClr val="FAC090"/>
+                </a:solidFill>
+                <a:latin typeface="Courier New"/>
+                <a:cs typeface="Courier New"/>
+              </a:rPr>
+              <a:t>mystream</a:t>
             </a:r>
             <a:r>
               <a:rPr lang="en-US" sz="3600" dirty="0" smtClean="0">
                 <a:solidFill>
-                  <a:srgbClr val="A6A6A6"/>
-                </a:solidFill>
-                <a:latin typeface="Courier New"/>
-                <a:cs typeface="Courier New"/>
-              </a:rPr>
-              <a:t>=time | filter expression=</a:t>
-            </a:r>
-            <a:r>
-              <a:rPr lang="en-US" sz="3600" dirty="0" err="1" smtClean="0">
-                <a:solidFill>
-                  <a:srgbClr val="A6A6A6"/>
-                </a:solidFill>
-                <a:latin typeface="Courier New"/>
-                <a:cs typeface="Courier New"/>
-              </a:rPr>
-              <a:t>payload.contains</a:t>
-            </a:r>
-            <a:r>
-              <a:rPr lang="en-US" sz="3600" dirty="0" smtClean="0">
-                <a:solidFill>
-                  <a:srgbClr val="A6A6A6"/>
-                </a:solidFill>
-                <a:latin typeface="Courier New"/>
-                <a:cs typeface="Courier New"/>
-              </a:rPr>
-              <a:t>('2')  | log" </a:t>
+                  <a:srgbClr val="FAC090"/>
+                </a:solidFill>
+                <a:latin typeface="Courier New"/>
+                <a:cs typeface="Courier New"/>
+              </a:rPr>
+              <a:t>&amp;</a:t>
             </a:r>
           </a:p>
           <a:p>
@@ -8942,48 +9225,100 @@
             <a:r>
               <a:rPr lang="en-US" sz="3600" dirty="0" smtClean="0">
                 <a:solidFill>
-                  <a:schemeClr val="accent6">
-                    <a:lumMod val="60000"/>
-                    <a:lumOff val="40000"/>
+                  <a:srgbClr val="FAC090"/>
+                </a:solidFill>
+                <a:latin typeface="Courier New"/>
+                <a:cs typeface="Courier New"/>
+              </a:rPr>
+              <a:t>definition=time | filter expression=</a:t>
+            </a:r>
+            <a:r>
+              <a:rPr lang="en-US" sz="3600" dirty="0" err="1" smtClean="0">
+                <a:solidFill>
+                  <a:srgbClr val="FAC090"/>
+                </a:solidFill>
+                <a:latin typeface="Courier New"/>
+                <a:cs typeface="Courier New"/>
+              </a:rPr>
+              <a:t>payload.contains</a:t>
+            </a:r>
+            <a:r>
+              <a:rPr lang="en-US" sz="3600" dirty="0" smtClean="0">
+                <a:solidFill>
+                  <a:srgbClr val="FAC090"/>
+                </a:solidFill>
+                <a:latin typeface="Courier New"/>
+                <a:cs typeface="Courier New"/>
+              </a:rPr>
+              <a:t>('2')  | log" </a:t>
+            </a:r>
+          </a:p>
+          <a:p>
+            <a:pPr marL="0" indent="0">
+              <a:buNone/>
+            </a:pPr>
+            <a:r>
+              <a:rPr lang="en-US" sz="3600" dirty="0" smtClean="0">
+                <a:solidFill>
+                  <a:schemeClr val="bg1">
+                    <a:lumMod val="65000"/>
                   </a:schemeClr>
                 </a:solidFill>
                 <a:latin typeface="Courier New"/>
                 <a:cs typeface="Courier New"/>
               </a:rPr>
-              <a:t>http://localhost:9393/streams/</a:t>
-            </a:r>
-            <a:r>
-              <a:rPr lang="en-US" sz="3600" dirty="0" err="1" smtClean="0">
-                <a:solidFill>
-                  <a:schemeClr val="accent6">
-                    <a:lumMod val="60000"/>
-                    <a:lumOff val="40000"/>
-                  </a:schemeClr>
-                </a:solidFill>
-                <a:latin typeface="Courier New"/>
-                <a:cs typeface="Courier New"/>
-              </a:rPr>
-              <a:t>definitions?deploy</a:t>
-            </a:r>
-            <a:r>
-              <a:rPr lang="en-US" sz="3600" dirty="0" smtClean="0">
-                <a:solidFill>
-                  <a:schemeClr val="accent6">
-                    <a:lumMod val="60000"/>
-                    <a:lumOff val="40000"/>
-                  </a:schemeClr>
-                </a:solidFill>
-                <a:latin typeface="Courier New"/>
-                <a:cs typeface="Courier New"/>
-              </a:rPr>
-              <a:t>=true</a:t>
-            </a:r>
+              <a:t>http://localhost:9393/streams/definitions?deploy=false</a:t>
+            </a:r>
+          </a:p>
+        </p:txBody>
+      </p:sp>
+      <p:sp>
+        <p:nvSpPr>
+          <p:cNvPr id="8" name="Rectangle 7"/>
+          <p:cNvSpPr/>
+          <p:nvPr/>
+        </p:nvSpPr>
+        <p:spPr>
+          <a:xfrm>
+            <a:off x="27866" y="2922369"/>
+            <a:ext cx="9116137" cy="1687320"/>
+          </a:xfrm>
+          <a:prstGeom prst="rect">
+            <a:avLst/>
+          </a:prstGeom>
+          <a:noFill/>
+          <a:ln w="76200" cmpd="sng">
+            <a:solidFill>
+              <a:srgbClr val="3366FF"/>
+            </a:solidFill>
+          </a:ln>
+        </p:spPr>
+        <p:style>
+          <a:lnRef idx="1">
+            <a:schemeClr val="accent1"/>
+          </a:lnRef>
+          <a:fillRef idx="3">
+            <a:schemeClr val="accent1"/>
+          </a:fillRef>
+          <a:effectRef idx="2">
+            <a:schemeClr val="accent1"/>
+          </a:effectRef>
+          <a:fontRef idx="minor">
+            <a:schemeClr val="lt1"/>
+          </a:fontRef>
+        </p:style>
+        <p:txBody>
+          <a:bodyPr rtlCol="0" anchor="ctr"/>
+          <a:lstStyle/>
+          <a:p>
+            <a:pPr algn="ctr"/>
+            <a:endParaRPr lang="en-US"/>
           </a:p>
         </p:txBody>
       </p:sp>
       <p:pic>
         <p:nvPicPr>
-          <p:cNvPr id="7" name="Picture 6" descr="icon-spring-cloud-data-flow-right-green.svg.png"/>
+          <p:cNvPr id="10" name="Picture 9" descr="icon-spring-cloud-data-flow-right-green.svg.png"/>
           <p:cNvPicPr>
             <a:picLocks noChangeAspect="1"/>
           </p:cNvPicPr>
@@ -9013,7 +9348,7 @@
       </p:pic>
       <p:pic>
         <p:nvPicPr>
-          <p:cNvPr id="8" name="Picture 7" descr="Binary-Data-Stream-2-300px.png"/>
+          <p:cNvPr id="11" name="Picture 10" descr="Binary-Data-Stream-2-300px.png"/>
           <p:cNvPicPr>
             <a:picLocks noChangeAspect="1"/>
           </p:cNvPicPr>
@@ -9044,7 +9379,7 @@
     </p:spTree>
     <p:extLst>
       <p:ext uri="{BB962C8B-B14F-4D97-AF65-F5344CB8AC3E}">
-        <p14:creationId xmlns:p14="http://schemas.microsoft.com/office/powerpoint/2010/main" val="2474789068"/>
+        <p14:creationId xmlns:p14="http://schemas.microsoft.com/office/powerpoint/2010/main" val="986397024"/>
       </p:ext>
     </p:extLst>
   </p:cSld>
@@ -9105,14 +9440,14 @@
           <a:p>
             <a:r>
               <a:rPr lang="en-US" dirty="0" smtClean="0"/>
-              <a:t>Creating a Stream</a:t>
+              <a:t>Creating a Stream </a:t>
             </a:r>
             <a:br>
               <a:rPr lang="en-US" dirty="0" smtClean="0"/>
             </a:br>
             <a:r>
               <a:rPr lang="en-US" dirty="0" smtClean="0"/>
-              <a:t>via SCDF’s Shell DSL</a:t>
+              <a:t>via REST</a:t>
             </a:r>
             <a:endParaRPr lang="en-US" dirty="0"/>
           </a:p>
@@ -9130,8 +9465,8 @@
         </p:nvSpPr>
         <p:spPr>
           <a:xfrm>
-            <a:off x="-1" y="1504611"/>
-            <a:ext cx="9171863" cy="3626929"/>
+            <a:off x="27863" y="1504612"/>
+            <a:ext cx="9144000" cy="4264574"/>
           </a:xfrm>
           <a:solidFill>
             <a:schemeClr val="tx1"/>
@@ -9143,138 +9478,117 @@
           </a:bodyPr>
           <a:lstStyle/>
           <a:p>
-            <a:pPr marL="457200" lvl="1" indent="0">
+            <a:pPr marL="0" indent="0">
               <a:buNone/>
             </a:pPr>
             <a:r>
-              <a:rPr lang="en-US" sz="3500" dirty="0">
-                <a:solidFill>
-                  <a:srgbClr val="FAC090"/>
-                </a:solidFill>
-                <a:latin typeface="Courier New"/>
-                <a:cs typeface="Courier New"/>
-              </a:rPr>
-              <a:t>s</a:t>
-            </a:r>
-            <a:r>
-              <a:rPr lang="en-US" sz="3500" dirty="0" smtClean="0">
-                <a:solidFill>
-                  <a:srgbClr val="FAC090"/>
-                </a:solidFill>
-                <a:latin typeface="Courier New"/>
-                <a:cs typeface="Courier New"/>
-              </a:rPr>
-              <a:t>tream create </a:t>
-            </a:r>
-          </a:p>
-          <a:p>
-            <a:pPr marL="457200" lvl="1" indent="0">
+              <a:rPr lang="en-US" sz="3600" dirty="0" smtClean="0">
+                <a:solidFill>
+                  <a:srgbClr val="A6A6A6"/>
+                </a:solidFill>
+                <a:latin typeface="Courier New"/>
+                <a:cs typeface="Courier New"/>
+              </a:rPr>
+              <a:t>curl -X POST -d </a:t>
+            </a:r>
+          </a:p>
+          <a:p>
+            <a:pPr marL="0" indent="0">
               <a:buNone/>
             </a:pPr>
             <a:r>
-              <a:rPr lang="en-US" sz="3500" dirty="0" smtClean="0">
-                <a:solidFill>
-                  <a:schemeClr val="bg1">
-                    <a:lumMod val="65000"/>
-                  </a:schemeClr>
-                </a:solidFill>
-                <a:latin typeface="Courier New"/>
-                <a:cs typeface="Courier New"/>
-              </a:rPr>
-              <a:t>--name=</a:t>
-            </a:r>
-            <a:r>
-              <a:rPr lang="en-US" sz="3500" dirty="0" err="1" smtClean="0">
-                <a:solidFill>
-                  <a:schemeClr val="bg1">
-                    <a:lumMod val="65000"/>
-                  </a:schemeClr>
-                </a:solidFill>
-                <a:latin typeface="Courier New"/>
-                <a:cs typeface="Courier New"/>
-              </a:rPr>
-              <a:t>mystream</a:t>
-            </a:r>
-            <a:r>
-              <a:rPr lang="en-US" sz="3500" dirty="0" smtClean="0">
-                <a:solidFill>
-                  <a:schemeClr val="bg1">
-                    <a:lumMod val="65000"/>
-                  </a:schemeClr>
-                </a:solidFill>
-                <a:latin typeface="Courier New"/>
-                <a:cs typeface="Courier New"/>
-              </a:rPr>
-              <a:t>  </a:t>
-            </a:r>
-          </a:p>
-          <a:p>
-            <a:pPr marL="457200" lvl="1" indent="0">
+              <a:rPr lang="en-US" sz="3600" dirty="0" smtClean="0">
+                <a:solidFill>
+                  <a:srgbClr val="A6A6A6"/>
+                </a:solidFill>
+                <a:latin typeface="Courier New"/>
+                <a:cs typeface="Courier New"/>
+              </a:rPr>
+              <a:t>"name=</a:t>
+            </a:r>
+            <a:r>
+              <a:rPr lang="en-US" sz="3600" dirty="0" err="1" smtClean="0">
+                <a:solidFill>
+                  <a:srgbClr val="A6A6A6"/>
+                </a:solidFill>
+                <a:latin typeface="Courier New"/>
+                <a:cs typeface="Courier New"/>
+              </a:rPr>
+              <a:t>mystream&amp;definition</a:t>
+            </a:r>
+            <a:r>
+              <a:rPr lang="en-US" sz="3600" dirty="0" smtClean="0">
+                <a:solidFill>
+                  <a:srgbClr val="A6A6A6"/>
+                </a:solidFill>
+                <a:latin typeface="Courier New"/>
+                <a:cs typeface="Courier New"/>
+              </a:rPr>
+              <a:t>=time | filter expression=</a:t>
+            </a:r>
+            <a:r>
+              <a:rPr lang="en-US" sz="3600" dirty="0" err="1" smtClean="0">
+                <a:solidFill>
+                  <a:srgbClr val="A6A6A6"/>
+                </a:solidFill>
+                <a:latin typeface="Courier New"/>
+                <a:cs typeface="Courier New"/>
+              </a:rPr>
+              <a:t>payload.contains</a:t>
+            </a:r>
+            <a:r>
+              <a:rPr lang="en-US" sz="3600" dirty="0" smtClean="0">
+                <a:solidFill>
+                  <a:srgbClr val="A6A6A6"/>
+                </a:solidFill>
+                <a:latin typeface="Courier New"/>
+                <a:cs typeface="Courier New"/>
+              </a:rPr>
+              <a:t>('2')  | log" </a:t>
+            </a:r>
+          </a:p>
+          <a:p>
+            <a:pPr marL="0" indent="0">
               <a:buNone/>
             </a:pPr>
             <a:r>
-              <a:rPr lang="en-US" sz="3500" dirty="0" smtClean="0">
-                <a:solidFill>
-                  <a:schemeClr val="bg1">
-                    <a:lumMod val="65000"/>
+              <a:rPr lang="en-US" sz="3600" dirty="0" smtClean="0">
+                <a:solidFill>
+                  <a:schemeClr val="accent6">
+                    <a:lumMod val="60000"/>
+                    <a:lumOff val="40000"/>
                   </a:schemeClr>
                 </a:solidFill>
                 <a:latin typeface="Courier New"/>
                 <a:cs typeface="Courier New"/>
               </a:rPr>
-              <a:t>--definition “http | </a:t>
-            </a:r>
-            <a:r>
-              <a:rPr lang="en-US" sz="3500" dirty="0" smtClean="0">
-                <a:solidFill>
-                  <a:srgbClr val="A6A6A6"/>
-                </a:solidFill>
-                <a:latin typeface="Courier New"/>
-                <a:cs typeface="Courier New"/>
-              </a:rPr>
-              <a:t>filter expression</a:t>
-            </a:r>
-            <a:r>
-              <a:rPr lang="en-US" sz="3500" dirty="0">
-                <a:solidFill>
-                  <a:srgbClr val="A6A6A6"/>
-                </a:solidFill>
-                <a:latin typeface="Courier New"/>
-                <a:cs typeface="Courier New"/>
-              </a:rPr>
-              <a:t>=</a:t>
-            </a:r>
-            <a:r>
-              <a:rPr lang="en-US" sz="3500" dirty="0" err="1">
-                <a:solidFill>
-                  <a:srgbClr val="A6A6A6"/>
-                </a:solidFill>
-                <a:latin typeface="Courier New"/>
-                <a:cs typeface="Courier New"/>
-              </a:rPr>
-              <a:t>payload.contains</a:t>
-            </a:r>
-            <a:r>
-              <a:rPr lang="en-US" sz="3500" dirty="0">
-                <a:solidFill>
-                  <a:srgbClr val="A6A6A6"/>
-                </a:solidFill>
-                <a:latin typeface="Courier New"/>
-                <a:cs typeface="Courier New"/>
-              </a:rPr>
-              <a:t>('2') </a:t>
-            </a:r>
-            <a:r>
-              <a:rPr lang="en-US" sz="3500" dirty="0" smtClean="0">
-                <a:solidFill>
-                  <a:schemeClr val="bg1">
-                    <a:lumMod val="65000"/>
+              <a:t>http://localhost:9393/streams/</a:t>
+            </a:r>
+            <a:r>
+              <a:rPr lang="en-US" sz="3600" dirty="0" err="1" smtClean="0">
+                <a:solidFill>
+                  <a:schemeClr val="accent6">
+                    <a:lumMod val="60000"/>
+                    <a:lumOff val="40000"/>
                   </a:schemeClr>
                 </a:solidFill>
                 <a:latin typeface="Courier New"/>
                 <a:cs typeface="Courier New"/>
               </a:rPr>
-              <a:t>| file” --deploy</a:t>
+              <a:t>definitions?deploy</a:t>
+            </a:r>
+            <a:r>
+              <a:rPr lang="en-US" sz="3600" dirty="0" smtClean="0">
+                <a:solidFill>
+                  <a:schemeClr val="accent6">
+                    <a:lumMod val="60000"/>
+                    <a:lumOff val="40000"/>
+                  </a:schemeClr>
+                </a:solidFill>
+                <a:latin typeface="Courier New"/>
+                <a:cs typeface="Courier New"/>
+              </a:rPr>
+              <a:t>=true</a:t>
             </a:r>
           </a:p>
         </p:txBody>
@@ -9342,7 +9656,7 @@
     </p:spTree>
     <p:extLst>
       <p:ext uri="{BB962C8B-B14F-4D97-AF65-F5344CB8AC3E}">
-        <p14:creationId xmlns:p14="http://schemas.microsoft.com/office/powerpoint/2010/main" val="738591775"/>
+        <p14:creationId xmlns:p14="http://schemas.microsoft.com/office/powerpoint/2010/main" val="2474789068"/>
       </p:ext>
     </p:extLst>
   </p:cSld>
@@ -9447,7 +9761,7 @@
             <a:r>
               <a:rPr lang="en-US" sz="3500" dirty="0">
                 <a:solidFill>
-                  <a:srgbClr val="A6A6A6"/>
+                  <a:srgbClr val="FAC090"/>
                 </a:solidFill>
                 <a:latin typeface="Courier New"/>
                 <a:cs typeface="Courier New"/>
@@ -9457,7 +9771,7 @@
             <a:r>
               <a:rPr lang="en-US" sz="3500" dirty="0" smtClean="0">
                 <a:solidFill>
-                  <a:srgbClr val="A6A6A6"/>
+                  <a:srgbClr val="FAC090"/>
                 </a:solidFill>
                 <a:latin typeface="Courier New"/>
                 <a:cs typeface="Courier New"/>
@@ -9472,7 +9786,9 @@
             <a:r>
               <a:rPr lang="en-US" sz="3500" dirty="0" smtClean="0">
                 <a:solidFill>
-                  <a:srgbClr val="FAC090"/>
+                  <a:schemeClr val="bg1">
+                    <a:lumMod val="65000"/>
+                  </a:schemeClr>
                 </a:solidFill>
                 <a:latin typeface="Courier New"/>
                 <a:cs typeface="Courier New"/>
@@ -9482,7 +9798,9 @@
             <a:r>
               <a:rPr lang="en-US" sz="3500" dirty="0" err="1" smtClean="0">
                 <a:solidFill>
-                  <a:srgbClr val="FAC090"/>
+                  <a:schemeClr val="bg1">
+                    <a:lumMod val="65000"/>
+                  </a:schemeClr>
                 </a:solidFill>
                 <a:latin typeface="Courier New"/>
                 <a:cs typeface="Courier New"/>
@@ -9492,7 +9810,9 @@
             <a:r>
               <a:rPr lang="en-US" sz="3500" dirty="0" smtClean="0">
                 <a:solidFill>
-                  <a:srgbClr val="FAC090"/>
+                  <a:schemeClr val="bg1">
+                    <a:lumMod val="65000"/>
+                  </a:schemeClr>
                 </a:solidFill>
                 <a:latin typeface="Courier New"/>
                 <a:cs typeface="Courier New"/>
@@ -9507,12 +9827,24 @@
             <a:r>
               <a:rPr lang="en-US" sz="3500" dirty="0" smtClean="0">
                 <a:solidFill>
+                  <a:schemeClr val="bg1">
+                    <a:lumMod val="65000"/>
+                  </a:schemeClr>
+                </a:solidFill>
+                <a:latin typeface="Courier New"/>
+                <a:cs typeface="Courier New"/>
+              </a:rPr>
+              <a:t>--definition “http | </a:t>
+            </a:r>
+            <a:r>
+              <a:rPr lang="en-US" sz="3500" dirty="0" smtClean="0">
+                <a:solidFill>
                   <a:srgbClr val="A6A6A6"/>
                 </a:solidFill>
                 <a:latin typeface="Courier New"/>
                 <a:cs typeface="Courier New"/>
               </a:rPr>
-              <a:t>--definition “http | filter </a:t>
+              <a:t>filter expression</a:t>
             </a:r>
             <a:r>
               <a:rPr lang="en-US" sz="3500" dirty="0">
@@ -9522,7 +9854,7 @@
                 <a:latin typeface="Courier New"/>
                 <a:cs typeface="Courier New"/>
               </a:rPr>
-              <a:t>expression=</a:t>
+              <a:t>=</a:t>
             </a:r>
             <a:r>
               <a:rPr lang="en-US" sz="3500" dirty="0" err="1">
@@ -9542,12 +9874,14 @@
                 <a:latin typeface="Courier New"/>
                 <a:cs typeface="Courier New"/>
               </a:rPr>
-              <a:t>('2')  </a:t>
+              <a:t>('2') </a:t>
             </a:r>
             <a:r>
               <a:rPr lang="en-US" sz="3500" dirty="0" smtClean="0">
                 <a:solidFill>
-                  <a:srgbClr val="A6A6A6"/>
+                  <a:schemeClr val="bg1">
+                    <a:lumMod val="65000"/>
+                  </a:schemeClr>
                 </a:solidFill>
                 <a:latin typeface="Courier New"/>
                 <a:cs typeface="Courier New"/>
@@ -9620,7 +9954,7 @@
     </p:spTree>
     <p:extLst>
       <p:ext uri="{BB962C8B-B14F-4D97-AF65-F5344CB8AC3E}">
-        <p14:creationId xmlns:p14="http://schemas.microsoft.com/office/powerpoint/2010/main" val="3579492195"/>
+        <p14:creationId xmlns:p14="http://schemas.microsoft.com/office/powerpoint/2010/main" val="738591775"/>
       </p:ext>
     </p:extLst>
   </p:cSld>
@@ -9706,7 +10040,7 @@
         </p:nvSpPr>
         <p:spPr>
           <a:xfrm>
-            <a:off x="4" y="1504611"/>
+            <a:off x="-1" y="1504611"/>
             <a:ext cx="9171863" cy="3626929"/>
           </a:xfrm>
           <a:solidFill>
@@ -9750,7 +10084,7 @@
             <a:r>
               <a:rPr lang="en-US" sz="3500" dirty="0" smtClean="0">
                 <a:solidFill>
-                  <a:srgbClr val="A6A6A6"/>
+                  <a:srgbClr val="FAC090"/>
                 </a:solidFill>
                 <a:latin typeface="Courier New"/>
                 <a:cs typeface="Courier New"/>
@@ -9760,7 +10094,7 @@
             <a:r>
               <a:rPr lang="en-US" sz="3500" dirty="0" err="1" smtClean="0">
                 <a:solidFill>
-                  <a:srgbClr val="A6A6A6"/>
+                  <a:srgbClr val="FAC090"/>
                 </a:solidFill>
                 <a:latin typeface="Courier New"/>
                 <a:cs typeface="Courier New"/>
@@ -9770,7 +10104,7 @@
             <a:r>
               <a:rPr lang="en-US" sz="3500" dirty="0" smtClean="0">
                 <a:solidFill>
-                  <a:srgbClr val="A6A6A6"/>
+                  <a:srgbClr val="FAC090"/>
                 </a:solidFill>
                 <a:latin typeface="Courier New"/>
                 <a:cs typeface="Courier New"/>
@@ -9785,7 +10119,7 @@
             <a:r>
               <a:rPr lang="en-US" sz="3500" dirty="0" smtClean="0">
                 <a:solidFill>
-                  <a:srgbClr val="FAC090"/>
+                  <a:srgbClr val="A6A6A6"/>
                 </a:solidFill>
                 <a:latin typeface="Courier New"/>
                 <a:cs typeface="Courier New"/>
@@ -9795,7 +10129,7 @@
             <a:r>
               <a:rPr lang="en-US" sz="3500" dirty="0">
                 <a:solidFill>
-                  <a:srgbClr val="FAC090"/>
+                  <a:srgbClr val="A6A6A6"/>
                 </a:solidFill>
                 <a:latin typeface="Courier New"/>
                 <a:cs typeface="Courier New"/>
@@ -9805,7 +10139,7 @@
             <a:r>
               <a:rPr lang="en-US" sz="3500" dirty="0" err="1">
                 <a:solidFill>
-                  <a:srgbClr val="FAC090"/>
+                  <a:srgbClr val="A6A6A6"/>
                 </a:solidFill>
                 <a:latin typeface="Courier New"/>
                 <a:cs typeface="Courier New"/>
@@ -9815,22 +10149,22 @@
             <a:r>
               <a:rPr lang="en-US" sz="3500" dirty="0">
                 <a:solidFill>
-                  <a:srgbClr val="FAC090"/>
-                </a:solidFill>
-                <a:latin typeface="Courier New"/>
-                <a:cs typeface="Courier New"/>
-              </a:rPr>
-              <a:t>('2') </a:t>
+                  <a:srgbClr val="A6A6A6"/>
+                </a:solidFill>
+                <a:latin typeface="Courier New"/>
+                <a:cs typeface="Courier New"/>
+              </a:rPr>
+              <a:t>('2')  </a:t>
             </a:r>
             <a:r>
               <a:rPr lang="en-US" sz="3500" dirty="0" smtClean="0">
                 <a:solidFill>
-                  <a:srgbClr val="FAC090"/>
-                </a:solidFill>
-                <a:latin typeface="Courier New"/>
-                <a:cs typeface="Courier New"/>
-              </a:rPr>
-              <a:t> | file” --deploy</a:t>
+                  <a:srgbClr val="A6A6A6"/>
+                </a:solidFill>
+                <a:latin typeface="Courier New"/>
+                <a:cs typeface="Courier New"/>
+              </a:rPr>
+              <a:t>| file” --deploy</a:t>
             </a:r>
           </a:p>
         </p:txBody>
@@ -9966,15 +10300,156 @@
             </a:br>
             <a:r>
               <a:rPr lang="en-US" dirty="0" smtClean="0"/>
-              <a:t>via Flo*</a:t>
+              <a:t>via SCDF’s Shell DSL</a:t>
             </a:r>
             <a:endParaRPr lang="en-US" dirty="0"/>
+          </a:p>
+        </p:txBody>
+      </p:sp>
+      <p:sp>
+        <p:nvSpPr>
+          <p:cNvPr id="3" name="Content Placeholder 2"/>
+          <p:cNvSpPr>
+            <a:spLocks noGrp="1"/>
+          </p:cNvSpPr>
+          <p:nvPr>
+            <p:ph idx="1"/>
+          </p:nvPr>
+        </p:nvSpPr>
+        <p:spPr>
+          <a:xfrm>
+            <a:off x="4" y="1504611"/>
+            <a:ext cx="9171863" cy="3626929"/>
+          </a:xfrm>
+          <a:solidFill>
+            <a:schemeClr val="tx1"/>
+          </a:solidFill>
+        </p:spPr>
+        <p:txBody>
+          <a:bodyPr>
+            <a:noAutofit/>
+          </a:bodyPr>
+          <a:lstStyle/>
+          <a:p>
+            <a:pPr marL="457200" lvl="1" indent="0">
+              <a:buNone/>
+            </a:pPr>
+            <a:r>
+              <a:rPr lang="en-US" sz="3500" dirty="0">
+                <a:solidFill>
+                  <a:srgbClr val="A6A6A6"/>
+                </a:solidFill>
+                <a:latin typeface="Courier New"/>
+                <a:cs typeface="Courier New"/>
+              </a:rPr>
+              <a:t>s</a:t>
+            </a:r>
+            <a:r>
+              <a:rPr lang="en-US" sz="3500" dirty="0" smtClean="0">
+                <a:solidFill>
+                  <a:srgbClr val="A6A6A6"/>
+                </a:solidFill>
+                <a:latin typeface="Courier New"/>
+                <a:cs typeface="Courier New"/>
+              </a:rPr>
+              <a:t>tream create </a:t>
+            </a:r>
+          </a:p>
+          <a:p>
+            <a:pPr marL="457200" lvl="1" indent="0">
+              <a:buNone/>
+            </a:pPr>
+            <a:r>
+              <a:rPr lang="en-US" sz="3500" dirty="0" smtClean="0">
+                <a:solidFill>
+                  <a:srgbClr val="A6A6A6"/>
+                </a:solidFill>
+                <a:latin typeface="Courier New"/>
+                <a:cs typeface="Courier New"/>
+              </a:rPr>
+              <a:t>--name=</a:t>
+            </a:r>
+            <a:r>
+              <a:rPr lang="en-US" sz="3500" dirty="0" err="1" smtClean="0">
+                <a:solidFill>
+                  <a:srgbClr val="A6A6A6"/>
+                </a:solidFill>
+                <a:latin typeface="Courier New"/>
+                <a:cs typeface="Courier New"/>
+              </a:rPr>
+              <a:t>mystream</a:t>
+            </a:r>
+            <a:r>
+              <a:rPr lang="en-US" sz="3500" dirty="0" smtClean="0">
+                <a:solidFill>
+                  <a:srgbClr val="A6A6A6"/>
+                </a:solidFill>
+                <a:latin typeface="Courier New"/>
+                <a:cs typeface="Courier New"/>
+              </a:rPr>
+              <a:t>  </a:t>
+            </a:r>
+          </a:p>
+          <a:p>
+            <a:pPr marL="457200" lvl="1" indent="0">
+              <a:buNone/>
+            </a:pPr>
+            <a:r>
+              <a:rPr lang="en-US" sz="3500" dirty="0" smtClean="0">
+                <a:solidFill>
+                  <a:srgbClr val="FAC090"/>
+                </a:solidFill>
+                <a:latin typeface="Courier New"/>
+                <a:cs typeface="Courier New"/>
+              </a:rPr>
+              <a:t>--definition “http | filter </a:t>
+            </a:r>
+            <a:r>
+              <a:rPr lang="en-US" sz="3500" dirty="0">
+                <a:solidFill>
+                  <a:srgbClr val="FAC090"/>
+                </a:solidFill>
+                <a:latin typeface="Courier New"/>
+                <a:cs typeface="Courier New"/>
+              </a:rPr>
+              <a:t>expression=</a:t>
+            </a:r>
+            <a:r>
+              <a:rPr lang="en-US" sz="3500" dirty="0" err="1">
+                <a:solidFill>
+                  <a:srgbClr val="FAC090"/>
+                </a:solidFill>
+                <a:latin typeface="Courier New"/>
+                <a:cs typeface="Courier New"/>
+              </a:rPr>
+              <a:t>payload.contains</a:t>
+            </a:r>
+            <a:r>
+              <a:rPr lang="en-US" sz="3500" dirty="0">
+                <a:solidFill>
+                  <a:srgbClr val="FAC090"/>
+                </a:solidFill>
+                <a:latin typeface="Courier New"/>
+                <a:cs typeface="Courier New"/>
+              </a:rPr>
+              <a:t>('2') </a:t>
+            </a:r>
+            <a:r>
+              <a:rPr lang="en-US" sz="3500" dirty="0" smtClean="0">
+                <a:solidFill>
+                  <a:srgbClr val="FAC090"/>
+                </a:solidFill>
+                <a:latin typeface="Courier New"/>
+                <a:cs typeface="Courier New"/>
+              </a:rPr>
+              <a:t> | file” --deploy</a:t>
+            </a:r>
           </a:p>
         </p:txBody>
       </p:sp>
       <p:pic>
         <p:nvPicPr>
-          <p:cNvPr id="3" name="Picture 2" descr="Screen Shot 2016-05-04 at 2.24.36 PM.png"/>
+          <p:cNvPr id="7" name="Picture 6" descr="icon-spring-cloud-data-flow-right-green.svg.png"/>
           <p:cNvPicPr>
             <a:picLocks noChangeAspect="1"/>
           </p:cNvPicPr>
@@ -9994,8 +10469,8 @@
         </p:blipFill>
         <p:spPr>
           <a:xfrm>
-            <a:off x="0" y="916599"/>
-            <a:ext cx="9144000" cy="3971410"/>
+            <a:off x="8148600" y="6053942"/>
+            <a:ext cx="995403" cy="995404"/>
           </a:xfrm>
           <a:prstGeom prst="rect">
             <a:avLst/>
@@ -10004,7 +10479,7 @@
       </p:pic>
       <p:pic>
         <p:nvPicPr>
-          <p:cNvPr id="8" name="Picture 7" descr="icon-spring-cloud-data-flow-right-green.svg.png"/>
+          <p:cNvPr id="8" name="Picture 7" descr="Binary-Data-Stream-2-300px.png"/>
           <p:cNvPicPr>
             <a:picLocks noChangeAspect="1"/>
           </p:cNvPicPr>
@@ -10024,36 +10499,6 @@
         </p:blipFill>
         <p:spPr>
           <a:xfrm>
-            <a:off x="8148600" y="6053942"/>
-            <a:ext cx="995403" cy="995404"/>
-          </a:xfrm>
-          <a:prstGeom prst="rect">
-            <a:avLst/>
-          </a:prstGeom>
-        </p:spPr>
-      </p:pic>
-      <p:pic>
-        <p:nvPicPr>
-          <p:cNvPr id="9" name="Picture 8" descr="Binary-Data-Stream-2-300px.png"/>
-          <p:cNvPicPr>
-            <a:picLocks noChangeAspect="1"/>
-          </p:cNvPicPr>
-          <p:nvPr/>
-        </p:nvPicPr>
-        <p:blipFill>
-          <a:blip r:embed="rId4">
-            <a:extLst>
-              <a:ext uri="{28A0092B-C50C-407E-A947-70E740481C1C}">
-                <a14:useLocalDpi xmlns:a14="http://schemas.microsoft.com/office/drawing/2010/main" val="0"/>
-              </a:ext>
-            </a:extLst>
-          </a:blip>
-          <a:stretch>
-            <a:fillRect/>
-          </a:stretch>
-        </p:blipFill>
-        <p:spPr>
-          <a:xfrm>
             <a:off x="7211769" y="6053944"/>
             <a:ext cx="900545" cy="838849"/>
           </a:xfrm>
@@ -10065,7 +10510,7 @@
     </p:spTree>
     <p:extLst>
       <p:ext uri="{BB962C8B-B14F-4D97-AF65-F5344CB8AC3E}">
-        <p14:creationId xmlns:p14="http://schemas.microsoft.com/office/powerpoint/2010/main" val="738591775"/>
+        <p14:creationId xmlns:p14="http://schemas.microsoft.com/office/powerpoint/2010/main" val="3579492195"/>
       </p:ext>
     </p:extLst>
   </p:cSld>
@@ -10117,12 +10562,7 @@
             <p:ph type="title"/>
           </p:nvPr>
         </p:nvSpPr>
-        <p:spPr>
-          <a:xfrm>
-            <a:off x="457200" y="2831711"/>
-            <a:ext cx="8229600" cy="1143000"/>
-          </a:xfrm>
-        </p:spPr>
+        <p:spPr/>
         <p:txBody>
           <a:bodyPr>
             <a:normAutofit fontScale="90000"/>
@@ -10131,14 +10571,14 @@
           <a:p>
             <a:r>
               <a:rPr lang="en-US" dirty="0" smtClean="0"/>
-              <a:t>Demo Time!</a:t>
+              <a:t>Creating a Stream</a:t>
             </a:r>
             <a:br>
               <a:rPr lang="en-US" dirty="0" smtClean="0"/>
             </a:br>
             <a:r>
               <a:rPr lang="en-US" dirty="0" smtClean="0"/>
-              <a:t>Let’s put some streams together</a:t>
+              <a:t>via Flo*</a:t>
             </a:r>
             <a:endParaRPr lang="en-US" dirty="0"/>
           </a:p>
@@ -10146,7 +10586,7 @@
       </p:sp>
       <p:pic>
         <p:nvPicPr>
-          <p:cNvPr id="8" name="Picture 7" descr="icon-spring-cloud-data-flow-right-green.svg.png"/>
+          <p:cNvPr id="3" name="Picture 2" descr="Screen Shot 2016-05-04 at 2.24.36 PM.png"/>
           <p:cNvPicPr>
             <a:picLocks noChangeAspect="1"/>
           </p:cNvPicPr>
@@ -10166,8 +10606,8 @@
         </p:blipFill>
         <p:spPr>
           <a:xfrm>
-            <a:off x="8148600" y="6053942"/>
-            <a:ext cx="995403" cy="995404"/>
+            <a:off x="0" y="916599"/>
+            <a:ext cx="9144000" cy="3971410"/>
           </a:xfrm>
           <a:prstGeom prst="rect">
             <a:avLst/>
@@ -10176,7 +10616,7 @@
       </p:pic>
       <p:pic>
         <p:nvPicPr>
-          <p:cNvPr id="9" name="Picture 8" descr="Binary-Data-Stream-2-300px.png"/>
+          <p:cNvPr id="8" name="Picture 7" descr="icon-spring-cloud-data-flow-right-green.svg.png"/>
           <p:cNvPicPr>
             <a:picLocks noChangeAspect="1"/>
           </p:cNvPicPr>
@@ -10196,6 +10636,36 @@
         </p:blipFill>
         <p:spPr>
           <a:xfrm>
+            <a:off x="8148600" y="6053942"/>
+            <a:ext cx="995403" cy="995404"/>
+          </a:xfrm>
+          <a:prstGeom prst="rect">
+            <a:avLst/>
+          </a:prstGeom>
+        </p:spPr>
+      </p:pic>
+      <p:pic>
+        <p:nvPicPr>
+          <p:cNvPr id="9" name="Picture 8" descr="Binary-Data-Stream-2-300px.png"/>
+          <p:cNvPicPr>
+            <a:picLocks noChangeAspect="1"/>
+          </p:cNvPicPr>
+          <p:nvPr/>
+        </p:nvPicPr>
+        <p:blipFill>
+          <a:blip r:embed="rId4">
+            <a:extLst>
+              <a:ext uri="{28A0092B-C50C-407E-A947-70E740481C1C}">
+                <a14:useLocalDpi xmlns:a14="http://schemas.microsoft.com/office/drawing/2010/main" val="0"/>
+              </a:ext>
+            </a:extLst>
+          </a:blip>
+          <a:stretch>
+            <a:fillRect/>
+          </a:stretch>
+        </p:blipFill>
+        <p:spPr>
+          <a:xfrm>
             <a:off x="7211769" y="6053944"/>
             <a:ext cx="900545" cy="838849"/>
           </a:xfrm>
@@ -10207,7 +10677,7 @@
     </p:spTree>
     <p:extLst>
       <p:ext uri="{BB962C8B-B14F-4D97-AF65-F5344CB8AC3E}">
-        <p14:creationId xmlns:p14="http://schemas.microsoft.com/office/powerpoint/2010/main" val="717807805"/>
+        <p14:creationId xmlns:p14="http://schemas.microsoft.com/office/powerpoint/2010/main" val="738591775"/>
       </p:ext>
     </p:extLst>
   </p:cSld>
@@ -10259,60 +10729,28 @@
             <p:ph type="title"/>
           </p:nvPr>
         </p:nvSpPr>
-        <p:spPr/>
-        <p:txBody>
-          <a:bodyPr/>
+        <p:spPr>
+          <a:xfrm>
+            <a:off x="457200" y="2831711"/>
+            <a:ext cx="8229600" cy="1143000"/>
+          </a:xfrm>
+        </p:spPr>
+        <p:txBody>
+          <a:bodyPr>
+            <a:normAutofit fontScale="90000"/>
+          </a:bodyPr>
           <a:lstStyle/>
           <a:p>
             <a:r>
               <a:rPr lang="en-US" dirty="0" smtClean="0"/>
-              <a:t>But what if I want to have my own: </a:t>
-            </a:r>
-            <a:endParaRPr lang="en-US" dirty="0"/>
-          </a:p>
-        </p:txBody>
-      </p:sp>
-      <p:sp>
-        <p:nvSpPr>
-          <p:cNvPr id="3" name="Content Placeholder 2"/>
-          <p:cNvSpPr>
-            <a:spLocks noGrp="1"/>
-          </p:cNvSpPr>
-          <p:nvPr>
-            <p:ph idx="1"/>
-          </p:nvPr>
-        </p:nvSpPr>
-        <p:spPr>
-          <a:xfrm>
-            <a:off x="457200" y="1600203"/>
-            <a:ext cx="8229600" cy="2463685"/>
-          </a:xfrm>
-        </p:spPr>
-        <p:txBody>
-          <a:bodyPr/>
-          <a:lstStyle/>
-          <a:p>
-            <a:r>
+              <a:t>Demo Time!</a:t>
+            </a:r>
+            <a:br>
               <a:rPr lang="en-US" dirty="0" smtClean="0"/>
-              <a:t>Source</a:t>
-            </a:r>
-          </a:p>
-          <a:p>
+            </a:br>
             <a:r>
               <a:rPr lang="en-US" dirty="0" smtClean="0"/>
-              <a:t>Processor </a:t>
-            </a:r>
-          </a:p>
-          <a:p>
-            <a:r>
-              <a:rPr lang="en-US" dirty="0" smtClean="0"/>
-              <a:t>Sink</a:t>
-            </a:r>
-          </a:p>
-          <a:p>
-            <a:r>
-              <a:rPr lang="en-US" dirty="0" smtClean="0"/>
-              <a:t>Task</a:t>
+              <a:t>Let’s put some streams together</a:t>
             </a:r>
             <a:endParaRPr lang="en-US" dirty="0"/>
           </a:p>
@@ -10320,7 +10758,7 @@
       </p:sp>
       <p:pic>
         <p:nvPicPr>
-          <p:cNvPr id="6" name="Picture 5" descr="icon-spring-cloud-data-flow-right-green.svg.png"/>
+          <p:cNvPr id="8" name="Picture 7" descr="icon-spring-cloud-data-flow-right-green.svg.png"/>
           <p:cNvPicPr>
             <a:picLocks noChangeAspect="1"/>
           </p:cNvPicPr>
@@ -10348,10 +10786,40 @@
           </a:prstGeom>
         </p:spPr>
       </p:pic>
+      <p:pic>
+        <p:nvPicPr>
+          <p:cNvPr id="9" name="Picture 8" descr="Binary-Data-Stream-2-300px.png"/>
+          <p:cNvPicPr>
+            <a:picLocks noChangeAspect="1"/>
+          </p:cNvPicPr>
+          <p:nvPr/>
+        </p:nvPicPr>
+        <p:blipFill>
+          <a:blip r:embed="rId3">
+            <a:extLst>
+              <a:ext uri="{28A0092B-C50C-407E-A947-70E740481C1C}">
+                <a14:useLocalDpi xmlns:a14="http://schemas.microsoft.com/office/drawing/2010/main" val="0"/>
+              </a:ext>
+            </a:extLst>
+          </a:blip>
+          <a:stretch>
+            <a:fillRect/>
+          </a:stretch>
+        </p:blipFill>
+        <p:spPr>
+          <a:xfrm>
+            <a:off x="7211769" y="6053944"/>
+            <a:ext cx="900545" cy="838849"/>
+          </a:xfrm>
+          <a:prstGeom prst="rect">
+            <a:avLst/>
+          </a:prstGeom>
+        </p:spPr>
+      </p:pic>
     </p:spTree>
     <p:extLst>
       <p:ext uri="{BB962C8B-B14F-4D97-AF65-F5344CB8AC3E}">
-        <p14:creationId xmlns:p14="http://schemas.microsoft.com/office/powerpoint/2010/main" val="472533446"/>
+        <p14:creationId xmlns:p14="http://schemas.microsoft.com/office/powerpoint/2010/main" val="717807805"/>
       </p:ext>
     </p:extLst>
   </p:cSld>
@@ -10418,141 +10886,53 @@
       </p:sp>
       <p:sp>
         <p:nvSpPr>
-          <p:cNvPr id="5" name="Rectangle 4"/>
-          <p:cNvSpPr/>
-          <p:nvPr/>
-        </p:nvSpPr>
-        <p:spPr>
-          <a:xfrm>
-            <a:off x="0" y="1645972"/>
-            <a:ext cx="9144000" cy="3416320"/>
-          </a:xfrm>
-          <a:prstGeom prst="rect">
-            <a:avLst/>
-          </a:prstGeom>
-          <a:solidFill>
-            <a:schemeClr val="tx1"/>
-          </a:solidFill>
-        </p:spPr>
-        <p:txBody>
-          <a:bodyPr wrap="square">
-            <a:spAutoFit/>
-          </a:bodyPr>
+          <p:cNvPr id="3" name="Content Placeholder 2"/>
+          <p:cNvSpPr>
+            <a:spLocks noGrp="1"/>
+          </p:cNvSpPr>
+          <p:nvPr>
+            <p:ph idx="1"/>
+          </p:nvPr>
+        </p:nvSpPr>
+        <p:spPr>
+          <a:xfrm>
+            <a:off x="457200" y="1600203"/>
+            <a:ext cx="8229600" cy="2463685"/>
+          </a:xfrm>
+        </p:spPr>
+        <p:txBody>
+          <a:bodyPr/>
           <a:lstStyle/>
           <a:p>
             <a:r>
-              <a:rPr lang="en-US" sz="3600" dirty="0" smtClean="0">
-                <a:solidFill>
-                  <a:srgbClr val="FAC090"/>
-                </a:solidFill>
-                <a:latin typeface="Courier New"/>
-                <a:cs typeface="Courier New"/>
-              </a:rPr>
-              <a:t>App register </a:t>
-            </a:r>
-            <a:r>
-              <a:rPr lang="en-US" sz="3600" dirty="0" smtClean="0">
-                <a:solidFill>
-                  <a:schemeClr val="bg1">
-                    <a:lumMod val="75000"/>
-                  </a:schemeClr>
-                </a:solidFill>
-                <a:latin typeface="Courier New"/>
-                <a:cs typeface="Courier New"/>
-              </a:rPr>
-              <a:t>--name </a:t>
-            </a:r>
-            <a:r>
-              <a:rPr lang="en-US" sz="3600" dirty="0" err="1" smtClean="0">
-                <a:solidFill>
-                  <a:schemeClr val="bg1">
-                    <a:lumMod val="75000"/>
-                  </a:schemeClr>
-                </a:solidFill>
-                <a:latin typeface="Courier New"/>
-                <a:cs typeface="Courier New"/>
-              </a:rPr>
-              <a:t>rlog</a:t>
-            </a:r>
-            <a:r>
-              <a:rPr lang="en-US" sz="3600" dirty="0" smtClean="0">
-                <a:solidFill>
-                  <a:schemeClr val="bg1">
-                    <a:lumMod val="75000"/>
-                  </a:schemeClr>
-                </a:solidFill>
-                <a:latin typeface="Courier New"/>
-                <a:cs typeface="Courier New"/>
-              </a:rPr>
-              <a:t> </a:t>
-            </a:r>
-          </a:p>
-          <a:p>
-            <a:r>
-              <a:rPr lang="en-US" sz="3600" dirty="0" smtClean="0">
-                <a:solidFill>
-                  <a:schemeClr val="bg1">
-                    <a:lumMod val="75000"/>
-                  </a:schemeClr>
-                </a:solidFill>
-                <a:latin typeface="Courier New"/>
-                <a:cs typeface="Courier New"/>
-              </a:rPr>
-              <a:t>--type sink </a:t>
-            </a:r>
-          </a:p>
-          <a:p>
-            <a:r>
-              <a:rPr lang="en-US" sz="3600" dirty="0" smtClean="0">
-                <a:solidFill>
-                  <a:schemeClr val="bg1">
-                    <a:lumMod val="75000"/>
-                  </a:schemeClr>
-                </a:solidFill>
-                <a:latin typeface="Courier New"/>
-                <a:cs typeface="Courier New"/>
-              </a:rPr>
-              <a:t>--</a:t>
-            </a:r>
-            <a:r>
-              <a:rPr lang="en-US" sz="3600" dirty="0" err="1" smtClean="0">
-                <a:solidFill>
-                  <a:schemeClr val="bg1">
-                    <a:lumMod val="75000"/>
-                  </a:schemeClr>
-                </a:solidFill>
-                <a:latin typeface="Courier New"/>
-                <a:cs typeface="Courier New"/>
-              </a:rPr>
-              <a:t>uri</a:t>
-            </a:r>
-            <a:r>
-              <a:rPr lang="en-US" sz="3600" dirty="0" smtClean="0">
-                <a:solidFill>
-                  <a:schemeClr val="bg1">
-                    <a:lumMod val="75000"/>
-                  </a:schemeClr>
-                </a:solidFill>
-                <a:latin typeface="Courier New"/>
-                <a:cs typeface="Courier New"/>
-              </a:rPr>
-              <a:t> maven://org.springframework.cloud.stream.app:log-sink-rabbit:jar:1.0.0.BUILD-SNAPSHOT</a:t>
-            </a:r>
-            <a:endParaRPr lang="en-US" sz="3600" dirty="0">
-              <a:solidFill>
-                <a:schemeClr val="bg1">
-                  <a:lumMod val="75000"/>
-                </a:schemeClr>
-              </a:solidFill>
-              <a:latin typeface="Courier New"/>
-              <a:cs typeface="Courier New"/>
-            </a:endParaRPr>
+              <a:rPr lang="en-US" dirty="0" smtClean="0"/>
+              <a:t>Source</a:t>
+            </a:r>
+          </a:p>
+          <a:p>
+            <a:r>
+              <a:rPr lang="en-US" dirty="0" smtClean="0"/>
+              <a:t>Processor </a:t>
+            </a:r>
+          </a:p>
+          <a:p>
+            <a:r>
+              <a:rPr lang="en-US" dirty="0" smtClean="0"/>
+              <a:t>Sink</a:t>
+            </a:r>
+          </a:p>
+          <a:p>
+            <a:r>
+              <a:rPr lang="en-US" dirty="0" smtClean="0"/>
+              <a:t>Task</a:t>
+            </a:r>
+            <a:endParaRPr lang="en-US" dirty="0"/>
           </a:p>
         </p:txBody>
       </p:sp>
       <p:pic>
         <p:nvPicPr>
-          <p:cNvPr id="7" name="Picture 6" descr="icon-spring-cloud-data-flow-right-green.svg.png"/>
+          <p:cNvPr id="6" name="Picture 5" descr="icon-spring-cloud-data-flow-right-green.svg.png"/>
           <p:cNvPicPr>
             <a:picLocks noChangeAspect="1"/>
           </p:cNvPicPr>
@@ -10583,7 +10963,7 @@
     </p:spTree>
     <p:extLst>
       <p:ext uri="{BB962C8B-B14F-4D97-AF65-F5344CB8AC3E}">
-        <p14:creationId xmlns:p14="http://schemas.microsoft.com/office/powerpoint/2010/main" val="3876898207"/>
+        <p14:creationId xmlns:p14="http://schemas.microsoft.com/office/powerpoint/2010/main" val="472533446"/>
       </p:ext>
     </p:extLst>
   </p:cSld>
@@ -10675,17 +11055,19 @@
             <a:r>
               <a:rPr lang="en-US" sz="3600" dirty="0" smtClean="0">
                 <a:solidFill>
-                  <a:srgbClr val="BFBFBF"/>
-                </a:solidFill>
-                <a:latin typeface="Courier New"/>
-                <a:cs typeface="Courier New"/>
-              </a:rPr>
-              <a:t>app register </a:t>
+                  <a:srgbClr val="FAC090"/>
+                </a:solidFill>
+                <a:latin typeface="Courier New"/>
+                <a:cs typeface="Courier New"/>
+              </a:rPr>
+              <a:t>App register </a:t>
             </a:r>
             <a:r>
               <a:rPr lang="en-US" sz="3600" dirty="0" smtClean="0">
                 <a:solidFill>
-                  <a:srgbClr val="FAC090"/>
+                  <a:schemeClr val="bg1">
+                    <a:lumMod val="75000"/>
+                  </a:schemeClr>
                 </a:solidFill>
                 <a:latin typeface="Courier New"/>
                 <a:cs typeface="Courier New"/>
@@ -10695,7 +11077,9 @@
             <a:r>
               <a:rPr lang="en-US" sz="3600" dirty="0" err="1" smtClean="0">
                 <a:solidFill>
-                  <a:srgbClr val="FAC090"/>
+                  <a:schemeClr val="bg1">
+                    <a:lumMod val="75000"/>
+                  </a:schemeClr>
                 </a:solidFill>
                 <a:latin typeface="Courier New"/>
                 <a:cs typeface="Courier New"/>
@@ -10705,7 +11089,9 @@
             <a:r>
               <a:rPr lang="en-US" sz="3600" dirty="0" smtClean="0">
                 <a:solidFill>
-                  <a:srgbClr val="FAC090"/>
+                  <a:schemeClr val="bg1">
+                    <a:lumMod val="75000"/>
+                  </a:schemeClr>
                 </a:solidFill>
                 <a:latin typeface="Courier New"/>
                 <a:cs typeface="Courier New"/>
@@ -10717,7 +11103,9 @@
             <a:r>
               <a:rPr lang="en-US" sz="3600" dirty="0" smtClean="0">
                 <a:solidFill>
-                  <a:srgbClr val="BFBFBF"/>
+                  <a:schemeClr val="bg1">
+                    <a:lumMod val="75000"/>
+                  </a:schemeClr>
                 </a:solidFill>
                 <a:latin typeface="Courier New"/>
                 <a:cs typeface="Courier New"/>
@@ -10729,7 +11117,9 @@
             <a:r>
               <a:rPr lang="en-US" sz="3600" dirty="0" smtClean="0">
                 <a:solidFill>
-                  <a:srgbClr val="BFBFBF"/>
+                  <a:schemeClr val="bg1">
+                    <a:lumMod val="75000"/>
+                  </a:schemeClr>
                 </a:solidFill>
                 <a:latin typeface="Courier New"/>
                 <a:cs typeface="Courier New"/>
@@ -10739,7 +11129,9 @@
             <a:r>
               <a:rPr lang="en-US" sz="3600" dirty="0" err="1" smtClean="0">
                 <a:solidFill>
-                  <a:srgbClr val="BFBFBF"/>
+                  <a:schemeClr val="bg1">
+                    <a:lumMod val="75000"/>
+                  </a:schemeClr>
                 </a:solidFill>
                 <a:latin typeface="Courier New"/>
                 <a:cs typeface="Courier New"/>
@@ -10749,7 +11141,9 @@
             <a:r>
               <a:rPr lang="en-US" sz="3600" dirty="0" smtClean="0">
                 <a:solidFill>
-                  <a:srgbClr val="BFBFBF"/>
+                  <a:schemeClr val="bg1">
+                    <a:lumMod val="75000"/>
+                  </a:schemeClr>
                 </a:solidFill>
                 <a:latin typeface="Courier New"/>
                 <a:cs typeface="Courier New"/>
@@ -10758,7 +11152,9 @@
             </a:r>
             <a:endParaRPr lang="en-US" sz="3600" dirty="0">
               <a:solidFill>
-                <a:srgbClr val="BFBFBF"/>
+                <a:schemeClr val="bg1">
+                  <a:lumMod val="75000"/>
+                </a:schemeClr>
               </a:solidFill>
               <a:latin typeface="Courier New"/>
               <a:cs typeface="Courier New"/>
@@ -10768,7 +11164,7 @@
       </p:sp>
       <p:pic>
         <p:nvPicPr>
-          <p:cNvPr id="6" name="Picture 5" descr="icon-spring-cloud-data-flow-right-green.svg.png"/>
+          <p:cNvPr id="7" name="Picture 6" descr="icon-spring-cloud-data-flow-right-green.svg.png"/>
           <p:cNvPicPr>
             <a:picLocks noChangeAspect="1"/>
           </p:cNvPicPr>
@@ -10799,7 +11195,7 @@
     </p:spTree>
     <p:extLst>
       <p:ext uri="{BB962C8B-B14F-4D97-AF65-F5344CB8AC3E}">
-        <p14:creationId xmlns:p14="http://schemas.microsoft.com/office/powerpoint/2010/main" val="1527358804"/>
+        <p14:creationId xmlns:p14="http://schemas.microsoft.com/office/powerpoint/2010/main" val="3876898207"/>
       </p:ext>
     </p:extLst>
   </p:cSld>
@@ -10896,34 +11292,44 @@
                 <a:latin typeface="Courier New"/>
                 <a:cs typeface="Courier New"/>
               </a:rPr>
-              <a:t>app register --name </a:t>
+              <a:t>app register </a:t>
+            </a:r>
+            <a:r>
+              <a:rPr lang="en-US" sz="3600" dirty="0" smtClean="0">
+                <a:solidFill>
+                  <a:srgbClr val="FAC090"/>
+                </a:solidFill>
+                <a:latin typeface="Courier New"/>
+                <a:cs typeface="Courier New"/>
+              </a:rPr>
+              <a:t>--name </a:t>
             </a:r>
             <a:r>
               <a:rPr lang="en-US" sz="3600" dirty="0" err="1" smtClean="0">
                 <a:solidFill>
+                  <a:srgbClr val="FAC090"/>
+                </a:solidFill>
+                <a:latin typeface="Courier New"/>
+                <a:cs typeface="Courier New"/>
+              </a:rPr>
+              <a:t>rlog</a:t>
+            </a:r>
+            <a:r>
+              <a:rPr lang="en-US" sz="3600" dirty="0" smtClean="0">
+                <a:solidFill>
+                  <a:srgbClr val="FAC090"/>
+                </a:solidFill>
+                <a:latin typeface="Courier New"/>
+                <a:cs typeface="Courier New"/>
+              </a:rPr>
+              <a:t> </a:t>
+            </a:r>
+          </a:p>
+          <a:p>
+            <a:r>
+              <a:rPr lang="en-US" sz="3600" dirty="0" smtClean="0">
+                <a:solidFill>
                   <a:srgbClr val="BFBFBF"/>
-                </a:solidFill>
-                <a:latin typeface="Courier New"/>
-                <a:cs typeface="Courier New"/>
-              </a:rPr>
-              <a:t>rlog</a:t>
-            </a:r>
-            <a:r>
-              <a:rPr lang="en-US" sz="3600" dirty="0" smtClean="0">
-                <a:solidFill>
-                  <a:srgbClr val="BFBFBF"/>
-                </a:solidFill>
-                <a:latin typeface="Courier New"/>
-                <a:cs typeface="Courier New"/>
-              </a:rPr>
-              <a:t> </a:t>
-            </a:r>
-          </a:p>
-          <a:p>
-            <a:r>
-              <a:rPr lang="en-US" sz="3600" dirty="0" smtClean="0">
-                <a:solidFill>
-                  <a:srgbClr val="FAC090"/>
                 </a:solidFill>
                 <a:latin typeface="Courier New"/>
                 <a:cs typeface="Courier New"/>
@@ -11005,7 +11411,7 @@
     </p:spTree>
     <p:extLst>
       <p:ext uri="{BB962C8B-B14F-4D97-AF65-F5344CB8AC3E}">
-        <p14:creationId xmlns:p14="http://schemas.microsoft.com/office/powerpoint/2010/main" val="1270553398"/>
+        <p14:creationId xmlns:p14="http://schemas.microsoft.com/office/powerpoint/2010/main" val="1527358804"/>
       </p:ext>
     </p:extLst>
   </p:cSld>
@@ -11297,39 +11703,39 @@
             <a:r>
               <a:rPr lang="en-US" sz="3600" dirty="0" smtClean="0">
                 <a:solidFill>
+                  <a:srgbClr val="FAC090"/>
+                </a:solidFill>
+                <a:latin typeface="Courier New"/>
+                <a:cs typeface="Courier New"/>
+              </a:rPr>
+              <a:t>--type sink </a:t>
+            </a:r>
+          </a:p>
+          <a:p>
+            <a:r>
+              <a:rPr lang="en-US" sz="3600" dirty="0" smtClean="0">
+                <a:solidFill>
                   <a:srgbClr val="BFBFBF"/>
                 </a:solidFill>
                 <a:latin typeface="Courier New"/>
                 <a:cs typeface="Courier New"/>
               </a:rPr>
-              <a:t>--type sink </a:t>
-            </a:r>
-          </a:p>
-          <a:p>
+              <a:t>--</a:t>
+            </a:r>
+            <a:r>
+              <a:rPr lang="en-US" sz="3600" dirty="0" err="1" smtClean="0">
+                <a:solidFill>
+                  <a:srgbClr val="BFBFBF"/>
+                </a:solidFill>
+                <a:latin typeface="Courier New"/>
+                <a:cs typeface="Courier New"/>
+              </a:rPr>
+              <a:t>uri</a:t>
+            </a:r>
             <a:r>
               <a:rPr lang="en-US" sz="3600" dirty="0" smtClean="0">
                 <a:solidFill>
-                  <a:srgbClr val="FAC090"/>
-                </a:solidFill>
-                <a:latin typeface="Courier New"/>
-                <a:cs typeface="Courier New"/>
-              </a:rPr>
-              <a:t>--</a:t>
-            </a:r>
-            <a:r>
-              <a:rPr lang="en-US" sz="3600" dirty="0" err="1" smtClean="0">
-                <a:solidFill>
-                  <a:srgbClr val="FAC090"/>
-                </a:solidFill>
-                <a:latin typeface="Courier New"/>
-                <a:cs typeface="Courier New"/>
-              </a:rPr>
-              <a:t>uri</a:t>
-            </a:r>
-            <a:r>
-              <a:rPr lang="en-US" sz="3600" dirty="0" smtClean="0">
-                <a:solidFill>
-                  <a:srgbClr val="FAC090"/>
+                  <a:srgbClr val="BFBFBF"/>
                 </a:solidFill>
                 <a:latin typeface="Courier New"/>
                 <a:cs typeface="Courier New"/>
@@ -11338,7 +11744,7 @@
             </a:r>
             <a:endParaRPr lang="en-US" sz="3600" dirty="0">
               <a:solidFill>
-                <a:srgbClr val="FAC090"/>
+                <a:srgbClr val="BFBFBF"/>
               </a:solidFill>
               <a:latin typeface="Courier New"/>
               <a:cs typeface="Courier New"/>
@@ -11379,7 +11785,7 @@
     </p:spTree>
     <p:extLst>
       <p:ext uri="{BB962C8B-B14F-4D97-AF65-F5344CB8AC3E}">
-        <p14:creationId xmlns:p14="http://schemas.microsoft.com/office/powerpoint/2010/main" val="1527358804"/>
+        <p14:creationId xmlns:p14="http://schemas.microsoft.com/office/powerpoint/2010/main" val="1270553398"/>
       </p:ext>
     </p:extLst>
   </p:cSld>
@@ -11438,7 +11844,7 @@
           <a:p>
             <a:r>
               <a:rPr lang="en-US" dirty="0" smtClean="0"/>
-              <a:t>Create &amp; Launch a Task</a:t>
+              <a:t>But what if I want to have my own: </a:t>
             </a:r>
             <a:endParaRPr lang="en-US" dirty="0"/>
           </a:p>
@@ -11446,150 +11852,105 @@
       </p:sp>
       <p:sp>
         <p:nvSpPr>
-          <p:cNvPr id="3" name="Content Placeholder 2"/>
-          <p:cNvSpPr>
-            <a:spLocks noGrp="1"/>
-          </p:cNvSpPr>
-          <p:nvPr>
-            <p:ph idx="1"/>
-          </p:nvPr>
-        </p:nvSpPr>
-        <p:spPr>
+          <p:cNvPr id="5" name="Rectangle 4"/>
+          <p:cNvSpPr/>
+          <p:nvPr/>
+        </p:nvSpPr>
+        <p:spPr>
+          <a:xfrm>
+            <a:off x="0" y="1645972"/>
+            <a:ext cx="9144000" cy="3416320"/>
+          </a:xfrm>
+          <a:prstGeom prst="rect">
+            <a:avLst/>
+          </a:prstGeom>
           <a:solidFill>
             <a:schemeClr val="tx1"/>
           </a:solidFill>
         </p:spPr>
         <p:txBody>
-          <a:bodyPr/>
+          <a:bodyPr wrap="square">
+            <a:spAutoFit/>
+          </a:bodyPr>
           <a:lstStyle/>
           <a:p>
-            <a:pPr marL="0" indent="0">
-              <a:buNone/>
-            </a:pPr>
-            <a:r>
-              <a:rPr lang="en-US" dirty="0">
-                <a:solidFill>
-                  <a:schemeClr val="accent6">
-                    <a:lumMod val="60000"/>
-                    <a:lumOff val="40000"/>
-                  </a:schemeClr>
-                </a:solidFill>
-                <a:latin typeface="Courier New"/>
-                <a:cs typeface="Courier New"/>
-              </a:rPr>
-              <a:t>t</a:t>
-            </a:r>
-            <a:r>
-              <a:rPr lang="en-US" dirty="0" smtClean="0">
-                <a:solidFill>
-                  <a:schemeClr val="accent6">
-                    <a:lumMod val="60000"/>
-                    <a:lumOff val="40000"/>
-                  </a:schemeClr>
-                </a:solidFill>
-                <a:latin typeface="Courier New"/>
-                <a:cs typeface="Courier New"/>
-              </a:rPr>
-              <a:t>ask create </a:t>
-            </a:r>
-          </a:p>
-          <a:p>
-            <a:pPr marL="0" indent="0">
-              <a:buNone/>
-            </a:pPr>
-            <a:r>
-              <a:rPr lang="en-US" dirty="0" smtClean="0">
+            <a:r>
+              <a:rPr lang="en-US" sz="3600" dirty="0" smtClean="0">
+                <a:solidFill>
+                  <a:srgbClr val="BFBFBF"/>
+                </a:solidFill>
+                <a:latin typeface="Courier New"/>
+                <a:cs typeface="Courier New"/>
+              </a:rPr>
+              <a:t>app register --name </a:t>
+            </a:r>
+            <a:r>
+              <a:rPr lang="en-US" sz="3600" dirty="0" err="1" smtClean="0">
+                <a:solidFill>
+                  <a:srgbClr val="BFBFBF"/>
+                </a:solidFill>
+                <a:latin typeface="Courier New"/>
+                <a:cs typeface="Courier New"/>
+              </a:rPr>
+              <a:t>rlog</a:t>
+            </a:r>
+            <a:r>
+              <a:rPr lang="en-US" sz="3600" dirty="0" smtClean="0">
+                <a:solidFill>
+                  <a:srgbClr val="BFBFBF"/>
+                </a:solidFill>
+                <a:latin typeface="Courier New"/>
+                <a:cs typeface="Courier New"/>
+              </a:rPr>
+              <a:t> </a:t>
+            </a:r>
+          </a:p>
+          <a:p>
+            <a:r>
+              <a:rPr lang="en-US" sz="3600" dirty="0" smtClean="0">
+                <a:solidFill>
+                  <a:srgbClr val="BFBFBF"/>
+                </a:solidFill>
+                <a:latin typeface="Courier New"/>
+                <a:cs typeface="Courier New"/>
+              </a:rPr>
+              <a:t>--type sink </a:t>
+            </a:r>
+          </a:p>
+          <a:p>
+            <a:r>
+              <a:rPr lang="en-US" sz="3600" dirty="0" smtClean="0">
                 <a:solidFill>
                   <a:srgbClr val="FAC090"/>
                 </a:solidFill>
                 <a:latin typeface="Courier New"/>
                 <a:cs typeface="Courier New"/>
               </a:rPr>
-              <a:t>--name </a:t>
-            </a:r>
-            <a:r>
-              <a:rPr lang="en-US" dirty="0" err="1" smtClean="0">
+              <a:t>--</a:t>
+            </a:r>
+            <a:r>
+              <a:rPr lang="en-US" sz="3600" dirty="0" err="1" smtClean="0">
                 <a:solidFill>
                   <a:srgbClr val="FAC090"/>
                 </a:solidFill>
                 <a:latin typeface="Courier New"/>
                 <a:cs typeface="Courier New"/>
               </a:rPr>
-              <a:t>mytask</a:t>
-            </a:r>
-            <a:r>
-              <a:rPr lang="en-US" dirty="0" smtClean="0">
+              <a:t>uri</a:t>
+            </a:r>
+            <a:r>
+              <a:rPr lang="en-US" sz="3600" dirty="0" smtClean="0">
                 <a:solidFill>
                   <a:srgbClr val="FAC090"/>
                 </a:solidFill>
                 <a:latin typeface="Courier New"/>
                 <a:cs typeface="Courier New"/>
               </a:rPr>
-              <a:t> </a:t>
-            </a:r>
-          </a:p>
-          <a:p>
-            <a:pPr marL="0" indent="0">
-              <a:buNone/>
-            </a:pPr>
-            <a:r>
-              <a:rPr lang="en-US" dirty="0" smtClean="0">
-                <a:solidFill>
-                  <a:srgbClr val="FAC090"/>
-                </a:solidFill>
-                <a:latin typeface="Courier New"/>
-                <a:cs typeface="Courier New"/>
-              </a:rPr>
-              <a:t>-–definition “timestamp”</a:t>
-            </a:r>
-          </a:p>
-          <a:p>
-            <a:pPr marL="0" indent="0">
-              <a:buNone/>
-            </a:pPr>
-            <a:endParaRPr lang="en-US" dirty="0" smtClean="0">
+              <a:t> maven://org.springframework.cloud.stream.app:log-sink-rabbit:jar:1.0.0.BUILD-SNAPSHOT</a:t>
+            </a:r>
+            <a:endParaRPr lang="en-US" sz="3600" dirty="0">
               <a:solidFill>
-                <a:schemeClr val="bg1">
-                  <a:lumMod val="65000"/>
-                </a:schemeClr>
-              </a:solidFill>
-              <a:latin typeface="Courier New"/>
-              <a:cs typeface="Courier New"/>
-            </a:endParaRPr>
-          </a:p>
-          <a:p>
-            <a:pPr marL="0" indent="0">
-              <a:buNone/>
-            </a:pPr>
-            <a:r>
-              <a:rPr lang="en-US" dirty="0" smtClean="0">
-                <a:solidFill>
-                  <a:schemeClr val="bg1">
-                    <a:lumMod val="65000"/>
-                  </a:schemeClr>
-                </a:solidFill>
-                <a:latin typeface="Courier New"/>
-                <a:cs typeface="Courier New"/>
-              </a:rPr>
-              <a:t>task launch </a:t>
-            </a:r>
-            <a:r>
-              <a:rPr lang="en-US" dirty="0" err="1" smtClean="0">
-                <a:solidFill>
-                  <a:schemeClr val="bg1">
-                    <a:lumMod val="65000"/>
-                  </a:schemeClr>
-                </a:solidFill>
-                <a:latin typeface="Courier New"/>
-                <a:cs typeface="Courier New"/>
-              </a:rPr>
-              <a:t>mytask</a:t>
-            </a:r>
-            <a:endParaRPr lang="en-US" dirty="0">
-              <a:solidFill>
-                <a:schemeClr val="bg1">
-                  <a:lumMod val="65000"/>
-                </a:schemeClr>
+                <a:srgbClr val="FAC090"/>
               </a:solidFill>
               <a:latin typeface="Courier New"/>
               <a:cs typeface="Courier New"/>
@@ -11627,84 +11988,10 @@
           </a:prstGeom>
         </p:spPr>
       </p:pic>
-      <p:pic>
-        <p:nvPicPr>
-          <p:cNvPr id="7" name="Picture 6" descr="Gear-001-300px.png"/>
-          <p:cNvPicPr>
-            <a:picLocks noChangeAspect="1"/>
-          </p:cNvPicPr>
-          <p:nvPr/>
-        </p:nvPicPr>
-        <p:blipFill>
-          <a:blip r:embed="rId3">
-            <a:extLst>
-              <a:ext uri="{28A0092B-C50C-407E-A947-70E740481C1C}">
-                <a14:useLocalDpi xmlns:a14="http://schemas.microsoft.com/office/drawing/2010/main" val="0"/>
-              </a:ext>
-            </a:extLst>
-          </a:blip>
-          <a:stretch>
-            <a:fillRect/>
-          </a:stretch>
-        </p:blipFill>
-        <p:spPr>
-          <a:xfrm>
-            <a:off x="7257563" y="6053945"/>
-            <a:ext cx="804057" cy="804057"/>
-          </a:xfrm>
-          <a:prstGeom prst="rect">
-            <a:avLst/>
-          </a:prstGeom>
-        </p:spPr>
-      </p:pic>
-      <p:sp>
-        <p:nvSpPr>
-          <p:cNvPr id="8" name="Rectangle 7"/>
-          <p:cNvSpPr/>
-          <p:nvPr/>
-        </p:nvSpPr>
-        <p:spPr>
-          <a:xfrm>
-            <a:off x="313136" y="1669929"/>
-            <a:ext cx="3931594" cy="504457"/>
-          </a:xfrm>
-          <a:prstGeom prst="rect">
-            <a:avLst/>
-          </a:prstGeom>
-          <a:noFill/>
-          <a:ln w="76200" cmpd="sng">
-            <a:solidFill>
-              <a:srgbClr val="3366FF"/>
-            </a:solidFill>
-          </a:ln>
-        </p:spPr>
-        <p:style>
-          <a:lnRef idx="1">
-            <a:schemeClr val="accent1"/>
-          </a:lnRef>
-          <a:fillRef idx="3">
-            <a:schemeClr val="accent1"/>
-          </a:fillRef>
-          <a:effectRef idx="2">
-            <a:schemeClr val="accent1"/>
-          </a:effectRef>
-          <a:fontRef idx="minor">
-            <a:schemeClr val="lt1"/>
-          </a:fontRef>
-        </p:style>
-        <p:txBody>
-          <a:bodyPr rtlCol="0" anchor="ctr"/>
-          <a:lstStyle/>
-          <a:p>
-            <a:pPr algn="ctr"/>
-            <a:endParaRPr lang="en-US"/>
-          </a:p>
-        </p:txBody>
-      </p:sp>
     </p:spTree>
     <p:extLst>
       <p:ext uri="{BB962C8B-B14F-4D97-AF65-F5344CB8AC3E}">
-        <p14:creationId xmlns:p14="http://schemas.microsoft.com/office/powerpoint/2010/main" val="2562647766"/>
+        <p14:creationId xmlns:p14="http://schemas.microsoft.com/office/powerpoint/2010/main" val="1527358804"/>
       </p:ext>
     </p:extLst>
   </p:cSld>
@@ -11794,7 +12081,10 @@
             <a:r>
               <a:rPr lang="en-US" dirty="0">
                 <a:solidFill>
-                  <a:srgbClr val="FAC090"/>
+                  <a:schemeClr val="accent6">
+                    <a:lumMod val="60000"/>
+                    <a:lumOff val="40000"/>
+                  </a:schemeClr>
                 </a:solidFill>
                 <a:latin typeface="Courier New"/>
                 <a:cs typeface="Courier New"/>
@@ -11804,7 +12094,10 @@
             <a:r>
               <a:rPr lang="en-US" dirty="0" smtClean="0">
                 <a:solidFill>
-                  <a:srgbClr val="FAC090"/>
+                  <a:schemeClr val="accent6">
+                    <a:lumMod val="60000"/>
+                    <a:lumOff val="40000"/>
+                  </a:schemeClr>
                 </a:solidFill>
                 <a:latin typeface="Courier New"/>
                 <a:cs typeface="Courier New"/>
@@ -11978,13 +12271,13 @@
       </p:pic>
       <p:sp>
         <p:nvSpPr>
-          <p:cNvPr id="9" name="Rectangle 8"/>
+          <p:cNvPr id="8" name="Rectangle 7"/>
           <p:cNvSpPr/>
           <p:nvPr/>
         </p:nvSpPr>
         <p:spPr>
           <a:xfrm>
-            <a:off x="313136" y="2296149"/>
+            <a:off x="313136" y="1669929"/>
             <a:ext cx="3931594" cy="504457"/>
           </a:xfrm>
           <a:prstGeom prst="rect">
@@ -12023,7 +12316,7 @@
     </p:spTree>
     <p:extLst>
       <p:ext uri="{BB962C8B-B14F-4D97-AF65-F5344CB8AC3E}">
-        <p14:creationId xmlns:p14="http://schemas.microsoft.com/office/powerpoint/2010/main" val="585811283"/>
+        <p14:creationId xmlns:p14="http://schemas.microsoft.com/office/powerpoint/2010/main" val="2562647766"/>
       </p:ext>
     </p:extLst>
   </p:cSld>
@@ -12297,14 +12590,14 @@
       </p:pic>
       <p:sp>
         <p:nvSpPr>
-          <p:cNvPr id="8" name="Rectangle 7"/>
+          <p:cNvPr id="9" name="Rectangle 8"/>
           <p:cNvSpPr/>
           <p:nvPr/>
         </p:nvSpPr>
         <p:spPr>
           <a:xfrm>
-            <a:off x="313139" y="2800606"/>
-            <a:ext cx="6140941" cy="504457"/>
+            <a:off x="313136" y="2296149"/>
+            <a:ext cx="3931594" cy="504457"/>
           </a:xfrm>
           <a:prstGeom prst="rect">
             <a:avLst/>
@@ -12342,7 +12635,7 @@
     </p:spTree>
     <p:extLst>
       <p:ext uri="{BB962C8B-B14F-4D97-AF65-F5344CB8AC3E}">
-        <p14:creationId xmlns:p14="http://schemas.microsoft.com/office/powerpoint/2010/main" val="2562647766"/>
+        <p14:creationId xmlns:p14="http://schemas.microsoft.com/office/powerpoint/2010/main" val="585811283"/>
       </p:ext>
     </p:extLst>
   </p:cSld>
@@ -12432,9 +12725,7 @@
             <a:r>
               <a:rPr lang="en-US" dirty="0">
                 <a:solidFill>
-                  <a:schemeClr val="bg1">
-                    <a:lumMod val="65000"/>
-                  </a:schemeClr>
+                  <a:srgbClr val="FAC090"/>
                 </a:solidFill>
                 <a:latin typeface="Courier New"/>
                 <a:cs typeface="Courier New"/>
@@ -12444,9 +12735,7 @@
             <a:r>
               <a:rPr lang="en-US" dirty="0" smtClean="0">
                 <a:solidFill>
-                  <a:schemeClr val="bg1">
-                    <a:lumMod val="65000"/>
-                  </a:schemeClr>
+                  <a:srgbClr val="FAC090"/>
                 </a:solidFill>
                 <a:latin typeface="Courier New"/>
                 <a:cs typeface="Courier New"/>
@@ -12461,9 +12750,7 @@
             <a:r>
               <a:rPr lang="en-US" dirty="0" smtClean="0">
                 <a:solidFill>
-                  <a:schemeClr val="bg1">
-                    <a:lumMod val="65000"/>
-                  </a:schemeClr>
+                  <a:srgbClr val="FAC090"/>
                 </a:solidFill>
                 <a:latin typeface="Courier New"/>
                 <a:cs typeface="Courier New"/>
@@ -12473,9 +12760,7 @@
             <a:r>
               <a:rPr lang="en-US" dirty="0" err="1" smtClean="0">
                 <a:solidFill>
-                  <a:schemeClr val="bg1">
-                    <a:lumMod val="65000"/>
-                  </a:schemeClr>
+                  <a:srgbClr val="FAC090"/>
                 </a:solidFill>
                 <a:latin typeface="Courier New"/>
                 <a:cs typeface="Courier New"/>
@@ -12485,9 +12770,7 @@
             <a:r>
               <a:rPr lang="en-US" dirty="0" smtClean="0">
                 <a:solidFill>
-                  <a:schemeClr val="bg1">
-                    <a:lumMod val="65000"/>
-                  </a:schemeClr>
+                  <a:srgbClr val="FAC090"/>
                 </a:solidFill>
                 <a:latin typeface="Courier New"/>
                 <a:cs typeface="Courier New"/>
@@ -12502,9 +12785,7 @@
             <a:r>
               <a:rPr lang="en-US" dirty="0" smtClean="0">
                 <a:solidFill>
-                  <a:schemeClr val="bg1">
-                    <a:lumMod val="65000"/>
-                  </a:schemeClr>
+                  <a:srgbClr val="FAC090"/>
                 </a:solidFill>
                 <a:latin typeface="Courier New"/>
                 <a:cs typeface="Courier New"/>
@@ -12518,7 +12799,9 @@
             </a:pPr>
             <a:endParaRPr lang="en-US" dirty="0" smtClean="0">
               <a:solidFill>
-                <a:schemeClr val="bg1"/>
+                <a:schemeClr val="bg1">
+                  <a:lumMod val="65000"/>
+                </a:schemeClr>
               </a:solidFill>
               <a:latin typeface="Courier New"/>
               <a:cs typeface="Courier New"/>
@@ -12531,7 +12814,9 @@
             <a:r>
               <a:rPr lang="en-US" dirty="0" smtClean="0">
                 <a:solidFill>
-                  <a:srgbClr val="FAC090"/>
+                  <a:schemeClr val="bg1">
+                    <a:lumMod val="65000"/>
+                  </a:schemeClr>
                 </a:solidFill>
                 <a:latin typeface="Courier New"/>
                 <a:cs typeface="Courier New"/>
@@ -12541,7 +12826,9 @@
             <a:r>
               <a:rPr lang="en-US" dirty="0" err="1" smtClean="0">
                 <a:solidFill>
-                  <a:srgbClr val="FAC090"/>
+                  <a:schemeClr val="bg1">
+                    <a:lumMod val="65000"/>
+                  </a:schemeClr>
                 </a:solidFill>
                 <a:latin typeface="Courier New"/>
                 <a:cs typeface="Courier New"/>
@@ -12550,7 +12837,9 @@
             </a:r>
             <a:endParaRPr lang="en-US" dirty="0">
               <a:solidFill>
-                <a:srgbClr val="FAC090"/>
+                <a:schemeClr val="bg1">
+                  <a:lumMod val="65000"/>
+                </a:schemeClr>
               </a:solidFill>
               <a:latin typeface="Courier New"/>
               <a:cs typeface="Courier New"/>
@@ -12618,10 +12907,54 @@
           </a:prstGeom>
         </p:spPr>
       </p:pic>
+      <p:sp>
+        <p:nvSpPr>
+          <p:cNvPr id="8" name="Rectangle 7"/>
+          <p:cNvSpPr/>
+          <p:nvPr/>
+        </p:nvSpPr>
+        <p:spPr>
+          <a:xfrm>
+            <a:off x="313139" y="2800606"/>
+            <a:ext cx="6140941" cy="504457"/>
+          </a:xfrm>
+          <a:prstGeom prst="rect">
+            <a:avLst/>
+          </a:prstGeom>
+          <a:noFill/>
+          <a:ln w="76200" cmpd="sng">
+            <a:solidFill>
+              <a:srgbClr val="3366FF"/>
+            </a:solidFill>
+          </a:ln>
+        </p:spPr>
+        <p:style>
+          <a:lnRef idx="1">
+            <a:schemeClr val="accent1"/>
+          </a:lnRef>
+          <a:fillRef idx="3">
+            <a:schemeClr val="accent1"/>
+          </a:fillRef>
+          <a:effectRef idx="2">
+            <a:schemeClr val="accent1"/>
+          </a:effectRef>
+          <a:fontRef idx="minor">
+            <a:schemeClr val="lt1"/>
+          </a:fontRef>
+        </p:style>
+        <p:txBody>
+          <a:bodyPr rtlCol="0" anchor="ctr"/>
+          <a:lstStyle/>
+          <a:p>
+            <a:pPr algn="ctr"/>
+            <a:endParaRPr lang="en-US"/>
+          </a:p>
+        </p:txBody>
+      </p:sp>
     </p:spTree>
     <p:extLst>
       <p:ext uri="{BB962C8B-B14F-4D97-AF65-F5344CB8AC3E}">
-        <p14:creationId xmlns:p14="http://schemas.microsoft.com/office/powerpoint/2010/main" val="3033724248"/>
+        <p14:creationId xmlns:p14="http://schemas.microsoft.com/office/powerpoint/2010/main" val="2562647766"/>
       </p:ext>
     </p:extLst>
   </p:cSld>
@@ -12673,29 +13006,173 @@
             <p:ph type="title"/>
           </p:nvPr>
         </p:nvSpPr>
-        <p:spPr>
-          <a:xfrm>
-            <a:off x="457200" y="2831711"/>
-            <a:ext cx="8229600" cy="1143000"/>
-          </a:xfrm>
-        </p:spPr>
-        <p:txBody>
-          <a:bodyPr>
-            <a:normAutofit/>
-          </a:bodyPr>
+        <p:spPr/>
+        <p:txBody>
+          <a:bodyPr/>
           <a:lstStyle/>
           <a:p>
             <a:r>
               <a:rPr lang="en-US" dirty="0" smtClean="0"/>
-              <a:t>Let’s run some tasks</a:t>
+              <a:t>Create &amp; Launch a Task</a:t>
             </a:r>
             <a:endParaRPr lang="en-US" dirty="0"/>
+          </a:p>
+        </p:txBody>
+      </p:sp>
+      <p:sp>
+        <p:nvSpPr>
+          <p:cNvPr id="3" name="Content Placeholder 2"/>
+          <p:cNvSpPr>
+            <a:spLocks noGrp="1"/>
+          </p:cNvSpPr>
+          <p:nvPr>
+            <p:ph idx="1"/>
+          </p:nvPr>
+        </p:nvSpPr>
+        <p:spPr>
+          <a:solidFill>
+            <a:schemeClr val="tx1"/>
+          </a:solidFill>
+        </p:spPr>
+        <p:txBody>
+          <a:bodyPr/>
+          <a:lstStyle/>
+          <a:p>
+            <a:pPr marL="0" indent="0">
+              <a:buNone/>
+            </a:pPr>
+            <a:r>
+              <a:rPr lang="en-US" dirty="0">
+                <a:solidFill>
+                  <a:schemeClr val="bg1">
+                    <a:lumMod val="65000"/>
+                  </a:schemeClr>
+                </a:solidFill>
+                <a:latin typeface="Courier New"/>
+                <a:cs typeface="Courier New"/>
+              </a:rPr>
+              <a:t>t</a:t>
+            </a:r>
+            <a:r>
+              <a:rPr lang="en-US" dirty="0" smtClean="0">
+                <a:solidFill>
+                  <a:schemeClr val="bg1">
+                    <a:lumMod val="65000"/>
+                  </a:schemeClr>
+                </a:solidFill>
+                <a:latin typeface="Courier New"/>
+                <a:cs typeface="Courier New"/>
+              </a:rPr>
+              <a:t>ask create </a:t>
+            </a:r>
+          </a:p>
+          <a:p>
+            <a:pPr marL="0" indent="0">
+              <a:buNone/>
+            </a:pPr>
+            <a:r>
+              <a:rPr lang="en-US" dirty="0" smtClean="0">
+                <a:solidFill>
+                  <a:schemeClr val="bg1">
+                    <a:lumMod val="65000"/>
+                  </a:schemeClr>
+                </a:solidFill>
+                <a:latin typeface="Courier New"/>
+                <a:cs typeface="Courier New"/>
+              </a:rPr>
+              <a:t>--name </a:t>
+            </a:r>
+            <a:r>
+              <a:rPr lang="en-US" dirty="0" err="1" smtClean="0">
+                <a:solidFill>
+                  <a:schemeClr val="bg1">
+                    <a:lumMod val="65000"/>
+                  </a:schemeClr>
+                </a:solidFill>
+                <a:latin typeface="Courier New"/>
+                <a:cs typeface="Courier New"/>
+              </a:rPr>
+              <a:t>mytask</a:t>
+            </a:r>
+            <a:r>
+              <a:rPr lang="en-US" dirty="0" smtClean="0">
+                <a:solidFill>
+                  <a:schemeClr val="bg1">
+                    <a:lumMod val="65000"/>
+                  </a:schemeClr>
+                </a:solidFill>
+                <a:latin typeface="Courier New"/>
+                <a:cs typeface="Courier New"/>
+              </a:rPr>
+              <a:t> </a:t>
+            </a:r>
+          </a:p>
+          <a:p>
+            <a:pPr marL="0" indent="0">
+              <a:buNone/>
+            </a:pPr>
+            <a:r>
+              <a:rPr lang="en-US" dirty="0" smtClean="0">
+                <a:solidFill>
+                  <a:schemeClr val="bg1">
+                    <a:lumMod val="65000"/>
+                  </a:schemeClr>
+                </a:solidFill>
+                <a:latin typeface="Courier New"/>
+                <a:cs typeface="Courier New"/>
+              </a:rPr>
+              <a:t>-–definition “timestamp”</a:t>
+            </a:r>
+          </a:p>
+          <a:p>
+            <a:pPr marL="0" indent="0">
+              <a:buNone/>
+            </a:pPr>
+            <a:endParaRPr lang="en-US" dirty="0" smtClean="0">
+              <a:solidFill>
+                <a:schemeClr val="bg1"/>
+              </a:solidFill>
+              <a:latin typeface="Courier New"/>
+              <a:cs typeface="Courier New"/>
+            </a:endParaRPr>
+          </a:p>
+          <a:p>
+            <a:pPr marL="0" indent="0">
+              <a:buNone/>
+            </a:pPr>
+            <a:r>
+              <a:rPr lang="en-US" dirty="0" smtClean="0">
+                <a:solidFill>
+                  <a:srgbClr val="FAC090"/>
+                </a:solidFill>
+                <a:latin typeface="Courier New"/>
+                <a:cs typeface="Courier New"/>
+              </a:rPr>
+              <a:t>task launch </a:t>
+            </a:r>
+            <a:r>
+              <a:rPr lang="en-US" dirty="0" err="1" smtClean="0">
+                <a:solidFill>
+                  <a:srgbClr val="FAC090"/>
+                </a:solidFill>
+                <a:latin typeface="Courier New"/>
+                <a:cs typeface="Courier New"/>
+              </a:rPr>
+              <a:t>mytask</a:t>
+            </a:r>
+            <a:endParaRPr lang="en-US" dirty="0">
+              <a:solidFill>
+                <a:srgbClr val="FAC090"/>
+              </a:solidFill>
+              <a:latin typeface="Courier New"/>
+              <a:cs typeface="Courier New"/>
+            </a:endParaRPr>
           </a:p>
         </p:txBody>
       </p:sp>
       <p:pic>
         <p:nvPicPr>
-          <p:cNvPr id="5" name="Picture 4" descr="icon-spring-cloud-data-flow-right-green.svg.png"/>
+          <p:cNvPr id="6" name="Picture 5" descr="icon-spring-cloud-data-flow-right-green.svg.png"/>
           <p:cNvPicPr>
             <a:picLocks noChangeAspect="1"/>
           </p:cNvPicPr>
@@ -12725,7 +13202,7 @@
       </p:pic>
       <p:pic>
         <p:nvPicPr>
-          <p:cNvPr id="8" name="Picture 7" descr="Gear-001-300px.png"/>
+          <p:cNvPr id="7" name="Picture 6" descr="Gear-001-300px.png"/>
           <p:cNvPicPr>
             <a:picLocks noChangeAspect="1"/>
           </p:cNvPicPr>
@@ -12745,7 +13222,7 @@
         </p:blipFill>
         <p:spPr>
           <a:xfrm>
-            <a:off x="7296912" y="6053945"/>
+            <a:off x="7257563" y="6053945"/>
             <a:ext cx="804057" cy="804057"/>
           </a:xfrm>
           <a:prstGeom prst="rect">
@@ -12756,7 +13233,7 @@
     </p:spTree>
     <p:extLst>
       <p:ext uri="{BB962C8B-B14F-4D97-AF65-F5344CB8AC3E}">
-        <p14:creationId xmlns:p14="http://schemas.microsoft.com/office/powerpoint/2010/main" val="3751761308"/>
+        <p14:creationId xmlns:p14="http://schemas.microsoft.com/office/powerpoint/2010/main" val="3033724248"/>
       </p:ext>
     </p:extLst>
   </p:cSld>
@@ -12808,6 +13285,141 @@
             <p:ph type="title"/>
           </p:nvPr>
         </p:nvSpPr>
+        <p:spPr>
+          <a:xfrm>
+            <a:off x="457200" y="2831711"/>
+            <a:ext cx="8229600" cy="1143000"/>
+          </a:xfrm>
+        </p:spPr>
+        <p:txBody>
+          <a:bodyPr>
+            <a:normAutofit/>
+          </a:bodyPr>
+          <a:lstStyle/>
+          <a:p>
+            <a:r>
+              <a:rPr lang="en-US" dirty="0" smtClean="0"/>
+              <a:t>Let’s run some tasks</a:t>
+            </a:r>
+            <a:endParaRPr lang="en-US" dirty="0"/>
+          </a:p>
+        </p:txBody>
+      </p:sp>
+      <p:pic>
+        <p:nvPicPr>
+          <p:cNvPr id="5" name="Picture 4" descr="icon-spring-cloud-data-flow-right-green.svg.png"/>
+          <p:cNvPicPr>
+            <a:picLocks noChangeAspect="1"/>
+          </p:cNvPicPr>
+          <p:nvPr/>
+        </p:nvPicPr>
+        <p:blipFill>
+          <a:blip r:embed="rId2">
+            <a:extLst>
+              <a:ext uri="{28A0092B-C50C-407E-A947-70E740481C1C}">
+                <a14:useLocalDpi xmlns:a14="http://schemas.microsoft.com/office/drawing/2010/main" val="0"/>
+              </a:ext>
+            </a:extLst>
+          </a:blip>
+          <a:stretch>
+            <a:fillRect/>
+          </a:stretch>
+        </p:blipFill>
+        <p:spPr>
+          <a:xfrm>
+            <a:off x="8148600" y="6053942"/>
+            <a:ext cx="995403" cy="995404"/>
+          </a:xfrm>
+          <a:prstGeom prst="rect">
+            <a:avLst/>
+          </a:prstGeom>
+        </p:spPr>
+      </p:pic>
+      <p:pic>
+        <p:nvPicPr>
+          <p:cNvPr id="8" name="Picture 7" descr="Gear-001-300px.png"/>
+          <p:cNvPicPr>
+            <a:picLocks noChangeAspect="1"/>
+          </p:cNvPicPr>
+          <p:nvPr/>
+        </p:nvPicPr>
+        <p:blipFill>
+          <a:blip r:embed="rId3">
+            <a:extLst>
+              <a:ext uri="{28A0092B-C50C-407E-A947-70E740481C1C}">
+                <a14:useLocalDpi xmlns:a14="http://schemas.microsoft.com/office/drawing/2010/main" val="0"/>
+              </a:ext>
+            </a:extLst>
+          </a:blip>
+          <a:stretch>
+            <a:fillRect/>
+          </a:stretch>
+        </p:blipFill>
+        <p:spPr>
+          <a:xfrm>
+            <a:off x="7296912" y="6053945"/>
+            <a:ext cx="804057" cy="804057"/>
+          </a:xfrm>
+          <a:prstGeom prst="rect">
+            <a:avLst/>
+          </a:prstGeom>
+        </p:spPr>
+      </p:pic>
+    </p:spTree>
+    <p:extLst>
+      <p:ext uri="{BB962C8B-B14F-4D97-AF65-F5344CB8AC3E}">
+        <p14:creationId xmlns:p14="http://schemas.microsoft.com/office/powerpoint/2010/main" val="3751761308"/>
+      </p:ext>
+    </p:extLst>
+  </p:cSld>
+  <p:clrMapOvr>
+    <a:masterClrMapping/>
+  </p:clrMapOvr>
+  <mc:AlternateContent xmlns:mc="http://schemas.openxmlformats.org/markup-compatibility/2006" xmlns:p14="http://schemas.microsoft.com/office/powerpoint/2010/main">
+    <mc:Choice Requires="p14">
+      <p:transition spd="slow" p14:dur="2000"/>
+    </mc:Choice>
+    <mc:Fallback xmlns="">
+      <p:transition xmlns:p14="http://schemas.microsoft.com/office/powerpoint/2010/main" spd="slow"/>
+    </mc:Fallback>
+  </mc:AlternateContent>
+  <p:timing>
+    <p:tnLst>
+      <p:par>
+        <p:cTn xmlns:p14="http://schemas.microsoft.com/office/powerpoint/2010/main" id="1" dur="indefinite" restart="never" nodeType="tmRoot"/>
+      </p:par>
+    </p:tnLst>
+  </p:timing>
+</p:sld>
+</file>
+
+<file path=ppt/slides/slide37.xml><?xml version="1.0" encoding="utf-8"?>
+<p:sld xmlns:a="http://schemas.openxmlformats.org/drawingml/2006/main" xmlns:r="http://schemas.openxmlformats.org/officeDocument/2006/relationships" xmlns:p="http://schemas.openxmlformats.org/presentationml/2006/main">
+  <p:cSld>
+    <p:spTree>
+      <p:nvGrpSpPr>
+        <p:cNvPr id="1" name=""/>
+        <p:cNvGrpSpPr/>
+        <p:nvPr/>
+      </p:nvGrpSpPr>
+      <p:grpSpPr>
+        <a:xfrm>
+          <a:off x="0" y="0"/>
+          <a:ext cx="0" cy="0"/>
+          <a:chOff x="0" y="0"/>
+          <a:chExt cx="0" cy="0"/>
+        </a:xfrm>
+      </p:grpSpPr>
+      <p:sp>
+        <p:nvSpPr>
+          <p:cNvPr id="2" name="Title 1"/>
+          <p:cNvSpPr>
+            <a:spLocks noGrp="1"/>
+          </p:cNvSpPr>
+          <p:nvPr>
+            <p:ph type="title"/>
+          </p:nvPr>
+        </p:nvSpPr>
         <p:spPr/>
         <p:txBody>
           <a:bodyPr/>
@@ -13156,6 +13768,795 @@
 </file>
 
 <file path=ppt/slides/slide4.xml><?xml version="1.0" encoding="utf-8"?>
+<p:sld xmlns:a="http://schemas.openxmlformats.org/drawingml/2006/main" xmlns:r="http://schemas.openxmlformats.org/officeDocument/2006/relationships" xmlns:p="http://schemas.openxmlformats.org/presentationml/2006/main">
+  <p:cSld>
+    <p:spTree>
+      <p:nvGrpSpPr>
+        <p:cNvPr id="1" name="Shape 198"/>
+        <p:cNvGrpSpPr/>
+        <p:nvPr/>
+      </p:nvGrpSpPr>
+      <p:grpSpPr>
+        <a:xfrm>
+          <a:off x="0" y="0"/>
+          <a:ext cx="0" cy="0"/>
+          <a:chOff x="0" y="0"/>
+          <a:chExt cx="0" cy="0"/>
+        </a:xfrm>
+      </p:grpSpPr>
+      <p:sp>
+        <p:nvSpPr>
+          <p:cNvPr id="199" name="Shape 199"/>
+          <p:cNvSpPr/>
+          <p:nvPr/>
+        </p:nvSpPr>
+        <p:spPr>
+          <a:xfrm>
+            <a:off x="0" y="62800"/>
+            <a:ext cx="9144000" cy="1241600"/>
+          </a:xfrm>
+          <a:prstGeom prst="rect">
+            <a:avLst/>
+          </a:prstGeom>
+          <a:solidFill>
+            <a:srgbClr val="008774"/>
+          </a:solidFill>
+          <a:ln>
+            <a:noFill/>
+          </a:ln>
+        </p:spPr>
+        <p:txBody>
+          <a:bodyPr lIns="91425" tIns="91425" rIns="91425" bIns="91425" anchor="ctr" anchorCtr="0">
+            <a:noAutofit/>
+          </a:bodyPr>
+          <a:lstStyle/>
+          <a:p>
+            <a:pPr lvl="0" algn="ctr" rtl="0">
+              <a:spcBef>
+                <a:spcPts val="0"/>
+              </a:spcBef>
+              <a:buNone/>
+            </a:pPr>
+            <a:r>
+              <a:rPr lang="en" sz="3600">
+                <a:solidFill>
+                  <a:srgbClr val="FFFFFF"/>
+                </a:solidFill>
+                <a:latin typeface="Roboto"/>
+                <a:ea typeface="Roboto"/>
+                <a:cs typeface="Roboto"/>
+                <a:sym typeface="Roboto"/>
+              </a:rPr>
+              <a:t>Technology Overview</a:t>
+            </a:r>
+          </a:p>
+        </p:txBody>
+      </p:sp>
+      <p:sp>
+        <p:nvSpPr>
+          <p:cNvPr id="200" name="Shape 200"/>
+          <p:cNvSpPr/>
+          <p:nvPr/>
+        </p:nvSpPr>
+        <p:spPr>
+          <a:xfrm>
+            <a:off x="231975" y="4023933"/>
+            <a:ext cx="2874300" cy="1035600"/>
+          </a:xfrm>
+          <a:prstGeom prst="roundRect">
+            <a:avLst>
+              <a:gd name="adj" fmla="val 16667"/>
+            </a:avLst>
+          </a:prstGeom>
+          <a:solidFill>
+            <a:schemeClr val="accent2"/>
+          </a:solidFill>
+          <a:ln w="9525" cap="flat" cmpd="sng">
+            <a:solidFill>
+              <a:srgbClr val="FFFFFF"/>
+            </a:solidFill>
+            <a:prstDash val="solid"/>
+            <a:round/>
+            <a:headEnd type="none" w="med" len="med"/>
+            <a:tailEnd type="none" w="med" len="med"/>
+          </a:ln>
+        </p:spPr>
+        <p:txBody>
+          <a:bodyPr lIns="91425" tIns="91425" rIns="91425" bIns="91425" anchor="ctr" anchorCtr="0">
+            <a:noAutofit/>
+          </a:bodyPr>
+          <a:lstStyle/>
+          <a:p>
+            <a:pPr lvl="0" algn="ctr">
+              <a:spcBef>
+                <a:spcPts val="0"/>
+              </a:spcBef>
+              <a:buNone/>
+            </a:pPr>
+            <a:r>
+              <a:rPr lang="en" sz="2400">
+                <a:solidFill>
+                  <a:srgbClr val="FFFFFF"/>
+                </a:solidFill>
+              </a:rPr>
+              <a:t>Spring Integration</a:t>
+            </a:r>
+          </a:p>
+        </p:txBody>
+      </p:sp>
+      <p:sp>
+        <p:nvSpPr>
+          <p:cNvPr id="201" name="Shape 201"/>
+          <p:cNvSpPr/>
+          <p:nvPr/>
+        </p:nvSpPr>
+        <p:spPr>
+          <a:xfrm>
+            <a:off x="3183037" y="4050833"/>
+            <a:ext cx="2874300" cy="1035600"/>
+          </a:xfrm>
+          <a:prstGeom prst="roundRect">
+            <a:avLst>
+              <a:gd name="adj" fmla="val 16667"/>
+            </a:avLst>
+          </a:prstGeom>
+          <a:solidFill>
+            <a:schemeClr val="accent2"/>
+          </a:solidFill>
+          <a:ln w="9525" cap="flat" cmpd="sng">
+            <a:solidFill>
+              <a:srgbClr val="FFFFFF"/>
+            </a:solidFill>
+            <a:prstDash val="solid"/>
+            <a:round/>
+            <a:headEnd type="none" w="med" len="med"/>
+            <a:tailEnd type="none" w="med" len="med"/>
+          </a:ln>
+        </p:spPr>
+        <p:txBody>
+          <a:bodyPr lIns="91425" tIns="91425" rIns="91425" bIns="91425" anchor="ctr" anchorCtr="0">
+            <a:noAutofit/>
+          </a:bodyPr>
+          <a:lstStyle/>
+          <a:p>
+            <a:pPr lvl="0" algn="ctr" rtl="0">
+              <a:spcBef>
+                <a:spcPts val="0"/>
+              </a:spcBef>
+              <a:buNone/>
+            </a:pPr>
+            <a:r>
+              <a:rPr lang="en" sz="2400">
+                <a:solidFill>
+                  <a:srgbClr val="FFFFFF"/>
+                </a:solidFill>
+              </a:rPr>
+              <a:t>Spring Boot</a:t>
+            </a:r>
+          </a:p>
+        </p:txBody>
+      </p:sp>
+      <p:sp>
+        <p:nvSpPr>
+          <p:cNvPr id="202" name="Shape 202"/>
+          <p:cNvSpPr/>
+          <p:nvPr/>
+        </p:nvSpPr>
+        <p:spPr>
+          <a:xfrm>
+            <a:off x="6134100" y="4023933"/>
+            <a:ext cx="2874300" cy="1035600"/>
+          </a:xfrm>
+          <a:prstGeom prst="roundRect">
+            <a:avLst>
+              <a:gd name="adj" fmla="val 16667"/>
+            </a:avLst>
+          </a:prstGeom>
+          <a:solidFill>
+            <a:schemeClr val="accent2"/>
+          </a:solidFill>
+          <a:ln w="9525" cap="flat" cmpd="sng">
+            <a:solidFill>
+              <a:srgbClr val="FFFFFF"/>
+            </a:solidFill>
+            <a:prstDash val="solid"/>
+            <a:round/>
+            <a:headEnd type="none" w="med" len="med"/>
+            <a:tailEnd type="none" w="med" len="med"/>
+          </a:ln>
+        </p:spPr>
+        <p:txBody>
+          <a:bodyPr lIns="91425" tIns="91425" rIns="91425" bIns="91425" anchor="ctr" anchorCtr="0">
+            <a:noAutofit/>
+          </a:bodyPr>
+          <a:lstStyle/>
+          <a:p>
+            <a:pPr lvl="0" algn="ctr" rtl="0">
+              <a:spcBef>
+                <a:spcPts val="0"/>
+              </a:spcBef>
+              <a:buNone/>
+            </a:pPr>
+            <a:r>
+              <a:rPr lang="en" sz="2400">
+                <a:solidFill>
+                  <a:srgbClr val="FFFFFF"/>
+                </a:solidFill>
+              </a:rPr>
+              <a:t>Spring Batch</a:t>
+            </a:r>
+          </a:p>
+        </p:txBody>
+      </p:sp>
+      <p:sp>
+        <p:nvSpPr>
+          <p:cNvPr id="203" name="Shape 203"/>
+          <p:cNvSpPr/>
+          <p:nvPr/>
+        </p:nvSpPr>
+        <p:spPr>
+          <a:xfrm>
+            <a:off x="1404100" y="2790149"/>
+            <a:ext cx="3285600" cy="1035600"/>
+          </a:xfrm>
+          <a:prstGeom prst="roundRect">
+            <a:avLst>
+              <a:gd name="adj" fmla="val 16667"/>
+            </a:avLst>
+          </a:prstGeom>
+          <a:solidFill>
+            <a:schemeClr val="accent2"/>
+          </a:solidFill>
+          <a:ln w="9525" cap="flat" cmpd="sng">
+            <a:solidFill>
+              <a:srgbClr val="FFFFFF"/>
+            </a:solidFill>
+            <a:prstDash val="solid"/>
+            <a:round/>
+            <a:headEnd type="none" w="med" len="med"/>
+            <a:tailEnd type="none" w="med" len="med"/>
+          </a:ln>
+        </p:spPr>
+        <p:txBody>
+          <a:bodyPr lIns="91425" tIns="91425" rIns="91425" bIns="91425" anchor="ctr" anchorCtr="0">
+            <a:noAutofit/>
+          </a:bodyPr>
+          <a:lstStyle/>
+          <a:p>
+            <a:pPr lvl="0" algn="ctr" rtl="0">
+              <a:spcBef>
+                <a:spcPts val="0"/>
+              </a:spcBef>
+              <a:buNone/>
+            </a:pPr>
+            <a:r>
+              <a:rPr lang="en" sz="2400">
+                <a:solidFill>
+                  <a:srgbClr val="FFFFFF"/>
+                </a:solidFill>
+              </a:rPr>
+              <a:t>Spring Cloud Streams</a:t>
+            </a:r>
+          </a:p>
+        </p:txBody>
+      </p:sp>
+      <p:sp>
+        <p:nvSpPr>
+          <p:cNvPr id="204" name="Shape 204"/>
+          <p:cNvSpPr/>
+          <p:nvPr/>
+        </p:nvSpPr>
+        <p:spPr>
+          <a:xfrm>
+            <a:off x="4824150" y="2790149"/>
+            <a:ext cx="3285600" cy="1035600"/>
+          </a:xfrm>
+          <a:prstGeom prst="roundRect">
+            <a:avLst>
+              <a:gd name="adj" fmla="val 16667"/>
+            </a:avLst>
+          </a:prstGeom>
+          <a:solidFill>
+            <a:schemeClr val="accent2"/>
+          </a:solidFill>
+          <a:ln w="9525" cap="flat" cmpd="sng">
+            <a:solidFill>
+              <a:srgbClr val="FFFFFF"/>
+            </a:solidFill>
+            <a:prstDash val="solid"/>
+            <a:round/>
+            <a:headEnd type="none" w="med" len="med"/>
+            <a:tailEnd type="none" w="med" len="med"/>
+          </a:ln>
+        </p:spPr>
+        <p:txBody>
+          <a:bodyPr lIns="91425" tIns="91425" rIns="91425" bIns="91425" anchor="ctr" anchorCtr="0">
+            <a:noAutofit/>
+          </a:bodyPr>
+          <a:lstStyle/>
+          <a:p>
+            <a:pPr lvl="0" algn="ctr" rtl="0">
+              <a:spcBef>
+                <a:spcPts val="0"/>
+              </a:spcBef>
+              <a:buNone/>
+            </a:pPr>
+            <a:r>
+              <a:rPr lang="en" sz="2400">
+                <a:solidFill>
+                  <a:srgbClr val="FFFFFF"/>
+                </a:solidFill>
+              </a:rPr>
+              <a:t>Spring Cloud Tasks</a:t>
+            </a:r>
+          </a:p>
+        </p:txBody>
+      </p:sp>
+      <p:sp>
+        <p:nvSpPr>
+          <p:cNvPr id="205" name="Shape 205"/>
+          <p:cNvSpPr/>
+          <p:nvPr/>
+        </p:nvSpPr>
+        <p:spPr>
+          <a:xfrm>
+            <a:off x="1930750" y="1556400"/>
+            <a:ext cx="5713800" cy="1035600"/>
+          </a:xfrm>
+          <a:prstGeom prst="roundRect">
+            <a:avLst>
+              <a:gd name="adj" fmla="val 16667"/>
+            </a:avLst>
+          </a:prstGeom>
+          <a:solidFill>
+            <a:srgbClr val="E69138"/>
+          </a:solidFill>
+          <a:ln w="9525" cap="flat" cmpd="sng">
+            <a:solidFill>
+              <a:srgbClr val="FFFFFF"/>
+            </a:solidFill>
+            <a:prstDash val="solid"/>
+            <a:round/>
+            <a:headEnd type="none" w="med" len="med"/>
+            <a:tailEnd type="none" w="med" len="med"/>
+          </a:ln>
+        </p:spPr>
+        <p:txBody>
+          <a:bodyPr lIns="91425" tIns="91425" rIns="91425" bIns="91425" anchor="ctr" anchorCtr="0">
+            <a:noAutofit/>
+          </a:bodyPr>
+          <a:lstStyle/>
+          <a:p>
+            <a:pPr lvl="0" algn="ctr" rtl="0">
+              <a:spcBef>
+                <a:spcPts val="0"/>
+              </a:spcBef>
+              <a:buNone/>
+            </a:pPr>
+            <a:r>
+              <a:rPr lang="en" sz="2400">
+                <a:solidFill>
+                  <a:srgbClr val="FFFFFF"/>
+                </a:solidFill>
+              </a:rPr>
+              <a:t>Spring Cloud Data Flow</a:t>
+            </a:r>
+          </a:p>
+        </p:txBody>
+      </p:sp>
+      <p:sp>
+        <p:nvSpPr>
+          <p:cNvPr id="206" name="Shape 206"/>
+          <p:cNvSpPr/>
+          <p:nvPr/>
+        </p:nvSpPr>
+        <p:spPr>
+          <a:xfrm>
+            <a:off x="257150" y="5311533"/>
+            <a:ext cx="8776500" cy="1035600"/>
+          </a:xfrm>
+          <a:prstGeom prst="roundRect">
+            <a:avLst>
+              <a:gd name="adj" fmla="val 16667"/>
+            </a:avLst>
+          </a:prstGeom>
+          <a:solidFill>
+            <a:schemeClr val="accent2"/>
+          </a:solidFill>
+          <a:ln w="9525" cap="flat" cmpd="sng">
+            <a:solidFill>
+              <a:srgbClr val="FFFFFF"/>
+            </a:solidFill>
+            <a:prstDash val="solid"/>
+            <a:round/>
+            <a:headEnd type="none" w="med" len="med"/>
+            <a:tailEnd type="none" w="med" len="med"/>
+          </a:ln>
+        </p:spPr>
+        <p:txBody>
+          <a:bodyPr lIns="91425" tIns="91425" rIns="91425" bIns="91425" anchor="ctr" anchorCtr="0">
+            <a:noAutofit/>
+          </a:bodyPr>
+          <a:lstStyle/>
+          <a:p>
+            <a:pPr lvl="0" algn="ctr" rtl="0">
+              <a:spcBef>
+                <a:spcPts val="0"/>
+              </a:spcBef>
+              <a:buNone/>
+            </a:pPr>
+            <a:r>
+              <a:rPr lang="en" sz="2400">
+                <a:solidFill>
+                  <a:srgbClr val="FFFFFF"/>
+                </a:solidFill>
+              </a:rPr>
+              <a:t>Spring Framework</a:t>
+            </a:r>
+          </a:p>
+        </p:txBody>
+      </p:sp>
+    </p:spTree>
+    <p:extLst>
+      <p:ext uri="{BB962C8B-B14F-4D97-AF65-F5344CB8AC3E}">
+        <p14:creationId xmlns:p14="http://schemas.microsoft.com/office/powerpoint/2010/main" val="4142443602"/>
+      </p:ext>
+    </p:extLst>
+  </p:cSld>
+  <p:clrMapOvr>
+    <a:masterClrMapping/>
+  </p:clrMapOvr>
+  <p:timing>
+    <p:tnLst>
+      <p:par>
+        <p:cTn xmlns:p14="http://schemas.microsoft.com/office/powerpoint/2010/main" id="1" dur="indefinite" restart="never" nodeType="tmRoot">
+          <p:childTnLst>
+            <p:seq concurrent="1" nextAc="seek">
+              <p:cTn id="2" dur="indefinite" nodeType="mainSeq">
+                <p:childTnLst>
+                  <p:par>
+                    <p:cTn id="3" fill="hold">
+                      <p:stCondLst>
+                        <p:cond delay="indefinite"/>
+                      </p:stCondLst>
+                      <p:childTnLst>
+                        <p:par>
+                          <p:cTn id="4" fill="hold">
+                            <p:stCondLst>
+                              <p:cond delay="0"/>
+                            </p:stCondLst>
+                            <p:childTnLst>
+                              <p:par>
+                                <p:cTn id="5" presetID="10" presetClass="entr" presetSubtype="0" fill="hold" nodeType="clickEffect">
+                                  <p:stCondLst>
+                                    <p:cond delay="0"/>
+                                  </p:stCondLst>
+                                  <p:childTnLst>
+                                    <p:set>
+                                      <p:cBhvr>
+                                        <p:cTn id="6" dur="1" fill="hold">
+                                          <p:stCondLst>
+                                            <p:cond delay="0"/>
+                                          </p:stCondLst>
+                                        </p:cTn>
+                                        <p:tgtEl>
+                                          <p:spTgt spid="206"/>
+                                        </p:tgtEl>
+                                        <p:attrNameLst>
+                                          <p:attrName>style.visibility</p:attrName>
+                                        </p:attrNameLst>
+                                      </p:cBhvr>
+                                      <p:to>
+                                        <p:strVal val="visible"/>
+                                      </p:to>
+                                    </p:set>
+                                    <p:animEffect transition="in" filter="fade">
+                                      <p:cBhvr>
+                                        <p:cTn id="7" dur="1000"/>
+                                        <p:tgtEl>
+                                          <p:spTgt spid="206"/>
+                                        </p:tgtEl>
+                                      </p:cBhvr>
+                                    </p:animEffect>
+                                  </p:childTnLst>
+                                </p:cTn>
+                              </p:par>
+                            </p:childTnLst>
+                          </p:cTn>
+                        </p:par>
+                      </p:childTnLst>
+                    </p:cTn>
+                  </p:par>
+                  <p:par>
+                    <p:cTn id="8" fill="hold">
+                      <p:stCondLst>
+                        <p:cond delay="indefinite"/>
+                      </p:stCondLst>
+                      <p:childTnLst>
+                        <p:par>
+                          <p:cTn id="9" fill="hold">
+                            <p:stCondLst>
+                              <p:cond delay="0"/>
+                            </p:stCondLst>
+                            <p:childTnLst>
+                              <p:par>
+                                <p:cTn id="10" presetID="10" presetClass="entr" presetSubtype="0" fill="hold" nodeType="clickEffect">
+                                  <p:stCondLst>
+                                    <p:cond delay="0"/>
+                                  </p:stCondLst>
+                                  <p:childTnLst>
+                                    <p:set>
+                                      <p:cBhvr>
+                                        <p:cTn id="11" dur="1" fill="hold">
+                                          <p:stCondLst>
+                                            <p:cond delay="0"/>
+                                          </p:stCondLst>
+                                        </p:cTn>
+                                        <p:tgtEl>
+                                          <p:spTgt spid="200"/>
+                                        </p:tgtEl>
+                                        <p:attrNameLst>
+                                          <p:attrName>style.visibility</p:attrName>
+                                        </p:attrNameLst>
+                                      </p:cBhvr>
+                                      <p:to>
+                                        <p:strVal val="visible"/>
+                                      </p:to>
+                                    </p:set>
+                                    <p:animEffect transition="in" filter="fade">
+                                      <p:cBhvr>
+                                        <p:cTn id="12" dur="1000"/>
+                                        <p:tgtEl>
+                                          <p:spTgt spid="200"/>
+                                        </p:tgtEl>
+                                      </p:cBhvr>
+                                    </p:animEffect>
+                                  </p:childTnLst>
+                                </p:cTn>
+                              </p:par>
+                              <p:par>
+                                <p:cTn id="13" presetID="10" presetClass="entr" presetSubtype="0" fill="hold" nodeType="withEffect">
+                                  <p:stCondLst>
+                                    <p:cond delay="0"/>
+                                  </p:stCondLst>
+                                  <p:childTnLst>
+                                    <p:set>
+                                      <p:cBhvr>
+                                        <p:cTn id="14" dur="1" fill="hold">
+                                          <p:stCondLst>
+                                            <p:cond delay="0"/>
+                                          </p:stCondLst>
+                                        </p:cTn>
+                                        <p:tgtEl>
+                                          <p:spTgt spid="201"/>
+                                        </p:tgtEl>
+                                        <p:attrNameLst>
+                                          <p:attrName>style.visibility</p:attrName>
+                                        </p:attrNameLst>
+                                      </p:cBhvr>
+                                      <p:to>
+                                        <p:strVal val="visible"/>
+                                      </p:to>
+                                    </p:set>
+                                    <p:animEffect transition="in" filter="fade">
+                                      <p:cBhvr>
+                                        <p:cTn id="15" dur="1000"/>
+                                        <p:tgtEl>
+                                          <p:spTgt spid="201"/>
+                                        </p:tgtEl>
+                                      </p:cBhvr>
+                                    </p:animEffect>
+                                  </p:childTnLst>
+                                </p:cTn>
+                              </p:par>
+                              <p:par>
+                                <p:cTn id="16" presetID="10" presetClass="entr" presetSubtype="0" fill="hold" nodeType="withEffect">
+                                  <p:stCondLst>
+                                    <p:cond delay="0"/>
+                                  </p:stCondLst>
+                                  <p:childTnLst>
+                                    <p:set>
+                                      <p:cBhvr>
+                                        <p:cTn id="17" dur="1" fill="hold">
+                                          <p:stCondLst>
+                                            <p:cond delay="0"/>
+                                          </p:stCondLst>
+                                        </p:cTn>
+                                        <p:tgtEl>
+                                          <p:spTgt spid="202"/>
+                                        </p:tgtEl>
+                                        <p:attrNameLst>
+                                          <p:attrName>style.visibility</p:attrName>
+                                        </p:attrNameLst>
+                                      </p:cBhvr>
+                                      <p:to>
+                                        <p:strVal val="visible"/>
+                                      </p:to>
+                                    </p:set>
+                                    <p:animEffect transition="in" filter="fade">
+                                      <p:cBhvr>
+                                        <p:cTn id="18" dur="1000"/>
+                                        <p:tgtEl>
+                                          <p:spTgt spid="202"/>
+                                        </p:tgtEl>
+                                      </p:cBhvr>
+                                    </p:animEffect>
+                                  </p:childTnLst>
+                                </p:cTn>
+                              </p:par>
+                            </p:childTnLst>
+                          </p:cTn>
+                        </p:par>
+                      </p:childTnLst>
+                    </p:cTn>
+                  </p:par>
+                  <p:par>
+                    <p:cTn id="19" fill="hold">
+                      <p:stCondLst>
+                        <p:cond delay="indefinite"/>
+                      </p:stCondLst>
+                      <p:childTnLst>
+                        <p:par>
+                          <p:cTn id="20" fill="hold">
+                            <p:stCondLst>
+                              <p:cond delay="0"/>
+                            </p:stCondLst>
+                            <p:childTnLst>
+                              <p:par>
+                                <p:cTn id="21" presetID="10" presetClass="entr" presetSubtype="0" fill="hold" nodeType="clickEffect">
+                                  <p:stCondLst>
+                                    <p:cond delay="0"/>
+                                  </p:stCondLst>
+                                  <p:childTnLst>
+                                    <p:set>
+                                      <p:cBhvr>
+                                        <p:cTn id="22" dur="1" fill="hold">
+                                          <p:stCondLst>
+                                            <p:cond delay="0"/>
+                                          </p:stCondLst>
+                                        </p:cTn>
+                                        <p:tgtEl>
+                                          <p:spTgt spid="203"/>
+                                        </p:tgtEl>
+                                        <p:attrNameLst>
+                                          <p:attrName>style.visibility</p:attrName>
+                                        </p:attrNameLst>
+                                      </p:cBhvr>
+                                      <p:to>
+                                        <p:strVal val="visible"/>
+                                      </p:to>
+                                    </p:set>
+                                    <p:animEffect transition="in" filter="fade">
+                                      <p:cBhvr>
+                                        <p:cTn id="23" dur="1000"/>
+                                        <p:tgtEl>
+                                          <p:spTgt spid="203"/>
+                                        </p:tgtEl>
+                                      </p:cBhvr>
+                                    </p:animEffect>
+                                  </p:childTnLst>
+                                </p:cTn>
+                              </p:par>
+                              <p:par>
+                                <p:cTn id="24" presetID="10" presetClass="entr" presetSubtype="0" fill="hold" nodeType="withEffect">
+                                  <p:stCondLst>
+                                    <p:cond delay="0"/>
+                                  </p:stCondLst>
+                                  <p:childTnLst>
+                                    <p:set>
+                                      <p:cBhvr>
+                                        <p:cTn id="25" dur="1" fill="hold">
+                                          <p:stCondLst>
+                                            <p:cond delay="0"/>
+                                          </p:stCondLst>
+                                        </p:cTn>
+                                        <p:tgtEl>
+                                          <p:spTgt spid="204"/>
+                                        </p:tgtEl>
+                                        <p:attrNameLst>
+                                          <p:attrName>style.visibility</p:attrName>
+                                        </p:attrNameLst>
+                                      </p:cBhvr>
+                                      <p:to>
+                                        <p:strVal val="visible"/>
+                                      </p:to>
+                                    </p:set>
+                                    <p:animEffect transition="in" filter="fade">
+                                      <p:cBhvr>
+                                        <p:cTn id="26" dur="1000"/>
+                                        <p:tgtEl>
+                                          <p:spTgt spid="204"/>
+                                        </p:tgtEl>
+                                      </p:cBhvr>
+                                    </p:animEffect>
+                                  </p:childTnLst>
+                                </p:cTn>
+                              </p:par>
+                            </p:childTnLst>
+                          </p:cTn>
+                        </p:par>
+                      </p:childTnLst>
+                    </p:cTn>
+                  </p:par>
+                  <p:par>
+                    <p:cTn id="27" fill="hold">
+                      <p:stCondLst>
+                        <p:cond delay="indefinite"/>
+                      </p:stCondLst>
+                      <p:childTnLst>
+                        <p:par>
+                          <p:cTn id="28" fill="hold">
+                            <p:stCondLst>
+                              <p:cond delay="0"/>
+                            </p:stCondLst>
+                            <p:childTnLst>
+                              <p:par>
+                                <p:cTn id="29" presetID="10" presetClass="entr" presetSubtype="0" fill="hold" nodeType="clickEffect">
+                                  <p:stCondLst>
+                                    <p:cond delay="0"/>
+                                  </p:stCondLst>
+                                  <p:childTnLst>
+                                    <p:set>
+                                      <p:cBhvr>
+                                        <p:cTn id="30" dur="1" fill="hold">
+                                          <p:stCondLst>
+                                            <p:cond delay="0"/>
+                                          </p:stCondLst>
+                                        </p:cTn>
+                                        <p:tgtEl>
+                                          <p:spTgt spid="205"/>
+                                        </p:tgtEl>
+                                        <p:attrNameLst>
+                                          <p:attrName>style.visibility</p:attrName>
+                                        </p:attrNameLst>
+                                      </p:cBhvr>
+                                      <p:to>
+                                        <p:strVal val="visible"/>
+                                      </p:to>
+                                    </p:set>
+                                    <p:animEffect transition="in" filter="fade">
+                                      <p:cBhvr>
+                                        <p:cTn id="31" dur="1000"/>
+                                        <p:tgtEl>
+                                          <p:spTgt spid="205"/>
+                                        </p:tgtEl>
+                                      </p:cBhvr>
+                                    </p:animEffect>
+                                  </p:childTnLst>
+                                </p:cTn>
+                              </p:par>
+                            </p:childTnLst>
+                          </p:cTn>
+                        </p:par>
+                      </p:childTnLst>
+                    </p:cTn>
+                  </p:par>
+                </p:childTnLst>
+              </p:cTn>
+              <p:prevCondLst>
+                <p:cond evt="onPrev" delay="0">
+                  <p:tgtEl>
+                    <p:sldTgt/>
+                  </p:tgtEl>
+                </p:cond>
+              </p:prevCondLst>
+              <p:nextCondLst>
+                <p:cond evt="onNext" delay="0">
+                  <p:tgtEl>
+                    <p:sldTgt/>
+                  </p:tgtEl>
+                </p:cond>
+              </p:nextCondLst>
+            </p:seq>
+          </p:childTnLst>
+        </p:cTn>
+      </p:par>
+    </p:tnLst>
+  </p:timing>
+</p:sld>
+</file>
+
+<file path=ppt/slides/slide5.xml><?xml version="1.0" encoding="utf-8"?>
 <p:sld xmlns:a="http://schemas.openxmlformats.org/drawingml/2006/main" xmlns:r="http://schemas.openxmlformats.org/officeDocument/2006/relationships" xmlns:p="http://schemas.openxmlformats.org/presentationml/2006/main">
   <p:cSld>
     <p:spTree>
@@ -14104,7 +15505,7 @@
 </p:sld>
 </file>
 
-<file path=ppt/slides/slide5.xml><?xml version="1.0" encoding="utf-8"?>
+<file path=ppt/slides/slide6.xml><?xml version="1.0" encoding="utf-8"?>
 <p:sld xmlns:a="http://schemas.openxmlformats.org/drawingml/2006/main" xmlns:r="http://schemas.openxmlformats.org/officeDocument/2006/relationships" xmlns:p="http://schemas.openxmlformats.org/presentationml/2006/main">
   <p:cSld>
     <p:spTree>
@@ -14295,7 +15696,7 @@
 </p:sld>
 </file>
 
-<file path=ppt/slides/slide6.xml><?xml version="1.0" encoding="utf-8"?>
+<file path=ppt/slides/slide7.xml><?xml version="1.0" encoding="utf-8"?>
 <p:sld xmlns:a="http://schemas.openxmlformats.org/drawingml/2006/main" xmlns:r="http://schemas.openxmlformats.org/officeDocument/2006/relationships" xmlns:p="http://schemas.openxmlformats.org/presentationml/2006/main">
   <p:cSld>
     <p:spTree>
@@ -15233,7 +16634,7 @@
 </p:sld>
 </file>
 
-<file path=ppt/slides/slide7.xml><?xml version="1.0" encoding="utf-8"?>
+<file path=ppt/slides/slide8.xml><?xml version="1.0" encoding="utf-8"?>
 <p:sld xmlns:a="http://schemas.openxmlformats.org/drawingml/2006/main" xmlns:r="http://schemas.openxmlformats.org/officeDocument/2006/relationships" xmlns:p="http://schemas.openxmlformats.org/presentationml/2006/main">
   <p:cSld>
     <p:spTree>
@@ -15805,7 +17206,7 @@
 </p:sld>
 </file>
 
-<file path=ppt/slides/slide8.xml><?xml version="1.0" encoding="utf-8"?>
+<file path=ppt/slides/slide9.xml><?xml version="1.0" encoding="utf-8"?>
 <p:sld xmlns:a="http://schemas.openxmlformats.org/drawingml/2006/main" xmlns:r="http://schemas.openxmlformats.org/officeDocument/2006/relationships" xmlns:p="http://schemas.openxmlformats.org/presentationml/2006/main">
   <p:cSld>
     <p:spTree>
@@ -16138,325 +17539,6 @@
     <p:extLst>
       <p:ext uri="{BB962C8B-B14F-4D97-AF65-F5344CB8AC3E}">
         <p14:creationId xmlns:p14="http://schemas.microsoft.com/office/powerpoint/2010/main" val="4096404244"/>
-      </p:ext>
-    </p:extLst>
-  </p:cSld>
-  <p:clrMapOvr>
-    <a:masterClrMapping/>
-  </p:clrMapOvr>
-  <mc:AlternateContent xmlns:mc="http://schemas.openxmlformats.org/markup-compatibility/2006" xmlns:p14="http://schemas.microsoft.com/office/powerpoint/2010/main">
-    <mc:Choice Requires="p14">
-      <p:transition spd="slow" p14:dur="2000"/>
-    </mc:Choice>
-    <mc:Fallback xmlns="">
-      <p:transition xmlns:p14="http://schemas.microsoft.com/office/powerpoint/2010/main" spd="slow"/>
-    </mc:Fallback>
-  </mc:AlternateContent>
-  <p:timing>
-    <p:tnLst>
-      <p:par>
-        <p:cTn xmlns:p14="http://schemas.microsoft.com/office/powerpoint/2010/main" id="1" dur="indefinite" restart="never" nodeType="tmRoot"/>
-      </p:par>
-    </p:tnLst>
-  </p:timing>
-</p:sld>
-</file>
-
-<file path=ppt/slides/slide9.xml><?xml version="1.0" encoding="utf-8"?>
-<p:sld xmlns:a="http://schemas.openxmlformats.org/drawingml/2006/main" xmlns:r="http://schemas.openxmlformats.org/officeDocument/2006/relationships" xmlns:p="http://schemas.openxmlformats.org/presentationml/2006/main">
-  <p:cSld>
-    <p:spTree>
-      <p:nvGrpSpPr>
-        <p:cNvPr id="1" name=""/>
-        <p:cNvGrpSpPr/>
-        <p:nvPr/>
-      </p:nvGrpSpPr>
-      <p:grpSpPr>
-        <a:xfrm>
-          <a:off x="0" y="0"/>
-          <a:ext cx="0" cy="0"/>
-          <a:chOff x="0" y="0"/>
-          <a:chExt cx="0" cy="0"/>
-        </a:xfrm>
-      </p:grpSpPr>
-      <p:sp>
-        <p:nvSpPr>
-          <p:cNvPr id="2" name="Title 1"/>
-          <p:cNvSpPr>
-            <a:spLocks noGrp="1"/>
-          </p:cNvSpPr>
-          <p:nvPr>
-            <p:ph type="title"/>
-          </p:nvPr>
-        </p:nvSpPr>
-        <p:spPr/>
-        <p:txBody>
-          <a:bodyPr/>
-          <a:lstStyle/>
-          <a:p>
-            <a:r>
-              <a:rPr lang="en-US" dirty="0" smtClean="0"/>
-              <a:t>Tasks</a:t>
-            </a:r>
-            <a:endParaRPr lang="en-US" dirty="0"/>
-          </a:p>
-        </p:txBody>
-      </p:sp>
-      <p:sp>
-        <p:nvSpPr>
-          <p:cNvPr id="3" name="Content Placeholder 2"/>
-          <p:cNvSpPr>
-            <a:spLocks noGrp="1"/>
-          </p:cNvSpPr>
-          <p:nvPr>
-            <p:ph idx="1"/>
-          </p:nvPr>
-        </p:nvSpPr>
-        <p:spPr/>
-        <p:txBody>
-          <a:bodyPr/>
-          <a:lstStyle/>
-          <a:p>
-            <a:r>
-              <a:rPr lang="en-US" dirty="0" smtClean="0"/>
-              <a:t>Tasks is a short lived </a:t>
-            </a:r>
-            <a:r>
-              <a:rPr lang="en-US" dirty="0" err="1" smtClean="0"/>
-              <a:t>microservice</a:t>
-            </a:r>
-            <a:r>
-              <a:rPr lang="en-US" dirty="0" smtClean="0"/>
-              <a:t> that perform a function or functions and then terminates</a:t>
-            </a:r>
-          </a:p>
-          <a:p>
-            <a:pPr lvl="1"/>
-            <a:r>
-              <a:rPr lang="en-US" dirty="0" smtClean="0"/>
-              <a:t>Records its state upon completion</a:t>
-            </a:r>
-          </a:p>
-          <a:p>
-            <a:pPr lvl="1"/>
-            <a:r>
-              <a:rPr lang="en-US" dirty="0" smtClean="0"/>
-              <a:t>Notifies other apps of its status</a:t>
-            </a:r>
-          </a:p>
-          <a:p>
-            <a:pPr lvl="1"/>
-            <a:r>
-              <a:rPr lang="en-US" dirty="0" smtClean="0"/>
-              <a:t>Remote Partitioning</a:t>
-            </a:r>
-          </a:p>
-          <a:p>
-            <a:pPr lvl="1"/>
-            <a:r>
-              <a:rPr lang="en-US" dirty="0" smtClean="0"/>
-              <a:t>Before /after processing</a:t>
-            </a:r>
-          </a:p>
-        </p:txBody>
-      </p:sp>
-      <p:pic>
-        <p:nvPicPr>
-          <p:cNvPr id="5" name="Picture 4" descr="Gear-001-300px.png"/>
-          <p:cNvPicPr>
-            <a:picLocks noChangeAspect="1"/>
-          </p:cNvPicPr>
-          <p:nvPr/>
-        </p:nvPicPr>
-        <p:blipFill>
-          <a:blip r:embed="rId2">
-            <a:extLst>
-              <a:ext uri="{28A0092B-C50C-407E-A947-70E740481C1C}">
-                <a14:useLocalDpi xmlns:a14="http://schemas.microsoft.com/office/drawing/2010/main" val="0"/>
-              </a:ext>
-            </a:extLst>
-          </a:blip>
-          <a:stretch>
-            <a:fillRect/>
-          </a:stretch>
-        </p:blipFill>
-        <p:spPr>
-          <a:xfrm>
-            <a:off x="8305880" y="6053945"/>
-            <a:ext cx="804057" cy="804057"/>
-          </a:xfrm>
-          <a:prstGeom prst="rect">
-            <a:avLst/>
-          </a:prstGeom>
-        </p:spPr>
-      </p:pic>
-      <p:sp>
-        <p:nvSpPr>
-          <p:cNvPr id="6" name="Shape 105"/>
-          <p:cNvSpPr/>
-          <p:nvPr/>
-        </p:nvSpPr>
-        <p:spPr>
-          <a:xfrm>
-            <a:off x="6044499" y="3760875"/>
-            <a:ext cx="2642305" cy="2011544"/>
-          </a:xfrm>
-          <a:prstGeom prst="rect">
-            <a:avLst/>
-          </a:prstGeom>
-          <a:ln/>
-          <a:extLst>
-            <a:ext uri="{C572A759-6A51-4108-AA02-DFA0A04FC94B}">
-              <ma14:wrappingTextBoxFlag xmlns:ma14="http://schemas.microsoft.com/office/mac/drawingml/2011/main" val="1"/>
-            </a:ext>
-          </a:extLst>
-        </p:spPr>
-        <p:style>
-          <a:lnRef idx="1">
-            <a:schemeClr val="dk1"/>
-          </a:lnRef>
-          <a:fillRef idx="3">
-            <a:schemeClr val="dk1"/>
-          </a:fillRef>
-          <a:effectRef idx="2">
-            <a:schemeClr val="dk1"/>
-          </a:effectRef>
-          <a:fontRef idx="minor">
-            <a:schemeClr val="lt1"/>
-          </a:fontRef>
-        </p:style>
-        <p:txBody>
-          <a:bodyPr lIns="45719" rIns="45719"/>
-          <a:lstStyle/>
-          <a:p>
-            <a:pPr algn="ctr">
-              <a:defRPr>
-                <a:solidFill>
-                  <a:srgbClr val="FFFFFF"/>
-                </a:solidFill>
-              </a:defRPr>
-            </a:pPr>
-            <a:r>
-              <a:rPr lang="en-US" dirty="0" smtClean="0">
-                <a:solidFill>
-                  <a:srgbClr val="000000"/>
-                </a:solidFill>
-              </a:rPr>
-              <a:t>Billing Task</a:t>
-            </a:r>
-            <a:endParaRPr dirty="0">
-              <a:solidFill>
-                <a:srgbClr val="000000"/>
-              </a:solidFill>
-            </a:endParaRPr>
-          </a:p>
-        </p:txBody>
-      </p:sp>
-      <p:pic>
-        <p:nvPicPr>
-          <p:cNvPr id="7" name="Picture 6"/>
-          <p:cNvPicPr>
-            <a:picLocks noChangeAspect="1"/>
-          </p:cNvPicPr>
-          <p:nvPr/>
-        </p:nvPicPr>
-        <p:blipFill>
-          <a:blip r:embed="rId3"/>
-          <a:stretch>
-            <a:fillRect/>
-          </a:stretch>
-        </p:blipFill>
-        <p:spPr>
-          <a:xfrm>
-            <a:off x="6756414" y="4253245"/>
-            <a:ext cx="1206772" cy="1171279"/>
-          </a:xfrm>
-          <a:prstGeom prst="rect">
-            <a:avLst/>
-          </a:prstGeom>
-        </p:spPr>
-      </p:pic>
-      <p:sp>
-        <p:nvSpPr>
-          <p:cNvPr id="8" name="Magnetic Disk 7"/>
-          <p:cNvSpPr/>
-          <p:nvPr/>
-        </p:nvSpPr>
-        <p:spPr>
-          <a:xfrm>
-            <a:off x="6756414" y="6066087"/>
-            <a:ext cx="1165300" cy="679045"/>
-          </a:xfrm>
-          <a:prstGeom prst="flowChartMagneticDisk">
-            <a:avLst/>
-          </a:prstGeom>
-        </p:spPr>
-        <p:style>
-          <a:lnRef idx="1">
-            <a:schemeClr val="dk1"/>
-          </a:lnRef>
-          <a:fillRef idx="3">
-            <a:schemeClr val="dk1"/>
-          </a:fillRef>
-          <a:effectRef idx="2">
-            <a:schemeClr val="dk1"/>
-          </a:effectRef>
-          <a:fontRef idx="minor">
-            <a:schemeClr val="lt1"/>
-          </a:fontRef>
-        </p:style>
-        <p:txBody>
-          <a:bodyPr rtlCol="0" anchor="ctr"/>
-          <a:lstStyle/>
-          <a:p>
-            <a:pPr algn="ctr"/>
-            <a:r>
-              <a:rPr lang="en-US" dirty="0" smtClean="0"/>
-              <a:t>database</a:t>
-            </a:r>
-            <a:endParaRPr lang="en-US" dirty="0"/>
-          </a:p>
-        </p:txBody>
-      </p:sp>
-      <p:cxnSp>
-        <p:nvCxnSpPr>
-          <p:cNvPr id="9" name="Straight Arrow Connector 8"/>
-          <p:cNvCxnSpPr>
-            <a:endCxn id="8" idx="1"/>
-          </p:cNvCxnSpPr>
-          <p:nvPr/>
-        </p:nvCxnSpPr>
-        <p:spPr>
-          <a:xfrm>
-            <a:off x="7339064" y="5804204"/>
-            <a:ext cx="0" cy="261880"/>
-          </a:xfrm>
-          <a:prstGeom prst="straightConnector1">
-            <a:avLst/>
-          </a:prstGeom>
-          <a:ln>
-            <a:tailEnd type="arrow"/>
-          </a:ln>
-        </p:spPr>
-        <p:style>
-          <a:lnRef idx="2">
-            <a:schemeClr val="accent1"/>
-          </a:lnRef>
-          <a:fillRef idx="0">
-            <a:schemeClr val="accent1"/>
-          </a:fillRef>
-          <a:effectRef idx="1">
-            <a:schemeClr val="accent1"/>
-          </a:effectRef>
-          <a:fontRef idx="minor">
-            <a:schemeClr val="tx1"/>
-          </a:fontRef>
-        </p:style>
-      </p:cxnSp>
-    </p:spTree>
-    <p:extLst>
-      <p:ext uri="{BB962C8B-B14F-4D97-AF65-F5344CB8AC3E}">
-        <p14:creationId xmlns:p14="http://schemas.microsoft.com/office/powerpoint/2010/main" val="3726152533"/>
       </p:ext>
     </p:extLst>
   </p:cSld>
